--- a/presentations/SE_ Final Presentation.pptx
+++ b/presentations/SE_ Final Presentation.pptx
@@ -21,9 +21,9 @@
     <p:sldId id="266" r:id="rId12"/>
     <p:sldId id="267" r:id="rId13"/>
     <p:sldId id="268" r:id="rId14"/>
-    <p:sldId id="269" r:id="rId15"/>
-    <p:sldId id="270" r:id="rId16"/>
-    <p:sldId id="271" r:id="rId17"/>
+    <p:sldId id="270" r:id="rId15"/>
+    <p:sldId id="271" r:id="rId16"/>
+    <p:sldId id="269" r:id="rId17"/>
     <p:sldId id="272" r:id="rId18"/>
     <p:sldId id="273" r:id="rId19"/>
     <p:sldId id="274" r:id="rId20"/>
@@ -45,17 +45,17 @@
   <p:notesSz cx="6858000" cy="9144000"/>
   <p:embeddedFontLst>
     <p:embeddedFont>
-      <p:font typeface="Calibri" panose="020F0502020204030204" pitchFamily="34" charset="0"/>
+      <p:font typeface="Old Standard TT" panose="020B0604020202020204" charset="0"/>
       <p:regular r:id="rId35"/>
       <p:bold r:id="rId36"/>
       <p:italic r:id="rId37"/>
-      <p:boldItalic r:id="rId38"/>
     </p:embeddedFont>
     <p:embeddedFont>
-      <p:font typeface="Old Standard TT" panose="020B0604020202020204" charset="0"/>
-      <p:regular r:id="rId39"/>
-      <p:bold r:id="rId40"/>
-      <p:italic r:id="rId41"/>
+      <p:font typeface="Calibri" panose="020F0502020204030204" pitchFamily="34" charset="0"/>
+      <p:regular r:id="rId38"/>
+      <p:bold r:id="rId39"/>
+      <p:italic r:id="rId40"/>
+      <p:boldItalic r:id="rId41"/>
     </p:embeddedFont>
     <p:embeddedFont>
       <p:font typeface="Corbel" panose="020B0503020204020204" pitchFamily="34" charset="0"/>
@@ -267,6 +267,11 @@
       </a:defRPr>
     </a:lvl9pPr>
   </p:defaultTextStyle>
+  <p:extLst>
+    <p:ext uri="{EFAFB233-063F-42B5-8137-9DF3F51BA10A}">
+      <p15:sldGuideLst xmlns:p15="http://schemas.microsoft.com/office/powerpoint/2012/main"/>
+    </p:ext>
+  </p:extLst>
 </p:presentation>
 </file>
 
@@ -280,22 +285,6618 @@
 <p1510:revInfo xmlns:a="http://schemas.openxmlformats.org/drawingml/2006/main" xmlns:r="http://schemas.openxmlformats.org/officeDocument/2006/relationships" xmlns:p1510="http://schemas.microsoft.com/office/powerpoint/2015/10/main"/>
 </file>
 
-<file path=ppt/comments/comment1.xml><?xml version="1.0" encoding="utf-8"?>
-<p:cmLst xmlns:a="http://schemas.openxmlformats.org/drawingml/2006/main" xmlns:r="http://schemas.openxmlformats.org/officeDocument/2006/relationships" xmlns:p="http://schemas.openxmlformats.org/presentationml/2006/main">
-  <p:cm authorId="0" dt="2017-11-16T08:45:49.565" idx="1">
-    <p:pos x="6000" y="0"/>
-    <p:text>need to update after I finish the schedule</p:text>
-  </p:cm>
-</p:cmLst>
+<file path=ppt/charts/chart1.xml><?xml version="1.0" encoding="utf-8"?>
+<c:chartSpace xmlns:c="http://schemas.openxmlformats.org/drawingml/2006/chart" xmlns:a="http://schemas.openxmlformats.org/drawingml/2006/main" xmlns:r="http://schemas.openxmlformats.org/officeDocument/2006/relationships" xmlns:c16r2="http://schemas.microsoft.com/office/drawing/2015/06/chart">
+  <c:date1904 val="0"/>
+  <c:lang val="en-US"/>
+  <c:roundedCorners val="0"/>
+  <mc:AlternateContent xmlns:mc="http://schemas.openxmlformats.org/markup-compatibility/2006">
+    <mc:Choice xmlns:c14="http://schemas.microsoft.com/office/drawing/2007/8/2/chart" Requires="c14">
+      <c14:style val="102"/>
+    </mc:Choice>
+    <mc:Fallback>
+      <c:style val="2"/>
+    </mc:Fallback>
+  </mc:AlternateContent>
+  <c:chart>
+    <c:title>
+      <c:tx>
+        <c:rich>
+          <a:bodyPr rot="0" spcFirstLastPara="1" vertOverflow="ellipsis" vert="horz" wrap="square" anchor="ctr" anchorCtr="1"/>
+          <a:lstStyle/>
+          <a:p>
+            <a:pPr>
+              <a:defRPr sz="2128" b="1" i="0" u="none" strike="noStrike" kern="1200" baseline="0">
+                <a:solidFill>
+                  <a:schemeClr val="tx1">
+                    <a:lumMod val="65000"/>
+                    <a:lumOff val="35000"/>
+                  </a:schemeClr>
+                </a:solidFill>
+                <a:latin typeface="+mn-lt"/>
+                <a:ea typeface="+mn-ea"/>
+                <a:cs typeface="+mn-cs"/>
+              </a:defRPr>
+            </a:pPr>
+            <a:r>
+              <a:rPr lang="en-SG"/>
+              <a:t>Burndown Chart: Planned VS Actual</a:t>
+            </a:r>
+          </a:p>
+        </c:rich>
+      </c:tx>
+      <c:overlay val="0"/>
+      <c:spPr>
+        <a:noFill/>
+        <a:ln>
+          <a:noFill/>
+        </a:ln>
+        <a:effectLst/>
+      </c:spPr>
+      <c:txPr>
+        <a:bodyPr rot="0" spcFirstLastPara="1" vertOverflow="ellipsis" vert="horz" wrap="square" anchor="ctr" anchorCtr="1"/>
+        <a:lstStyle/>
+        <a:p>
+          <a:pPr>
+            <a:defRPr sz="2128" b="1" i="0" u="none" strike="noStrike" kern="1200" baseline="0">
+              <a:solidFill>
+                <a:schemeClr val="tx1">
+                  <a:lumMod val="65000"/>
+                  <a:lumOff val="35000"/>
+                </a:schemeClr>
+              </a:solidFill>
+              <a:latin typeface="+mn-lt"/>
+              <a:ea typeface="+mn-ea"/>
+              <a:cs typeface="+mn-cs"/>
+            </a:defRPr>
+          </a:pPr>
+          <a:endParaRPr lang="en-US"/>
+        </a:p>
+      </c:txPr>
+    </c:title>
+    <c:autoTitleDeleted val="0"/>
+    <c:plotArea>
+      <c:layout>
+        <c:manualLayout>
+          <c:layoutTarget val="inner"/>
+          <c:xMode val="edge"/>
+          <c:yMode val="edge"/>
+          <c:x val="0.13815048118985127"/>
+          <c:y val="0.20784667418263811"/>
+          <c:w val="0.83129396325459315"/>
+          <c:h val="0.5293419382329182"/>
+        </c:manualLayout>
+      </c:layout>
+      <c:barChart>
+        <c:barDir val="col"/>
+        <c:grouping val="clustered"/>
+        <c:varyColors val="0"/>
+        <c:ser>
+          <c:idx val="1"/>
+          <c:order val="1"/>
+          <c:tx>
+            <c:strRef>
+              <c:f>'[Graph metrics.xlsx]Sheet1'!$C$74</c:f>
+              <c:strCache>
+                <c:ptCount val="1"/>
+                <c:pt idx="0">
+                  <c:v>Planned</c:v>
+                </c:pt>
+              </c:strCache>
+            </c:strRef>
+          </c:tx>
+          <c:spPr>
+            <a:gradFill rotWithShape="1">
+              <a:gsLst>
+                <a:gs pos="0">
+                  <a:schemeClr val="accent4">
+                    <a:tint val="100000"/>
+                    <a:shade val="100000"/>
+                    <a:satMod val="130000"/>
+                  </a:schemeClr>
+                </a:gs>
+                <a:gs pos="100000">
+                  <a:schemeClr val="accent4">
+                    <a:tint val="50000"/>
+                    <a:shade val="100000"/>
+                    <a:satMod val="350000"/>
+                  </a:schemeClr>
+                </a:gs>
+              </a:gsLst>
+              <a:lin ang="16200000" scaled="0"/>
+            </a:gradFill>
+            <a:ln>
+              <a:noFill/>
+            </a:ln>
+            <a:effectLst>
+              <a:outerShdw blurRad="40000" dist="23000" dir="5400000" rotWithShape="0">
+                <a:srgbClr val="000000">
+                  <a:alpha val="35000"/>
+                </a:srgbClr>
+              </a:outerShdw>
+            </a:effectLst>
+            <a:scene3d>
+              <a:camera prst="orthographicFront">
+                <a:rot lat="0" lon="0" rev="0"/>
+              </a:camera>
+              <a:lightRig rig="threePt" dir="t">
+                <a:rot lat="0" lon="0" rev="1200000"/>
+              </a:lightRig>
+            </a:scene3d>
+            <a:sp3d>
+              <a:bevelT w="63500" h="25400"/>
+            </a:sp3d>
+          </c:spPr>
+          <c:invertIfNegative val="0"/>
+          <c:dLbls>
+            <c:spPr>
+              <a:noFill/>
+              <a:ln>
+                <a:noFill/>
+              </a:ln>
+              <a:effectLst/>
+            </c:spPr>
+            <c:txPr>
+              <a:bodyPr rot="0" spcFirstLastPara="1" vertOverflow="ellipsis" vert="horz" wrap="square" lIns="38100" tIns="19050" rIns="38100" bIns="19050" anchor="ctr" anchorCtr="1">
+                <a:spAutoFit/>
+              </a:bodyPr>
+              <a:lstStyle/>
+              <a:p>
+                <a:pPr>
+                  <a:defRPr sz="1197" b="0" i="0" u="none" strike="noStrike" kern="1200" baseline="0">
+                    <a:solidFill>
+                      <a:schemeClr val="tx1">
+                        <a:lumMod val="75000"/>
+                        <a:lumOff val="25000"/>
+                      </a:schemeClr>
+                    </a:solidFill>
+                    <a:latin typeface="+mn-lt"/>
+                    <a:ea typeface="+mn-ea"/>
+                    <a:cs typeface="+mn-cs"/>
+                  </a:defRPr>
+                </a:pPr>
+                <a:endParaRPr lang="en-US"/>
+              </a:p>
+            </c:txPr>
+            <c:dLblPos val="outEnd"/>
+            <c:showLegendKey val="0"/>
+            <c:showVal val="1"/>
+            <c:showCatName val="0"/>
+            <c:showSerName val="0"/>
+            <c:showPercent val="0"/>
+            <c:showBubbleSize val="0"/>
+            <c:showLeaderLines val="0"/>
+            <c:extLst>
+              <c:ext xmlns:c15="http://schemas.microsoft.com/office/drawing/2012/chart" uri="{CE6537A1-D6FC-4f65-9D91-7224C49458BB}">
+                <c15:showLeaderLines val="1"/>
+                <c15:leaderLines>
+                  <c:spPr>
+                    <a:ln w="9525" cap="flat" cmpd="sng" algn="ctr">
+                      <a:solidFill>
+                        <a:schemeClr val="tx1">
+                          <a:lumMod val="35000"/>
+                          <a:lumOff val="65000"/>
+                        </a:schemeClr>
+                      </a:solidFill>
+                      <a:round/>
+                    </a:ln>
+                    <a:effectLst/>
+                  </c:spPr>
+                </c15:leaderLines>
+              </c:ext>
+            </c:extLst>
+          </c:dLbls>
+          <c:cat>
+            <c:numRef>
+              <c:f>'[Graph metrics.xlsx]Sheet1'!$B$75:$B$82</c:f>
+              <c:numCache>
+                <c:formatCode>General</c:formatCode>
+                <c:ptCount val="7"/>
+                <c:pt idx="0">
+                  <c:v>0</c:v>
+                </c:pt>
+                <c:pt idx="1">
+                  <c:v>1</c:v>
+                </c:pt>
+                <c:pt idx="2">
+                  <c:v>2</c:v>
+                </c:pt>
+                <c:pt idx="3">
+                  <c:v>3</c:v>
+                </c:pt>
+                <c:pt idx="4">
+                  <c:v>4</c:v>
+                </c:pt>
+                <c:pt idx="5">
+                  <c:v>5</c:v>
+                </c:pt>
+                <c:pt idx="6">
+                  <c:v>6</c:v>
+                </c:pt>
+              </c:numCache>
+              <c:extLst/>
+            </c:numRef>
+          </c:cat>
+          <c:val>
+            <c:numRef>
+              <c:f>'[Graph metrics.xlsx]Sheet1'!$C$75:$C$82</c:f>
+              <c:numCache>
+                <c:formatCode>General</c:formatCode>
+                <c:ptCount val="7"/>
+                <c:pt idx="0">
+                  <c:v>273</c:v>
+                </c:pt>
+                <c:pt idx="1">
+                  <c:v>258.5</c:v>
+                </c:pt>
+                <c:pt idx="2">
+                  <c:v>234</c:v>
+                </c:pt>
+                <c:pt idx="3">
+                  <c:v>155.5</c:v>
+                </c:pt>
+                <c:pt idx="4">
+                  <c:v>79.5</c:v>
+                </c:pt>
+                <c:pt idx="5">
+                  <c:v>28.5</c:v>
+                </c:pt>
+                <c:pt idx="6">
+                  <c:v>0</c:v>
+                </c:pt>
+              </c:numCache>
+              <c:extLst/>
+            </c:numRef>
+          </c:val>
+          <c:extLst>
+            <c:ext xmlns:c16="http://schemas.microsoft.com/office/drawing/2014/chart" uri="{C3380CC4-5D6E-409C-BE32-E72D297353CC}">
+              <c16:uniqueId val="{00000000-31A5-4761-946F-19F84E59B02A}"/>
+            </c:ext>
+          </c:extLst>
+        </c:ser>
+        <c:ser>
+          <c:idx val="2"/>
+          <c:order val="2"/>
+          <c:tx>
+            <c:strRef>
+              <c:f>'[Graph metrics.xlsx]Sheet1'!$D$74</c:f>
+              <c:strCache>
+                <c:ptCount val="1"/>
+                <c:pt idx="0">
+                  <c:v>Actual</c:v>
+                </c:pt>
+              </c:strCache>
+            </c:strRef>
+          </c:tx>
+          <c:spPr>
+            <a:gradFill rotWithShape="1">
+              <a:gsLst>
+                <a:gs pos="0">
+                  <a:schemeClr val="accent6">
+                    <a:tint val="100000"/>
+                    <a:shade val="100000"/>
+                    <a:satMod val="130000"/>
+                  </a:schemeClr>
+                </a:gs>
+                <a:gs pos="100000">
+                  <a:schemeClr val="accent6">
+                    <a:tint val="50000"/>
+                    <a:shade val="100000"/>
+                    <a:satMod val="350000"/>
+                  </a:schemeClr>
+                </a:gs>
+              </a:gsLst>
+              <a:lin ang="16200000" scaled="0"/>
+            </a:gradFill>
+            <a:ln>
+              <a:noFill/>
+            </a:ln>
+            <a:effectLst>
+              <a:outerShdw blurRad="40000" dist="23000" dir="5400000" rotWithShape="0">
+                <a:srgbClr val="000000">
+                  <a:alpha val="35000"/>
+                </a:srgbClr>
+              </a:outerShdw>
+            </a:effectLst>
+            <a:scene3d>
+              <a:camera prst="orthographicFront">
+                <a:rot lat="0" lon="0" rev="0"/>
+              </a:camera>
+              <a:lightRig rig="threePt" dir="t">
+                <a:rot lat="0" lon="0" rev="1200000"/>
+              </a:lightRig>
+            </a:scene3d>
+            <a:sp3d>
+              <a:bevelT w="63500" h="25400"/>
+            </a:sp3d>
+          </c:spPr>
+          <c:invertIfNegative val="0"/>
+          <c:dLbls>
+            <c:spPr>
+              <a:noFill/>
+              <a:ln>
+                <a:noFill/>
+              </a:ln>
+              <a:effectLst/>
+            </c:spPr>
+            <c:txPr>
+              <a:bodyPr rot="0" spcFirstLastPara="1" vertOverflow="ellipsis" vert="horz" wrap="square" lIns="38100" tIns="19050" rIns="38100" bIns="19050" anchor="ctr" anchorCtr="1">
+                <a:spAutoFit/>
+              </a:bodyPr>
+              <a:lstStyle/>
+              <a:p>
+                <a:pPr>
+                  <a:defRPr sz="1197" b="0" i="0" u="none" strike="noStrike" kern="1200" baseline="0">
+                    <a:solidFill>
+                      <a:schemeClr val="tx1">
+                        <a:lumMod val="75000"/>
+                        <a:lumOff val="25000"/>
+                      </a:schemeClr>
+                    </a:solidFill>
+                    <a:latin typeface="+mn-lt"/>
+                    <a:ea typeface="+mn-ea"/>
+                    <a:cs typeface="+mn-cs"/>
+                  </a:defRPr>
+                </a:pPr>
+                <a:endParaRPr lang="en-US"/>
+              </a:p>
+            </c:txPr>
+            <c:dLblPos val="outEnd"/>
+            <c:showLegendKey val="0"/>
+            <c:showVal val="1"/>
+            <c:showCatName val="0"/>
+            <c:showSerName val="0"/>
+            <c:showPercent val="0"/>
+            <c:showBubbleSize val="0"/>
+            <c:showLeaderLines val="0"/>
+            <c:extLst>
+              <c:ext xmlns:c15="http://schemas.microsoft.com/office/drawing/2012/chart" uri="{CE6537A1-D6FC-4f65-9D91-7224C49458BB}">
+                <c15:showLeaderLines val="1"/>
+                <c15:leaderLines>
+                  <c:spPr>
+                    <a:ln w="9525" cap="flat" cmpd="sng" algn="ctr">
+                      <a:solidFill>
+                        <a:schemeClr val="tx1">
+                          <a:lumMod val="35000"/>
+                          <a:lumOff val="65000"/>
+                        </a:schemeClr>
+                      </a:solidFill>
+                      <a:round/>
+                    </a:ln>
+                    <a:effectLst/>
+                  </c:spPr>
+                </c15:leaderLines>
+              </c:ext>
+            </c:extLst>
+          </c:dLbls>
+          <c:cat>
+            <c:numRef>
+              <c:f>'[Graph metrics.xlsx]Sheet1'!$B$75:$B$82</c:f>
+              <c:numCache>
+                <c:formatCode>General</c:formatCode>
+                <c:ptCount val="7"/>
+                <c:pt idx="0">
+                  <c:v>0</c:v>
+                </c:pt>
+                <c:pt idx="1">
+                  <c:v>1</c:v>
+                </c:pt>
+                <c:pt idx="2">
+                  <c:v>2</c:v>
+                </c:pt>
+                <c:pt idx="3">
+                  <c:v>3</c:v>
+                </c:pt>
+                <c:pt idx="4">
+                  <c:v>4</c:v>
+                </c:pt>
+                <c:pt idx="5">
+                  <c:v>5</c:v>
+                </c:pt>
+                <c:pt idx="6">
+                  <c:v>6</c:v>
+                </c:pt>
+              </c:numCache>
+              <c:extLst/>
+            </c:numRef>
+          </c:cat>
+          <c:val>
+            <c:numRef>
+              <c:f>'[Graph metrics.xlsx]Sheet1'!$D$75:$D$82</c:f>
+              <c:numCache>
+                <c:formatCode>General</c:formatCode>
+                <c:ptCount val="7"/>
+                <c:pt idx="0">
+                  <c:v>273</c:v>
+                </c:pt>
+                <c:pt idx="1">
+                  <c:v>259</c:v>
+                </c:pt>
+                <c:pt idx="2">
+                  <c:v>238.5</c:v>
+                </c:pt>
+                <c:pt idx="3">
+                  <c:v>162.5</c:v>
+                </c:pt>
+                <c:pt idx="4">
+                  <c:v>78.5</c:v>
+                </c:pt>
+                <c:pt idx="5">
+                  <c:v>29</c:v>
+                </c:pt>
+                <c:pt idx="6">
+                  <c:v>0.5</c:v>
+                </c:pt>
+              </c:numCache>
+              <c:extLst/>
+            </c:numRef>
+          </c:val>
+          <c:extLst>
+            <c:ext xmlns:c16="http://schemas.microsoft.com/office/drawing/2014/chart" uri="{C3380CC4-5D6E-409C-BE32-E72D297353CC}">
+              <c16:uniqueId val="{00000001-31A5-4761-946F-19F84E59B02A}"/>
+            </c:ext>
+          </c:extLst>
+        </c:ser>
+        <c:dLbls>
+          <c:dLblPos val="inEnd"/>
+          <c:showLegendKey val="0"/>
+          <c:showVal val="1"/>
+          <c:showCatName val="0"/>
+          <c:showSerName val="0"/>
+          <c:showPercent val="0"/>
+          <c:showBubbleSize val="0"/>
+        </c:dLbls>
+        <c:gapWidth val="100"/>
+        <c:overlap val="-24"/>
+        <c:axId val="361132680"/>
+        <c:axId val="361133008"/>
+        <c:extLst>
+          <c:ext xmlns:c15="http://schemas.microsoft.com/office/drawing/2012/chart" uri="{02D57815-91ED-43cb-92C2-25804820EDAC}">
+            <c15:filteredBarSeries>
+              <c15:ser>
+                <c:idx val="0"/>
+                <c:order val="0"/>
+                <c:tx>
+                  <c:strRef>
+                    <c:extLst>
+                      <c:ext uri="{02D57815-91ED-43cb-92C2-25804820EDAC}">
+                        <c15:formulaRef>
+                          <c15:sqref>'[Graph metrics.xlsx]Sheet1'!$B$74</c15:sqref>
+                        </c15:formulaRef>
+                      </c:ext>
+                    </c:extLst>
+                    <c:strCache>
+                      <c:ptCount val="1"/>
+                      <c:pt idx="0">
+                        <c:v>Iteration No.</c:v>
+                      </c:pt>
+                    </c:strCache>
+                  </c:strRef>
+                </c:tx>
+                <c:spPr>
+                  <a:gradFill rotWithShape="1">
+                    <a:gsLst>
+                      <a:gs pos="0">
+                        <a:schemeClr val="accent2">
+                          <a:tint val="100000"/>
+                          <a:shade val="100000"/>
+                          <a:satMod val="130000"/>
+                        </a:schemeClr>
+                      </a:gs>
+                      <a:gs pos="100000">
+                        <a:schemeClr val="accent2">
+                          <a:tint val="50000"/>
+                          <a:shade val="100000"/>
+                          <a:satMod val="350000"/>
+                        </a:schemeClr>
+                      </a:gs>
+                    </a:gsLst>
+                    <a:lin ang="16200000" scaled="0"/>
+                  </a:gradFill>
+                  <a:ln>
+                    <a:noFill/>
+                  </a:ln>
+                  <a:effectLst>
+                    <a:outerShdw blurRad="40000" dist="23000" dir="5400000" rotWithShape="0">
+                      <a:srgbClr val="000000">
+                        <a:alpha val="35000"/>
+                      </a:srgbClr>
+                    </a:outerShdw>
+                  </a:effectLst>
+                  <a:scene3d>
+                    <a:camera prst="orthographicFront">
+                      <a:rot lat="0" lon="0" rev="0"/>
+                    </a:camera>
+                    <a:lightRig rig="threePt" dir="t">
+                      <a:rot lat="0" lon="0" rev="1200000"/>
+                    </a:lightRig>
+                  </a:scene3d>
+                  <a:sp3d>
+                    <a:bevelT w="63500" h="25400"/>
+                  </a:sp3d>
+                </c:spPr>
+                <c:invertIfNegative val="0"/>
+                <c:dLbls>
+                  <c:spPr>
+                    <a:noFill/>
+                    <a:ln>
+                      <a:noFill/>
+                    </a:ln>
+                    <a:effectLst/>
+                  </c:spPr>
+                  <c:txPr>
+                    <a:bodyPr rot="0" spcFirstLastPara="1" vertOverflow="ellipsis" vert="horz" wrap="square" lIns="38100" tIns="19050" rIns="38100" bIns="19050" anchor="ctr" anchorCtr="1">
+                      <a:spAutoFit/>
+                    </a:bodyPr>
+                    <a:lstStyle/>
+                    <a:p>
+                      <a:pPr>
+                        <a:defRPr sz="1197" b="0" i="0" u="none" strike="noStrike" kern="1200" baseline="0">
+                          <a:solidFill>
+                            <a:schemeClr val="tx1">
+                              <a:lumMod val="75000"/>
+                              <a:lumOff val="25000"/>
+                            </a:schemeClr>
+                          </a:solidFill>
+                          <a:latin typeface="+mn-lt"/>
+                          <a:ea typeface="+mn-ea"/>
+                          <a:cs typeface="+mn-cs"/>
+                        </a:defRPr>
+                      </a:pPr>
+                      <a:endParaRPr lang="en-US"/>
+                    </a:p>
+                  </c:txPr>
+                  <c:dLblPos val="inEnd"/>
+                  <c:showLegendKey val="0"/>
+                  <c:showVal val="1"/>
+                  <c:showCatName val="0"/>
+                  <c:showSerName val="0"/>
+                  <c:showPercent val="0"/>
+                  <c:showBubbleSize val="0"/>
+                  <c:showLeaderLines val="0"/>
+                  <c:extLst>
+                    <c:ext uri="{CE6537A1-D6FC-4f65-9D91-7224C49458BB}">
+                      <c15:showLeaderLines val="1"/>
+                      <c15:leaderLines>
+                        <c:spPr>
+                          <a:ln w="9525" cap="flat" cmpd="sng" algn="ctr">
+                            <a:solidFill>
+                              <a:schemeClr val="tx1">
+                                <a:lumMod val="35000"/>
+                                <a:lumOff val="65000"/>
+                              </a:schemeClr>
+                            </a:solidFill>
+                            <a:round/>
+                          </a:ln>
+                          <a:effectLst/>
+                        </c:spPr>
+                      </c15:leaderLines>
+                    </c:ext>
+                  </c:extLst>
+                </c:dLbls>
+                <c:cat>
+                  <c:numRef>
+                    <c:extLst>
+                      <c:ext uri="{02D57815-91ED-43cb-92C2-25804820EDAC}">
+                        <c15:formulaRef>
+                          <c15:sqref>'[Graph metrics.xlsx]Sheet1'!$B$75:$B$82</c15:sqref>
+                        </c15:formulaRef>
+                      </c:ext>
+                    </c:extLst>
+                    <c:numCache>
+                      <c:formatCode>General</c:formatCode>
+                      <c:ptCount val="7"/>
+                      <c:pt idx="0">
+                        <c:v>0</c:v>
+                      </c:pt>
+                      <c:pt idx="1">
+                        <c:v>1</c:v>
+                      </c:pt>
+                      <c:pt idx="2">
+                        <c:v>2</c:v>
+                      </c:pt>
+                      <c:pt idx="3">
+                        <c:v>3</c:v>
+                      </c:pt>
+                      <c:pt idx="4">
+                        <c:v>4</c:v>
+                      </c:pt>
+                      <c:pt idx="5">
+                        <c:v>5</c:v>
+                      </c:pt>
+                      <c:pt idx="6">
+                        <c:v>6</c:v>
+                      </c:pt>
+                    </c:numCache>
+                  </c:numRef>
+                </c:cat>
+                <c:val>
+                  <c:numRef>
+                    <c:extLst>
+                      <c:ext uri="{02D57815-91ED-43cb-92C2-25804820EDAC}">
+                        <c15:formulaRef>
+                          <c15:sqref>'[Graph metrics.xlsx]Sheet1'!$B$75:$B$82</c15:sqref>
+                        </c15:formulaRef>
+                      </c:ext>
+                    </c:extLst>
+                    <c:numCache>
+                      <c:formatCode>General</c:formatCode>
+                      <c:ptCount val="7"/>
+                      <c:pt idx="0">
+                        <c:v>0</c:v>
+                      </c:pt>
+                      <c:pt idx="1">
+                        <c:v>1</c:v>
+                      </c:pt>
+                      <c:pt idx="2">
+                        <c:v>2</c:v>
+                      </c:pt>
+                      <c:pt idx="3">
+                        <c:v>3</c:v>
+                      </c:pt>
+                      <c:pt idx="4">
+                        <c:v>4</c:v>
+                      </c:pt>
+                      <c:pt idx="5">
+                        <c:v>5</c:v>
+                      </c:pt>
+                      <c:pt idx="6">
+                        <c:v>6</c:v>
+                      </c:pt>
+                    </c:numCache>
+                  </c:numRef>
+                </c:val>
+                <c:extLst>
+                  <c:ext xmlns:c16="http://schemas.microsoft.com/office/drawing/2014/chart" uri="{C3380CC4-5D6E-409C-BE32-E72D297353CC}">
+                    <c16:uniqueId val="{00000002-31A5-4761-946F-19F84E59B02A}"/>
+                  </c:ext>
+                </c:extLst>
+              </c15:ser>
+            </c15:filteredBarSeries>
+          </c:ext>
+        </c:extLst>
+      </c:barChart>
+      <c:catAx>
+        <c:axId val="361132680"/>
+        <c:scaling>
+          <c:orientation val="minMax"/>
+        </c:scaling>
+        <c:delete val="0"/>
+        <c:axPos val="b"/>
+        <c:title>
+          <c:tx>
+            <c:rich>
+              <a:bodyPr rot="0" spcFirstLastPara="1" vertOverflow="ellipsis" vert="horz" wrap="square" anchor="ctr" anchorCtr="1"/>
+              <a:lstStyle/>
+              <a:p>
+                <a:pPr>
+                  <a:defRPr sz="1197" b="1" i="0" u="none" strike="noStrike" kern="1200" baseline="0">
+                    <a:solidFill>
+                      <a:schemeClr val="tx1">
+                        <a:lumMod val="65000"/>
+                        <a:lumOff val="35000"/>
+                      </a:schemeClr>
+                    </a:solidFill>
+                    <a:latin typeface="+mn-lt"/>
+                    <a:ea typeface="+mn-ea"/>
+                    <a:cs typeface="+mn-cs"/>
+                  </a:defRPr>
+                </a:pPr>
+                <a:r>
+                  <a:rPr lang="en-SG" b="1"/>
+                  <a:t>Iteration</a:t>
+                </a:r>
+              </a:p>
+            </c:rich>
+          </c:tx>
+          <c:overlay val="0"/>
+          <c:spPr>
+            <a:noFill/>
+            <a:ln>
+              <a:noFill/>
+            </a:ln>
+            <a:effectLst/>
+          </c:spPr>
+          <c:txPr>
+            <a:bodyPr rot="0" spcFirstLastPara="1" vertOverflow="ellipsis" vert="horz" wrap="square" anchor="ctr" anchorCtr="1"/>
+            <a:lstStyle/>
+            <a:p>
+              <a:pPr>
+                <a:defRPr sz="1197" b="1" i="0" u="none" strike="noStrike" kern="1200" baseline="0">
+                  <a:solidFill>
+                    <a:schemeClr val="tx1">
+                      <a:lumMod val="65000"/>
+                      <a:lumOff val="35000"/>
+                    </a:schemeClr>
+                  </a:solidFill>
+                  <a:latin typeface="+mn-lt"/>
+                  <a:ea typeface="+mn-ea"/>
+                  <a:cs typeface="+mn-cs"/>
+                </a:defRPr>
+              </a:pPr>
+              <a:endParaRPr lang="en-US"/>
+            </a:p>
+          </c:txPr>
+        </c:title>
+        <c:numFmt formatCode="General" sourceLinked="1"/>
+        <c:majorTickMark val="none"/>
+        <c:minorTickMark val="none"/>
+        <c:tickLblPos val="nextTo"/>
+        <c:spPr>
+          <a:noFill/>
+          <a:ln w="12700" cap="flat" cmpd="sng" algn="ctr">
+            <a:solidFill>
+              <a:schemeClr val="tx1">
+                <a:lumMod val="15000"/>
+                <a:lumOff val="85000"/>
+              </a:schemeClr>
+            </a:solidFill>
+            <a:round/>
+          </a:ln>
+          <a:effectLst/>
+        </c:spPr>
+        <c:txPr>
+          <a:bodyPr rot="-60000000" spcFirstLastPara="1" vertOverflow="ellipsis" vert="horz" wrap="square" anchor="ctr" anchorCtr="1"/>
+          <a:lstStyle/>
+          <a:p>
+            <a:pPr>
+              <a:defRPr sz="1197" b="0" i="0" u="none" strike="noStrike" kern="1200" baseline="0">
+                <a:solidFill>
+                  <a:schemeClr val="tx1">
+                    <a:lumMod val="65000"/>
+                    <a:lumOff val="35000"/>
+                  </a:schemeClr>
+                </a:solidFill>
+                <a:latin typeface="+mn-lt"/>
+                <a:ea typeface="+mn-ea"/>
+                <a:cs typeface="+mn-cs"/>
+              </a:defRPr>
+            </a:pPr>
+            <a:endParaRPr lang="en-US"/>
+          </a:p>
+        </c:txPr>
+        <c:crossAx val="361133008"/>
+        <c:crosses val="autoZero"/>
+        <c:auto val="1"/>
+        <c:lblAlgn val="ctr"/>
+        <c:lblOffset val="100"/>
+        <c:noMultiLvlLbl val="0"/>
+      </c:catAx>
+      <c:valAx>
+        <c:axId val="361133008"/>
+        <c:scaling>
+          <c:orientation val="minMax"/>
+        </c:scaling>
+        <c:delete val="0"/>
+        <c:axPos val="l"/>
+        <c:majorGridlines>
+          <c:spPr>
+            <a:ln w="9525" cap="flat" cmpd="sng" algn="ctr">
+              <a:solidFill>
+                <a:schemeClr val="tx1">
+                  <a:lumMod val="15000"/>
+                  <a:lumOff val="85000"/>
+                </a:schemeClr>
+              </a:solidFill>
+              <a:round/>
+            </a:ln>
+            <a:effectLst/>
+          </c:spPr>
+        </c:majorGridlines>
+        <c:title>
+          <c:tx>
+            <c:rich>
+              <a:bodyPr rot="-5400000" spcFirstLastPara="1" vertOverflow="ellipsis" vert="horz" wrap="square" anchor="ctr" anchorCtr="1"/>
+              <a:lstStyle/>
+              <a:p>
+                <a:pPr>
+                  <a:defRPr sz="1197" b="1" i="0" u="none" strike="noStrike" kern="1200" baseline="0">
+                    <a:solidFill>
+                      <a:schemeClr val="tx1">
+                        <a:lumMod val="65000"/>
+                        <a:lumOff val="35000"/>
+                      </a:schemeClr>
+                    </a:solidFill>
+                    <a:latin typeface="+mn-lt"/>
+                    <a:ea typeface="+mn-ea"/>
+                    <a:cs typeface="+mn-cs"/>
+                  </a:defRPr>
+                </a:pPr>
+                <a:r>
+                  <a:rPr lang="en-SG" b="1"/>
+                  <a:t>Hours</a:t>
+                </a:r>
+              </a:p>
+            </c:rich>
+          </c:tx>
+          <c:overlay val="0"/>
+          <c:spPr>
+            <a:noFill/>
+            <a:ln>
+              <a:noFill/>
+            </a:ln>
+            <a:effectLst/>
+          </c:spPr>
+          <c:txPr>
+            <a:bodyPr rot="-5400000" spcFirstLastPara="1" vertOverflow="ellipsis" vert="horz" wrap="square" anchor="ctr" anchorCtr="1"/>
+            <a:lstStyle/>
+            <a:p>
+              <a:pPr>
+                <a:defRPr sz="1197" b="1" i="0" u="none" strike="noStrike" kern="1200" baseline="0">
+                  <a:solidFill>
+                    <a:schemeClr val="tx1">
+                      <a:lumMod val="65000"/>
+                      <a:lumOff val="35000"/>
+                    </a:schemeClr>
+                  </a:solidFill>
+                  <a:latin typeface="+mn-lt"/>
+                  <a:ea typeface="+mn-ea"/>
+                  <a:cs typeface="+mn-cs"/>
+                </a:defRPr>
+              </a:pPr>
+              <a:endParaRPr lang="en-US"/>
+            </a:p>
+          </c:txPr>
+        </c:title>
+        <c:numFmt formatCode="General" sourceLinked="1"/>
+        <c:majorTickMark val="none"/>
+        <c:minorTickMark val="none"/>
+        <c:tickLblPos val="nextTo"/>
+        <c:spPr>
+          <a:noFill/>
+          <a:ln>
+            <a:noFill/>
+          </a:ln>
+          <a:effectLst/>
+        </c:spPr>
+        <c:txPr>
+          <a:bodyPr rot="-60000000" spcFirstLastPara="1" vertOverflow="ellipsis" vert="horz" wrap="square" anchor="ctr" anchorCtr="1"/>
+          <a:lstStyle/>
+          <a:p>
+            <a:pPr>
+              <a:defRPr sz="1197" b="0" i="0" u="none" strike="noStrike" kern="1200" baseline="0">
+                <a:solidFill>
+                  <a:schemeClr val="tx1">
+                    <a:lumMod val="65000"/>
+                    <a:lumOff val="35000"/>
+                  </a:schemeClr>
+                </a:solidFill>
+                <a:latin typeface="+mn-lt"/>
+                <a:ea typeface="+mn-ea"/>
+                <a:cs typeface="+mn-cs"/>
+              </a:defRPr>
+            </a:pPr>
+            <a:endParaRPr lang="en-US"/>
+          </a:p>
+        </c:txPr>
+        <c:crossAx val="361132680"/>
+        <c:crosses val="autoZero"/>
+        <c:crossBetween val="between"/>
+      </c:valAx>
+      <c:spPr>
+        <a:noFill/>
+        <a:ln>
+          <a:noFill/>
+        </a:ln>
+        <a:effectLst/>
+      </c:spPr>
+    </c:plotArea>
+    <c:legend>
+      <c:legendPos val="b"/>
+      <c:overlay val="0"/>
+      <c:spPr>
+        <a:noFill/>
+        <a:ln>
+          <a:noFill/>
+        </a:ln>
+        <a:effectLst/>
+      </c:spPr>
+      <c:txPr>
+        <a:bodyPr rot="0" spcFirstLastPara="1" vertOverflow="ellipsis" vert="horz" wrap="square" anchor="ctr" anchorCtr="1"/>
+        <a:lstStyle/>
+        <a:p>
+          <a:pPr>
+            <a:defRPr sz="1197" b="0" i="0" u="none" strike="noStrike" kern="1200" baseline="0">
+              <a:solidFill>
+                <a:schemeClr val="tx1">
+                  <a:lumMod val="65000"/>
+                  <a:lumOff val="35000"/>
+                </a:schemeClr>
+              </a:solidFill>
+              <a:latin typeface="+mn-lt"/>
+              <a:ea typeface="+mn-ea"/>
+              <a:cs typeface="+mn-cs"/>
+            </a:defRPr>
+          </a:pPr>
+          <a:endParaRPr lang="en-US"/>
+        </a:p>
+      </c:txPr>
+    </c:legend>
+    <c:plotVisOnly val="1"/>
+    <c:dispBlanksAs val="gap"/>
+    <c:showDLblsOverMax val="0"/>
+    <c:extLst>
+      <c:ext xmlns:c16r3="http://schemas.microsoft.com/office/drawing/2017/03/chart" uri="{56B9EC1D-385E-4148-901F-78D8002777C0}">
+        <c16r3:dataDisplayOptions16>
+          <c16r3:dispNaAsBlank val="1"/>
+        </c16r3:dataDisplayOptions16>
+      </c:ext>
+    </c:extLst>
+  </c:chart>
+  <c:spPr>
+    <a:noFill/>
+    <a:ln>
+      <a:noFill/>
+    </a:ln>
+    <a:effectLst/>
+  </c:spPr>
+  <c:txPr>
+    <a:bodyPr/>
+    <a:lstStyle/>
+    <a:p>
+      <a:pPr>
+        <a:defRPr/>
+      </a:pPr>
+      <a:endParaRPr lang="en-US"/>
+    </a:p>
+  </c:txPr>
+  <c:externalData r:id="rId3">
+    <c:autoUpdate val="0"/>
+  </c:externalData>
+</c:chartSpace>
 </file>
 
-<file path=ppt/comments/comment2.xml><?xml version="1.0" encoding="utf-8"?>
-<p:cmLst xmlns:a="http://schemas.openxmlformats.org/drawingml/2006/main" xmlns:r="http://schemas.openxmlformats.org/officeDocument/2006/relationships" xmlns:p="http://schemas.openxmlformats.org/presentationml/2006/main">
-  <p:cm authorId="0" dt="2017-11-16T08:29:01.198" idx="2">
-    <p:pos x="6000" y="0"/>
-    <p:text>Need to update after I finish the schedule</p:text>
-  </p:cm>
-</p:cmLst>
+<file path=ppt/charts/chart2.xml><?xml version="1.0" encoding="utf-8"?>
+<c:chartSpace xmlns:c="http://schemas.openxmlformats.org/drawingml/2006/chart" xmlns:a="http://schemas.openxmlformats.org/drawingml/2006/main" xmlns:r="http://schemas.openxmlformats.org/officeDocument/2006/relationships" xmlns:c16r2="http://schemas.microsoft.com/office/drawing/2015/06/chart">
+  <c:date1904 val="0"/>
+  <c:lang val="en-US"/>
+  <c:roundedCorners val="0"/>
+  <mc:AlternateContent xmlns:mc="http://schemas.openxmlformats.org/markup-compatibility/2006">
+    <mc:Choice xmlns:c14="http://schemas.microsoft.com/office/drawing/2007/8/2/chart" Requires="c14">
+      <c14:style val="102"/>
+    </mc:Choice>
+    <mc:Fallback>
+      <c:style val="2"/>
+    </mc:Fallback>
+  </mc:AlternateContent>
+  <c:chart>
+    <c:title>
+      <c:tx>
+        <c:rich>
+          <a:bodyPr rot="0" spcFirstLastPara="1" vertOverflow="ellipsis" vert="horz" wrap="square" anchor="ctr" anchorCtr="1"/>
+          <a:lstStyle/>
+          <a:p>
+            <a:pPr>
+              <a:defRPr sz="2128" b="1" i="0" u="none" strike="noStrike" kern="1200" baseline="0">
+                <a:solidFill>
+                  <a:schemeClr val="tx1">
+                    <a:lumMod val="65000"/>
+                    <a:lumOff val="35000"/>
+                  </a:schemeClr>
+                </a:solidFill>
+                <a:latin typeface="+mn-lt"/>
+                <a:ea typeface="+mn-ea"/>
+                <a:cs typeface="+mn-cs"/>
+              </a:defRPr>
+            </a:pPr>
+            <a:r>
+              <a:rPr lang="en-SG"/>
+              <a:t>Breakdown of Work: Programming VS Non-Programming</a:t>
+            </a:r>
+          </a:p>
+        </c:rich>
+      </c:tx>
+      <c:overlay val="0"/>
+      <c:spPr>
+        <a:noFill/>
+        <a:ln>
+          <a:noFill/>
+        </a:ln>
+        <a:effectLst/>
+      </c:spPr>
+      <c:txPr>
+        <a:bodyPr rot="0" spcFirstLastPara="1" vertOverflow="ellipsis" vert="horz" wrap="square" anchor="ctr" anchorCtr="1"/>
+        <a:lstStyle/>
+        <a:p>
+          <a:pPr>
+            <a:defRPr sz="2128" b="1" i="0" u="none" strike="noStrike" kern="1200" baseline="0">
+              <a:solidFill>
+                <a:schemeClr val="tx1">
+                  <a:lumMod val="65000"/>
+                  <a:lumOff val="35000"/>
+                </a:schemeClr>
+              </a:solidFill>
+              <a:latin typeface="+mn-lt"/>
+              <a:ea typeface="+mn-ea"/>
+              <a:cs typeface="+mn-cs"/>
+            </a:defRPr>
+          </a:pPr>
+          <a:endParaRPr lang="en-US"/>
+        </a:p>
+      </c:txPr>
+    </c:title>
+    <c:autoTitleDeleted val="0"/>
+    <c:plotArea>
+      <c:layout/>
+      <c:barChart>
+        <c:barDir val="col"/>
+        <c:grouping val="clustered"/>
+        <c:varyColors val="0"/>
+        <c:ser>
+          <c:idx val="0"/>
+          <c:order val="0"/>
+          <c:tx>
+            <c:strRef>
+              <c:f>'[Graph metrics.xlsx]Sheet1'!$B$40</c:f>
+              <c:strCache>
+                <c:ptCount val="1"/>
+                <c:pt idx="0">
+                  <c:v>Prog Hrs</c:v>
+                </c:pt>
+              </c:strCache>
+            </c:strRef>
+          </c:tx>
+          <c:spPr>
+            <a:solidFill>
+              <a:schemeClr val="bg2">
+                <a:lumMod val="40000"/>
+                <a:lumOff val="60000"/>
+              </a:schemeClr>
+            </a:solidFill>
+            <a:ln>
+              <a:noFill/>
+            </a:ln>
+            <a:effectLst>
+              <a:outerShdw blurRad="40000" dist="23000" dir="5400000" rotWithShape="0">
+                <a:srgbClr val="000000">
+                  <a:alpha val="35000"/>
+                </a:srgbClr>
+              </a:outerShdw>
+            </a:effectLst>
+            <a:scene3d>
+              <a:camera prst="orthographicFront">
+                <a:rot lat="0" lon="0" rev="0"/>
+              </a:camera>
+              <a:lightRig rig="threePt" dir="t">
+                <a:rot lat="0" lon="0" rev="1200000"/>
+              </a:lightRig>
+            </a:scene3d>
+            <a:sp3d>
+              <a:bevelT w="63500" h="25400"/>
+            </a:sp3d>
+          </c:spPr>
+          <c:invertIfNegative val="0"/>
+          <c:dLbls>
+            <c:spPr>
+              <a:noFill/>
+              <a:ln>
+                <a:noFill/>
+              </a:ln>
+              <a:effectLst/>
+            </c:spPr>
+            <c:txPr>
+              <a:bodyPr rot="0" spcFirstLastPara="1" vertOverflow="ellipsis" vert="horz" wrap="square" lIns="38100" tIns="19050" rIns="38100" bIns="19050" anchor="ctr" anchorCtr="1">
+                <a:spAutoFit/>
+              </a:bodyPr>
+              <a:lstStyle/>
+              <a:p>
+                <a:pPr>
+                  <a:defRPr sz="1197" b="0" i="0" u="none" strike="noStrike" kern="1200" baseline="0">
+                    <a:solidFill>
+                      <a:schemeClr val="tx1">
+                        <a:lumMod val="75000"/>
+                        <a:lumOff val="25000"/>
+                      </a:schemeClr>
+                    </a:solidFill>
+                    <a:latin typeface="+mn-lt"/>
+                    <a:ea typeface="+mn-ea"/>
+                    <a:cs typeface="+mn-cs"/>
+                  </a:defRPr>
+                </a:pPr>
+                <a:endParaRPr lang="en-US"/>
+              </a:p>
+            </c:txPr>
+            <c:dLblPos val="outEnd"/>
+            <c:showLegendKey val="0"/>
+            <c:showVal val="1"/>
+            <c:showCatName val="0"/>
+            <c:showSerName val="0"/>
+            <c:showPercent val="0"/>
+            <c:showBubbleSize val="0"/>
+            <c:showLeaderLines val="0"/>
+            <c:extLst>
+              <c:ext xmlns:c15="http://schemas.microsoft.com/office/drawing/2012/chart" uri="{CE6537A1-D6FC-4f65-9D91-7224C49458BB}">
+                <c15:showLeaderLines val="1"/>
+                <c15:leaderLines>
+                  <c:spPr>
+                    <a:ln w="9525" cap="flat" cmpd="sng" algn="ctr">
+                      <a:solidFill>
+                        <a:schemeClr val="tx1">
+                          <a:lumMod val="35000"/>
+                          <a:lumOff val="65000"/>
+                        </a:schemeClr>
+                      </a:solidFill>
+                      <a:round/>
+                    </a:ln>
+                    <a:effectLst/>
+                  </c:spPr>
+                </c15:leaderLines>
+              </c:ext>
+            </c:extLst>
+          </c:dLbls>
+          <c:cat>
+            <c:strRef>
+              <c:f>'[Graph metrics.xlsx]Sheet1'!$C$39:$G$39</c:f>
+              <c:strCache>
+                <c:ptCount val="5"/>
+                <c:pt idx="0">
+                  <c:v>Andy</c:v>
+                </c:pt>
+                <c:pt idx="1">
+                  <c:v>Daniel</c:v>
+                </c:pt>
+                <c:pt idx="2">
+                  <c:v>Xu Ying</c:v>
+                </c:pt>
+                <c:pt idx="3">
+                  <c:v>Hani</c:v>
+                </c:pt>
+                <c:pt idx="4">
+                  <c:v>Hong Yuan</c:v>
+                </c:pt>
+              </c:strCache>
+            </c:strRef>
+          </c:cat>
+          <c:val>
+            <c:numRef>
+              <c:f>'[Graph metrics.xlsx]Sheet1'!$C$40:$G$40</c:f>
+              <c:numCache>
+                <c:formatCode>General</c:formatCode>
+                <c:ptCount val="5"/>
+                <c:pt idx="0">
+                  <c:v>53.5</c:v>
+                </c:pt>
+                <c:pt idx="1">
+                  <c:v>58.5</c:v>
+                </c:pt>
+                <c:pt idx="2">
+                  <c:v>59.5</c:v>
+                </c:pt>
+                <c:pt idx="3">
+                  <c:v>58</c:v>
+                </c:pt>
+                <c:pt idx="4">
+                  <c:v>53.5</c:v>
+                </c:pt>
+              </c:numCache>
+            </c:numRef>
+          </c:val>
+          <c:extLst>
+            <c:ext xmlns:c16="http://schemas.microsoft.com/office/drawing/2014/chart" uri="{C3380CC4-5D6E-409C-BE32-E72D297353CC}">
+              <c16:uniqueId val="{00000000-8B25-47BC-86FC-987E2CBAC5F0}"/>
+            </c:ext>
+          </c:extLst>
+        </c:ser>
+        <c:ser>
+          <c:idx val="1"/>
+          <c:order val="1"/>
+          <c:tx>
+            <c:strRef>
+              <c:f>'[Graph metrics.xlsx]Sheet1'!$B$41</c:f>
+              <c:strCache>
+                <c:ptCount val="1"/>
+                <c:pt idx="0">
+                  <c:v>Non-prog Hrs</c:v>
+                </c:pt>
+              </c:strCache>
+            </c:strRef>
+          </c:tx>
+          <c:spPr>
+            <a:solidFill>
+              <a:schemeClr val="accent6">
+                <a:lumMod val="60000"/>
+                <a:lumOff val="40000"/>
+              </a:schemeClr>
+            </a:solidFill>
+            <a:ln>
+              <a:noFill/>
+            </a:ln>
+            <a:effectLst>
+              <a:outerShdw blurRad="40000" dist="23000" dir="5400000" rotWithShape="0">
+                <a:srgbClr val="000000">
+                  <a:alpha val="35000"/>
+                </a:srgbClr>
+              </a:outerShdw>
+            </a:effectLst>
+            <a:scene3d>
+              <a:camera prst="orthographicFront">
+                <a:rot lat="0" lon="0" rev="0"/>
+              </a:camera>
+              <a:lightRig rig="threePt" dir="t">
+                <a:rot lat="0" lon="0" rev="1200000"/>
+              </a:lightRig>
+            </a:scene3d>
+            <a:sp3d>
+              <a:bevelT w="63500" h="25400"/>
+            </a:sp3d>
+          </c:spPr>
+          <c:invertIfNegative val="0"/>
+          <c:dLbls>
+            <c:spPr>
+              <a:noFill/>
+              <a:ln>
+                <a:noFill/>
+              </a:ln>
+              <a:effectLst/>
+            </c:spPr>
+            <c:txPr>
+              <a:bodyPr rot="0" spcFirstLastPara="1" vertOverflow="ellipsis" vert="horz" wrap="square" lIns="38100" tIns="19050" rIns="38100" bIns="19050" anchor="ctr" anchorCtr="1">
+                <a:spAutoFit/>
+              </a:bodyPr>
+              <a:lstStyle/>
+              <a:p>
+                <a:pPr>
+                  <a:defRPr sz="1197" b="0" i="0" u="none" strike="noStrike" kern="1200" baseline="0">
+                    <a:solidFill>
+                      <a:schemeClr val="tx1">
+                        <a:lumMod val="75000"/>
+                        <a:lumOff val="25000"/>
+                      </a:schemeClr>
+                    </a:solidFill>
+                    <a:latin typeface="+mn-lt"/>
+                    <a:ea typeface="+mn-ea"/>
+                    <a:cs typeface="+mn-cs"/>
+                  </a:defRPr>
+                </a:pPr>
+                <a:endParaRPr lang="en-US"/>
+              </a:p>
+            </c:txPr>
+            <c:dLblPos val="outEnd"/>
+            <c:showLegendKey val="0"/>
+            <c:showVal val="1"/>
+            <c:showCatName val="0"/>
+            <c:showSerName val="0"/>
+            <c:showPercent val="0"/>
+            <c:showBubbleSize val="0"/>
+            <c:showLeaderLines val="0"/>
+            <c:extLst>
+              <c:ext xmlns:c15="http://schemas.microsoft.com/office/drawing/2012/chart" uri="{CE6537A1-D6FC-4f65-9D91-7224C49458BB}">
+                <c15:showLeaderLines val="1"/>
+                <c15:leaderLines>
+                  <c:spPr>
+                    <a:ln w="9525" cap="flat" cmpd="sng" algn="ctr">
+                      <a:solidFill>
+                        <a:schemeClr val="tx1">
+                          <a:lumMod val="35000"/>
+                          <a:lumOff val="65000"/>
+                        </a:schemeClr>
+                      </a:solidFill>
+                      <a:round/>
+                    </a:ln>
+                    <a:effectLst/>
+                  </c:spPr>
+                </c15:leaderLines>
+              </c:ext>
+            </c:extLst>
+          </c:dLbls>
+          <c:cat>
+            <c:strRef>
+              <c:f>'[Graph metrics.xlsx]Sheet1'!$C$39:$G$39</c:f>
+              <c:strCache>
+                <c:ptCount val="5"/>
+                <c:pt idx="0">
+                  <c:v>Andy</c:v>
+                </c:pt>
+                <c:pt idx="1">
+                  <c:v>Daniel</c:v>
+                </c:pt>
+                <c:pt idx="2">
+                  <c:v>Xu Ying</c:v>
+                </c:pt>
+                <c:pt idx="3">
+                  <c:v>Hani</c:v>
+                </c:pt>
+                <c:pt idx="4">
+                  <c:v>Hong Yuan</c:v>
+                </c:pt>
+              </c:strCache>
+            </c:strRef>
+          </c:cat>
+          <c:val>
+            <c:numRef>
+              <c:f>'[Graph metrics.xlsx]Sheet1'!$C$41:$G$41</c:f>
+              <c:numCache>
+                <c:formatCode>General</c:formatCode>
+                <c:ptCount val="5"/>
+                <c:pt idx="0">
+                  <c:v>131</c:v>
+                </c:pt>
+                <c:pt idx="1">
+                  <c:v>131</c:v>
+                </c:pt>
+                <c:pt idx="2">
+                  <c:v>131</c:v>
+                </c:pt>
+                <c:pt idx="3">
+                  <c:v>131</c:v>
+                </c:pt>
+                <c:pt idx="4">
+                  <c:v>131</c:v>
+                </c:pt>
+              </c:numCache>
+            </c:numRef>
+          </c:val>
+          <c:extLst>
+            <c:ext xmlns:c16="http://schemas.microsoft.com/office/drawing/2014/chart" uri="{C3380CC4-5D6E-409C-BE32-E72D297353CC}">
+              <c16:uniqueId val="{00000001-8B25-47BC-86FC-987E2CBAC5F0}"/>
+            </c:ext>
+          </c:extLst>
+        </c:ser>
+        <c:dLbls>
+          <c:showLegendKey val="0"/>
+          <c:showVal val="0"/>
+          <c:showCatName val="0"/>
+          <c:showSerName val="0"/>
+          <c:showPercent val="0"/>
+          <c:showBubbleSize val="0"/>
+        </c:dLbls>
+        <c:gapWidth val="100"/>
+        <c:overlap val="-24"/>
+        <c:axId val="439620752"/>
+        <c:axId val="439622720"/>
+      </c:barChart>
+      <c:catAx>
+        <c:axId val="439620752"/>
+        <c:scaling>
+          <c:orientation val="minMax"/>
+        </c:scaling>
+        <c:delete val="0"/>
+        <c:axPos val="b"/>
+        <c:title>
+          <c:tx>
+            <c:rich>
+              <a:bodyPr rot="0" spcFirstLastPara="1" vertOverflow="ellipsis" vert="horz" wrap="square" anchor="ctr" anchorCtr="1"/>
+              <a:lstStyle/>
+              <a:p>
+                <a:pPr>
+                  <a:defRPr sz="1197" b="1" i="0" u="none" strike="noStrike" kern="1200" baseline="0">
+                    <a:solidFill>
+                      <a:schemeClr val="tx1">
+                        <a:lumMod val="65000"/>
+                        <a:lumOff val="35000"/>
+                      </a:schemeClr>
+                    </a:solidFill>
+                    <a:latin typeface="+mn-lt"/>
+                    <a:ea typeface="+mn-ea"/>
+                    <a:cs typeface="+mn-cs"/>
+                  </a:defRPr>
+                </a:pPr>
+                <a:r>
+                  <a:rPr lang="en-SG" b="1"/>
+                  <a:t>Members</a:t>
+                </a:r>
+              </a:p>
+            </c:rich>
+          </c:tx>
+          <c:overlay val="0"/>
+          <c:spPr>
+            <a:noFill/>
+            <a:ln>
+              <a:noFill/>
+            </a:ln>
+            <a:effectLst/>
+          </c:spPr>
+          <c:txPr>
+            <a:bodyPr rot="0" spcFirstLastPara="1" vertOverflow="ellipsis" vert="horz" wrap="square" anchor="ctr" anchorCtr="1"/>
+            <a:lstStyle/>
+            <a:p>
+              <a:pPr>
+                <a:defRPr sz="1197" b="1" i="0" u="none" strike="noStrike" kern="1200" baseline="0">
+                  <a:solidFill>
+                    <a:schemeClr val="tx1">
+                      <a:lumMod val="65000"/>
+                      <a:lumOff val="35000"/>
+                    </a:schemeClr>
+                  </a:solidFill>
+                  <a:latin typeface="+mn-lt"/>
+                  <a:ea typeface="+mn-ea"/>
+                  <a:cs typeface="+mn-cs"/>
+                </a:defRPr>
+              </a:pPr>
+              <a:endParaRPr lang="en-US"/>
+            </a:p>
+          </c:txPr>
+        </c:title>
+        <c:numFmt formatCode="General" sourceLinked="1"/>
+        <c:majorTickMark val="none"/>
+        <c:minorTickMark val="none"/>
+        <c:tickLblPos val="nextTo"/>
+        <c:spPr>
+          <a:noFill/>
+          <a:ln w="12700" cap="flat" cmpd="sng" algn="ctr">
+            <a:solidFill>
+              <a:schemeClr val="tx1">
+                <a:lumMod val="15000"/>
+                <a:lumOff val="85000"/>
+              </a:schemeClr>
+            </a:solidFill>
+            <a:round/>
+          </a:ln>
+          <a:effectLst/>
+        </c:spPr>
+        <c:txPr>
+          <a:bodyPr rot="-60000000" spcFirstLastPara="1" vertOverflow="ellipsis" vert="horz" wrap="square" anchor="ctr" anchorCtr="1"/>
+          <a:lstStyle/>
+          <a:p>
+            <a:pPr>
+              <a:defRPr sz="1197" b="0" i="0" u="none" strike="noStrike" kern="1200" baseline="0">
+                <a:solidFill>
+                  <a:schemeClr val="tx1">
+                    <a:lumMod val="65000"/>
+                    <a:lumOff val="35000"/>
+                  </a:schemeClr>
+                </a:solidFill>
+                <a:latin typeface="+mn-lt"/>
+                <a:ea typeface="+mn-ea"/>
+                <a:cs typeface="+mn-cs"/>
+              </a:defRPr>
+            </a:pPr>
+            <a:endParaRPr lang="en-US"/>
+          </a:p>
+        </c:txPr>
+        <c:crossAx val="439622720"/>
+        <c:crosses val="autoZero"/>
+        <c:auto val="1"/>
+        <c:lblAlgn val="ctr"/>
+        <c:lblOffset val="100"/>
+        <c:noMultiLvlLbl val="0"/>
+      </c:catAx>
+      <c:valAx>
+        <c:axId val="439622720"/>
+        <c:scaling>
+          <c:orientation val="minMax"/>
+        </c:scaling>
+        <c:delete val="0"/>
+        <c:axPos val="l"/>
+        <c:majorGridlines>
+          <c:spPr>
+            <a:ln w="9525" cap="flat" cmpd="sng" algn="ctr">
+              <a:solidFill>
+                <a:schemeClr val="tx1">
+                  <a:lumMod val="15000"/>
+                  <a:lumOff val="85000"/>
+                </a:schemeClr>
+              </a:solidFill>
+              <a:round/>
+            </a:ln>
+            <a:effectLst/>
+          </c:spPr>
+        </c:majorGridlines>
+        <c:title>
+          <c:tx>
+            <c:rich>
+              <a:bodyPr rot="-5400000" spcFirstLastPara="1" vertOverflow="ellipsis" vert="horz" wrap="square" anchor="ctr" anchorCtr="1"/>
+              <a:lstStyle/>
+              <a:p>
+                <a:pPr>
+                  <a:defRPr sz="1197" b="1" i="0" u="none" strike="noStrike" kern="1200" baseline="0">
+                    <a:solidFill>
+                      <a:schemeClr val="tx1">
+                        <a:lumMod val="65000"/>
+                        <a:lumOff val="35000"/>
+                      </a:schemeClr>
+                    </a:solidFill>
+                    <a:latin typeface="+mn-lt"/>
+                    <a:ea typeface="+mn-ea"/>
+                    <a:cs typeface="+mn-cs"/>
+                  </a:defRPr>
+                </a:pPr>
+                <a:r>
+                  <a:rPr lang="en-SG" b="1"/>
+                  <a:t>Hours</a:t>
+                </a:r>
+              </a:p>
+            </c:rich>
+          </c:tx>
+          <c:overlay val="0"/>
+          <c:spPr>
+            <a:noFill/>
+            <a:ln>
+              <a:noFill/>
+            </a:ln>
+            <a:effectLst/>
+          </c:spPr>
+          <c:txPr>
+            <a:bodyPr rot="-5400000" spcFirstLastPara="1" vertOverflow="ellipsis" vert="horz" wrap="square" anchor="ctr" anchorCtr="1"/>
+            <a:lstStyle/>
+            <a:p>
+              <a:pPr>
+                <a:defRPr sz="1197" b="1" i="0" u="none" strike="noStrike" kern="1200" baseline="0">
+                  <a:solidFill>
+                    <a:schemeClr val="tx1">
+                      <a:lumMod val="65000"/>
+                      <a:lumOff val="35000"/>
+                    </a:schemeClr>
+                  </a:solidFill>
+                  <a:latin typeface="+mn-lt"/>
+                  <a:ea typeface="+mn-ea"/>
+                  <a:cs typeface="+mn-cs"/>
+                </a:defRPr>
+              </a:pPr>
+              <a:endParaRPr lang="en-US"/>
+            </a:p>
+          </c:txPr>
+        </c:title>
+        <c:numFmt formatCode="General" sourceLinked="1"/>
+        <c:majorTickMark val="none"/>
+        <c:minorTickMark val="none"/>
+        <c:tickLblPos val="nextTo"/>
+        <c:spPr>
+          <a:noFill/>
+          <a:ln>
+            <a:noFill/>
+          </a:ln>
+          <a:effectLst/>
+        </c:spPr>
+        <c:txPr>
+          <a:bodyPr rot="-60000000" spcFirstLastPara="1" vertOverflow="ellipsis" vert="horz" wrap="square" anchor="ctr" anchorCtr="1"/>
+          <a:lstStyle/>
+          <a:p>
+            <a:pPr>
+              <a:defRPr sz="1197" b="0" i="0" u="none" strike="noStrike" kern="1200" baseline="0">
+                <a:solidFill>
+                  <a:schemeClr val="tx1">
+                    <a:lumMod val="65000"/>
+                    <a:lumOff val="35000"/>
+                  </a:schemeClr>
+                </a:solidFill>
+                <a:latin typeface="+mn-lt"/>
+                <a:ea typeface="+mn-ea"/>
+                <a:cs typeface="+mn-cs"/>
+              </a:defRPr>
+            </a:pPr>
+            <a:endParaRPr lang="en-US"/>
+          </a:p>
+        </c:txPr>
+        <c:crossAx val="439620752"/>
+        <c:crosses val="autoZero"/>
+        <c:crossBetween val="between"/>
+      </c:valAx>
+      <c:spPr>
+        <a:noFill/>
+        <a:ln>
+          <a:noFill/>
+        </a:ln>
+        <a:effectLst/>
+      </c:spPr>
+    </c:plotArea>
+    <c:legend>
+      <c:legendPos val="b"/>
+      <c:overlay val="0"/>
+      <c:spPr>
+        <a:noFill/>
+        <a:ln>
+          <a:noFill/>
+        </a:ln>
+        <a:effectLst/>
+      </c:spPr>
+      <c:txPr>
+        <a:bodyPr rot="0" spcFirstLastPara="1" vertOverflow="ellipsis" vert="horz" wrap="square" anchor="ctr" anchorCtr="1"/>
+        <a:lstStyle/>
+        <a:p>
+          <a:pPr>
+            <a:defRPr sz="1197" b="0" i="0" u="none" strike="noStrike" kern="1200" baseline="0">
+              <a:solidFill>
+                <a:schemeClr val="tx1">
+                  <a:lumMod val="65000"/>
+                  <a:lumOff val="35000"/>
+                </a:schemeClr>
+              </a:solidFill>
+              <a:latin typeface="+mn-lt"/>
+              <a:ea typeface="+mn-ea"/>
+              <a:cs typeface="+mn-cs"/>
+            </a:defRPr>
+          </a:pPr>
+          <a:endParaRPr lang="en-US"/>
+        </a:p>
+      </c:txPr>
+    </c:legend>
+    <c:plotVisOnly val="1"/>
+    <c:dispBlanksAs val="gap"/>
+    <c:showDLblsOverMax val="0"/>
+    <c:extLst>
+      <c:ext xmlns:c16r3="http://schemas.microsoft.com/office/drawing/2017/03/chart" uri="{56B9EC1D-385E-4148-901F-78D8002777C0}">
+        <c16r3:dataDisplayOptions16>
+          <c16r3:dispNaAsBlank val="1"/>
+        </c16r3:dataDisplayOptions16>
+      </c:ext>
+    </c:extLst>
+  </c:chart>
+  <c:spPr>
+    <a:noFill/>
+    <a:ln>
+      <a:noFill/>
+    </a:ln>
+    <a:effectLst/>
+  </c:spPr>
+  <c:txPr>
+    <a:bodyPr/>
+    <a:lstStyle/>
+    <a:p>
+      <a:pPr>
+        <a:defRPr/>
+      </a:pPr>
+      <a:endParaRPr lang="en-US"/>
+    </a:p>
+  </c:txPr>
+  <c:externalData r:id="rId3">
+    <c:autoUpdate val="0"/>
+  </c:externalData>
+</c:chartSpace>
+</file>
+
+<file path=ppt/charts/chart3.xml><?xml version="1.0" encoding="utf-8"?>
+<c:chartSpace xmlns:c="http://schemas.openxmlformats.org/drawingml/2006/chart" xmlns:a="http://schemas.openxmlformats.org/drawingml/2006/main" xmlns:r="http://schemas.openxmlformats.org/officeDocument/2006/relationships" xmlns:c16r2="http://schemas.microsoft.com/office/drawing/2015/06/chart">
+  <c:date1904 val="0"/>
+  <c:lang val="en-US"/>
+  <c:roundedCorners val="0"/>
+  <mc:AlternateContent xmlns:mc="http://schemas.openxmlformats.org/markup-compatibility/2006">
+    <mc:Choice xmlns:c14="http://schemas.microsoft.com/office/drawing/2007/8/2/chart" Requires="c14">
+      <c14:style val="102"/>
+    </mc:Choice>
+    <mc:Fallback>
+      <c:style val="2"/>
+    </mc:Fallback>
+  </mc:AlternateContent>
+  <c:chart>
+    <c:title>
+      <c:tx>
+        <c:rich>
+          <a:bodyPr rot="0" spcFirstLastPara="1" vertOverflow="ellipsis" vert="horz" wrap="square" anchor="ctr" anchorCtr="1"/>
+          <a:lstStyle/>
+          <a:p>
+            <a:pPr>
+              <a:defRPr sz="2128" b="1" i="0" u="none" strike="noStrike" kern="1200" baseline="0">
+                <a:solidFill>
+                  <a:schemeClr val="tx1">
+                    <a:lumMod val="65000"/>
+                    <a:lumOff val="35000"/>
+                  </a:schemeClr>
+                </a:solidFill>
+                <a:latin typeface="+mn-lt"/>
+                <a:ea typeface="+mn-ea"/>
+                <a:cs typeface="+mn-cs"/>
+              </a:defRPr>
+            </a:pPr>
+            <a:r>
+              <a:rPr lang="en-US"/>
+              <a:t>Distribution: Programming Hours</a:t>
+            </a:r>
+          </a:p>
+        </c:rich>
+      </c:tx>
+      <c:overlay val="0"/>
+      <c:spPr>
+        <a:noFill/>
+        <a:ln>
+          <a:noFill/>
+        </a:ln>
+        <a:effectLst/>
+      </c:spPr>
+      <c:txPr>
+        <a:bodyPr rot="0" spcFirstLastPara="1" vertOverflow="ellipsis" vert="horz" wrap="square" anchor="ctr" anchorCtr="1"/>
+        <a:lstStyle/>
+        <a:p>
+          <a:pPr>
+            <a:defRPr sz="2128" b="1" i="0" u="none" strike="noStrike" kern="1200" baseline="0">
+              <a:solidFill>
+                <a:schemeClr val="tx1">
+                  <a:lumMod val="65000"/>
+                  <a:lumOff val="35000"/>
+                </a:schemeClr>
+              </a:solidFill>
+              <a:latin typeface="+mn-lt"/>
+              <a:ea typeface="+mn-ea"/>
+              <a:cs typeface="+mn-cs"/>
+            </a:defRPr>
+          </a:pPr>
+          <a:endParaRPr lang="en-US"/>
+        </a:p>
+      </c:txPr>
+    </c:title>
+    <c:autoTitleDeleted val="0"/>
+    <c:plotArea>
+      <c:layout/>
+      <c:pieChart>
+        <c:varyColors val="1"/>
+        <c:ser>
+          <c:idx val="0"/>
+          <c:order val="0"/>
+          <c:tx>
+            <c:strRef>
+              <c:f>'[Graph metrics.xlsx]Sheet1'!$B$40</c:f>
+              <c:strCache>
+                <c:ptCount val="1"/>
+                <c:pt idx="0">
+                  <c:v>Prog Hrs</c:v>
+                </c:pt>
+              </c:strCache>
+            </c:strRef>
+          </c:tx>
+          <c:dPt>
+            <c:idx val="0"/>
+            <c:bubble3D val="0"/>
+            <c:spPr>
+              <a:solidFill>
+                <a:schemeClr val="accent2">
+                  <a:lumMod val="75000"/>
+                </a:schemeClr>
+              </a:solidFill>
+              <a:ln>
+                <a:noFill/>
+              </a:ln>
+              <a:effectLst>
+                <a:outerShdw blurRad="40000" dist="23000" dir="5400000" rotWithShape="0">
+                  <a:srgbClr val="000000">
+                    <a:alpha val="35000"/>
+                  </a:srgbClr>
+                </a:outerShdw>
+              </a:effectLst>
+              <a:scene3d>
+                <a:camera prst="orthographicFront">
+                  <a:rot lat="0" lon="0" rev="0"/>
+                </a:camera>
+                <a:lightRig rig="threePt" dir="t">
+                  <a:rot lat="0" lon="0" rev="1200000"/>
+                </a:lightRig>
+              </a:scene3d>
+              <a:sp3d>
+                <a:bevelT w="63500" h="25400"/>
+              </a:sp3d>
+            </c:spPr>
+            <c:extLst>
+              <c:ext xmlns:c16="http://schemas.microsoft.com/office/drawing/2014/chart" uri="{C3380CC4-5D6E-409C-BE32-E72D297353CC}">
+                <c16:uniqueId val="{00000001-62D9-4E09-9FD0-93326D595D7A}"/>
+              </c:ext>
+            </c:extLst>
+          </c:dPt>
+          <c:dPt>
+            <c:idx val="1"/>
+            <c:bubble3D val="0"/>
+            <c:spPr>
+              <a:gradFill rotWithShape="1">
+                <a:gsLst>
+                  <a:gs pos="0">
+                    <a:schemeClr val="accent2">
+                      <a:tint val="100000"/>
+                      <a:shade val="100000"/>
+                      <a:satMod val="130000"/>
+                    </a:schemeClr>
+                  </a:gs>
+                  <a:gs pos="100000">
+                    <a:schemeClr val="accent2">
+                      <a:tint val="50000"/>
+                      <a:shade val="100000"/>
+                      <a:satMod val="350000"/>
+                    </a:schemeClr>
+                  </a:gs>
+                </a:gsLst>
+                <a:lin ang="16200000" scaled="0"/>
+              </a:gradFill>
+              <a:ln>
+                <a:noFill/>
+              </a:ln>
+              <a:effectLst>
+                <a:outerShdw blurRad="40000" dist="23000" dir="5400000" rotWithShape="0">
+                  <a:srgbClr val="000000">
+                    <a:alpha val="35000"/>
+                  </a:srgbClr>
+                </a:outerShdw>
+              </a:effectLst>
+              <a:scene3d>
+                <a:camera prst="orthographicFront">
+                  <a:rot lat="0" lon="0" rev="0"/>
+                </a:camera>
+                <a:lightRig rig="threePt" dir="t">
+                  <a:rot lat="0" lon="0" rev="1200000"/>
+                </a:lightRig>
+              </a:scene3d>
+              <a:sp3d>
+                <a:bevelT w="63500" h="25400"/>
+              </a:sp3d>
+            </c:spPr>
+            <c:extLst>
+              <c:ext xmlns:c16="http://schemas.microsoft.com/office/drawing/2014/chart" uri="{C3380CC4-5D6E-409C-BE32-E72D297353CC}">
+                <c16:uniqueId val="{00000003-62D9-4E09-9FD0-93326D595D7A}"/>
+              </c:ext>
+            </c:extLst>
+          </c:dPt>
+          <c:dPt>
+            <c:idx val="2"/>
+            <c:bubble3D val="0"/>
+            <c:spPr>
+              <a:gradFill rotWithShape="1">
+                <a:gsLst>
+                  <a:gs pos="0">
+                    <a:schemeClr val="accent3">
+                      <a:tint val="100000"/>
+                      <a:shade val="100000"/>
+                      <a:satMod val="130000"/>
+                    </a:schemeClr>
+                  </a:gs>
+                  <a:gs pos="100000">
+                    <a:schemeClr val="accent3">
+                      <a:tint val="50000"/>
+                      <a:shade val="100000"/>
+                      <a:satMod val="350000"/>
+                    </a:schemeClr>
+                  </a:gs>
+                </a:gsLst>
+                <a:lin ang="16200000" scaled="0"/>
+              </a:gradFill>
+              <a:ln>
+                <a:noFill/>
+              </a:ln>
+              <a:effectLst>
+                <a:outerShdw blurRad="40000" dist="23000" dir="5400000" rotWithShape="0">
+                  <a:srgbClr val="000000">
+                    <a:alpha val="35000"/>
+                  </a:srgbClr>
+                </a:outerShdw>
+              </a:effectLst>
+              <a:scene3d>
+                <a:camera prst="orthographicFront">
+                  <a:rot lat="0" lon="0" rev="0"/>
+                </a:camera>
+                <a:lightRig rig="threePt" dir="t">
+                  <a:rot lat="0" lon="0" rev="1200000"/>
+                </a:lightRig>
+              </a:scene3d>
+              <a:sp3d>
+                <a:bevelT w="63500" h="25400"/>
+              </a:sp3d>
+            </c:spPr>
+            <c:extLst>
+              <c:ext xmlns:c16="http://schemas.microsoft.com/office/drawing/2014/chart" uri="{C3380CC4-5D6E-409C-BE32-E72D297353CC}">
+                <c16:uniqueId val="{00000005-62D9-4E09-9FD0-93326D595D7A}"/>
+              </c:ext>
+            </c:extLst>
+          </c:dPt>
+          <c:dPt>
+            <c:idx val="3"/>
+            <c:bubble3D val="0"/>
+            <c:spPr>
+              <a:gradFill rotWithShape="1">
+                <a:gsLst>
+                  <a:gs pos="0">
+                    <a:schemeClr val="accent4">
+                      <a:tint val="100000"/>
+                      <a:shade val="100000"/>
+                      <a:satMod val="130000"/>
+                    </a:schemeClr>
+                  </a:gs>
+                  <a:gs pos="100000">
+                    <a:schemeClr val="accent4">
+                      <a:tint val="50000"/>
+                      <a:shade val="100000"/>
+                      <a:satMod val="350000"/>
+                    </a:schemeClr>
+                  </a:gs>
+                </a:gsLst>
+                <a:lin ang="16200000" scaled="0"/>
+              </a:gradFill>
+              <a:ln>
+                <a:noFill/>
+              </a:ln>
+              <a:effectLst>
+                <a:outerShdw blurRad="40000" dist="23000" dir="5400000" rotWithShape="0">
+                  <a:srgbClr val="000000">
+                    <a:alpha val="35000"/>
+                  </a:srgbClr>
+                </a:outerShdw>
+              </a:effectLst>
+              <a:scene3d>
+                <a:camera prst="orthographicFront">
+                  <a:rot lat="0" lon="0" rev="0"/>
+                </a:camera>
+                <a:lightRig rig="threePt" dir="t">
+                  <a:rot lat="0" lon="0" rev="1200000"/>
+                </a:lightRig>
+              </a:scene3d>
+              <a:sp3d>
+                <a:bevelT w="63500" h="25400"/>
+              </a:sp3d>
+            </c:spPr>
+            <c:extLst>
+              <c:ext xmlns:c16="http://schemas.microsoft.com/office/drawing/2014/chart" uri="{C3380CC4-5D6E-409C-BE32-E72D297353CC}">
+                <c16:uniqueId val="{00000007-62D9-4E09-9FD0-93326D595D7A}"/>
+              </c:ext>
+            </c:extLst>
+          </c:dPt>
+          <c:dPt>
+            <c:idx val="4"/>
+            <c:bubble3D val="0"/>
+            <c:spPr>
+              <a:gradFill rotWithShape="1">
+                <a:gsLst>
+                  <a:gs pos="0">
+                    <a:schemeClr val="accent5">
+                      <a:tint val="100000"/>
+                      <a:shade val="100000"/>
+                      <a:satMod val="130000"/>
+                    </a:schemeClr>
+                  </a:gs>
+                  <a:gs pos="100000">
+                    <a:schemeClr val="accent5">
+                      <a:tint val="50000"/>
+                      <a:shade val="100000"/>
+                      <a:satMod val="350000"/>
+                    </a:schemeClr>
+                  </a:gs>
+                </a:gsLst>
+                <a:lin ang="16200000" scaled="0"/>
+              </a:gradFill>
+              <a:ln>
+                <a:noFill/>
+              </a:ln>
+              <a:effectLst>
+                <a:outerShdw blurRad="40000" dist="23000" dir="5400000" rotWithShape="0">
+                  <a:srgbClr val="000000">
+                    <a:alpha val="35000"/>
+                  </a:srgbClr>
+                </a:outerShdw>
+              </a:effectLst>
+              <a:scene3d>
+                <a:camera prst="orthographicFront">
+                  <a:rot lat="0" lon="0" rev="0"/>
+                </a:camera>
+                <a:lightRig rig="threePt" dir="t">
+                  <a:rot lat="0" lon="0" rev="1200000"/>
+                </a:lightRig>
+              </a:scene3d>
+              <a:sp3d>
+                <a:bevelT w="63500" h="25400"/>
+              </a:sp3d>
+            </c:spPr>
+            <c:extLst>
+              <c:ext xmlns:c16="http://schemas.microsoft.com/office/drawing/2014/chart" uri="{C3380CC4-5D6E-409C-BE32-E72D297353CC}">
+                <c16:uniqueId val="{00000009-62D9-4E09-9FD0-93326D595D7A}"/>
+              </c:ext>
+            </c:extLst>
+          </c:dPt>
+          <c:dLbls>
+            <c:dLbl>
+              <c:idx val="0"/>
+              <c:tx>
+                <c:rich>
+                  <a:bodyPr/>
+                  <a:lstStyle/>
+                  <a:p>
+                    <a:r>
+                      <a:rPr lang="en-US"/>
+                      <a:t>53.5, </a:t>
+                    </a:r>
+                    <a:fld id="{591AB415-6E0B-429D-AA10-40711B9FBC2C}" type="PERCENTAGE">
+                      <a:rPr lang="en-US" smtClean="0"/>
+                      <a:pPr/>
+                      <a:t>[PERCENTAGE]</a:t>
+                    </a:fld>
+                    <a:endParaRPr lang="en-US"/>
+                  </a:p>
+                </c:rich>
+              </c:tx>
+              <c:dLblPos val="outEnd"/>
+              <c:showLegendKey val="0"/>
+              <c:showVal val="0"/>
+              <c:showCatName val="0"/>
+              <c:showSerName val="0"/>
+              <c:showPercent val="1"/>
+              <c:showBubbleSize val="0"/>
+              <c:extLst>
+                <c:ext xmlns:c15="http://schemas.microsoft.com/office/drawing/2012/chart" uri="{CE6537A1-D6FC-4f65-9D91-7224C49458BB}">
+                  <c15:dlblFieldTable/>
+                  <c15:showDataLabelsRange val="0"/>
+                </c:ext>
+                <c:ext xmlns:c16="http://schemas.microsoft.com/office/drawing/2014/chart" uri="{C3380CC4-5D6E-409C-BE32-E72D297353CC}">
+                  <c16:uniqueId val="{00000001-62D9-4E09-9FD0-93326D595D7A}"/>
+                </c:ext>
+              </c:extLst>
+            </c:dLbl>
+            <c:dLbl>
+              <c:idx val="1"/>
+              <c:tx>
+                <c:rich>
+                  <a:bodyPr/>
+                  <a:lstStyle/>
+                  <a:p>
+                    <a:r>
+                      <a:rPr lang="en-US"/>
+                      <a:t>58.5, </a:t>
+                    </a:r>
+                    <a:fld id="{12469933-B3C1-4598-BA91-ECA0DD34E854}" type="PERCENTAGE">
+                      <a:rPr lang="en-US" smtClean="0"/>
+                      <a:pPr/>
+                      <a:t>[PERCENTAGE]</a:t>
+                    </a:fld>
+                    <a:endParaRPr lang="en-US"/>
+                  </a:p>
+                </c:rich>
+              </c:tx>
+              <c:dLblPos val="outEnd"/>
+              <c:showLegendKey val="0"/>
+              <c:showVal val="0"/>
+              <c:showCatName val="0"/>
+              <c:showSerName val="0"/>
+              <c:showPercent val="1"/>
+              <c:showBubbleSize val="0"/>
+              <c:extLst>
+                <c:ext xmlns:c15="http://schemas.microsoft.com/office/drawing/2012/chart" uri="{CE6537A1-D6FC-4f65-9D91-7224C49458BB}">
+                  <c15:dlblFieldTable/>
+                  <c15:showDataLabelsRange val="0"/>
+                </c:ext>
+                <c:ext xmlns:c16="http://schemas.microsoft.com/office/drawing/2014/chart" uri="{C3380CC4-5D6E-409C-BE32-E72D297353CC}">
+                  <c16:uniqueId val="{00000003-62D9-4E09-9FD0-93326D595D7A}"/>
+                </c:ext>
+              </c:extLst>
+            </c:dLbl>
+            <c:dLbl>
+              <c:idx val="2"/>
+              <c:layout>
+                <c:manualLayout>
+                  <c:x val="0"/>
+                  <c:y val="0"/>
+                </c:manualLayout>
+              </c:layout>
+              <c:tx>
+                <c:rich>
+                  <a:bodyPr/>
+                  <a:lstStyle/>
+                  <a:p>
+                    <a:r>
+                      <a:rPr lang="en-US" dirty="0"/>
+                      <a:t>59.5, </a:t>
+                    </a:r>
+                    <a:fld id="{17CB0C0A-6179-42E5-A6FA-C9366F2B7842}" type="PERCENTAGE">
+                      <a:rPr lang="en-US" smtClean="0"/>
+                      <a:pPr/>
+                      <a:t>[PERCENTAGE]</a:t>
+                    </a:fld>
+                    <a:endParaRPr lang="en-US" dirty="0"/>
+                  </a:p>
+                </c:rich>
+              </c:tx>
+              <c:dLblPos val="bestFit"/>
+              <c:showLegendKey val="0"/>
+              <c:showVal val="0"/>
+              <c:showCatName val="0"/>
+              <c:showSerName val="0"/>
+              <c:showPercent val="1"/>
+              <c:showBubbleSize val="0"/>
+              <c:extLst>
+                <c:ext xmlns:c15="http://schemas.microsoft.com/office/drawing/2012/chart" uri="{CE6537A1-D6FC-4f65-9D91-7224C49458BB}">
+                  <c15:dlblFieldTable/>
+                  <c15:showDataLabelsRange val="0"/>
+                </c:ext>
+                <c:ext xmlns:c16="http://schemas.microsoft.com/office/drawing/2014/chart" uri="{C3380CC4-5D6E-409C-BE32-E72D297353CC}">
+                  <c16:uniqueId val="{00000005-62D9-4E09-9FD0-93326D595D7A}"/>
+                </c:ext>
+              </c:extLst>
+            </c:dLbl>
+            <c:dLbl>
+              <c:idx val="3"/>
+              <c:tx>
+                <c:rich>
+                  <a:bodyPr/>
+                  <a:lstStyle/>
+                  <a:p>
+                    <a:r>
+                      <a:rPr lang="en-US"/>
+                      <a:t>58, </a:t>
+                    </a:r>
+                    <a:fld id="{B4C85E82-3677-485B-B96A-B5AD5964D589}" type="PERCENTAGE">
+                      <a:rPr lang="en-US" smtClean="0"/>
+                      <a:pPr/>
+                      <a:t>[PERCENTAGE]</a:t>
+                    </a:fld>
+                    <a:endParaRPr lang="en-US"/>
+                  </a:p>
+                </c:rich>
+              </c:tx>
+              <c:dLblPos val="outEnd"/>
+              <c:showLegendKey val="0"/>
+              <c:showVal val="0"/>
+              <c:showCatName val="0"/>
+              <c:showSerName val="0"/>
+              <c:showPercent val="1"/>
+              <c:showBubbleSize val="0"/>
+              <c:extLst>
+                <c:ext xmlns:c15="http://schemas.microsoft.com/office/drawing/2012/chart" uri="{CE6537A1-D6FC-4f65-9D91-7224C49458BB}">
+                  <c15:dlblFieldTable/>
+                  <c15:showDataLabelsRange val="0"/>
+                </c:ext>
+                <c:ext xmlns:c16="http://schemas.microsoft.com/office/drawing/2014/chart" uri="{C3380CC4-5D6E-409C-BE32-E72D297353CC}">
+                  <c16:uniqueId val="{00000007-62D9-4E09-9FD0-93326D595D7A}"/>
+                </c:ext>
+              </c:extLst>
+            </c:dLbl>
+            <c:dLbl>
+              <c:idx val="4"/>
+              <c:tx>
+                <c:rich>
+                  <a:bodyPr/>
+                  <a:lstStyle/>
+                  <a:p>
+                    <a:r>
+                      <a:rPr lang="en-US"/>
+                      <a:t>53.5,</a:t>
+                    </a:r>
+                    <a:r>
+                      <a:rPr lang="en-US" baseline="0"/>
+                      <a:t> </a:t>
+                    </a:r>
+                    <a:fld id="{88A534D1-6F62-45E5-9EB4-0885E309D46A}" type="PERCENTAGE">
+                      <a:rPr lang="en-US" smtClean="0"/>
+                      <a:pPr/>
+                      <a:t>[PERCENTAGE]</a:t>
+                    </a:fld>
+                    <a:endParaRPr lang="en-US" baseline="0"/>
+                  </a:p>
+                </c:rich>
+              </c:tx>
+              <c:dLblPos val="outEnd"/>
+              <c:showLegendKey val="0"/>
+              <c:showVal val="0"/>
+              <c:showCatName val="0"/>
+              <c:showSerName val="0"/>
+              <c:showPercent val="1"/>
+              <c:showBubbleSize val="0"/>
+              <c:extLst>
+                <c:ext xmlns:c15="http://schemas.microsoft.com/office/drawing/2012/chart" uri="{CE6537A1-D6FC-4f65-9D91-7224C49458BB}">
+                  <c15:dlblFieldTable/>
+                  <c15:showDataLabelsRange val="0"/>
+                </c:ext>
+                <c:ext xmlns:c16="http://schemas.microsoft.com/office/drawing/2014/chart" uri="{C3380CC4-5D6E-409C-BE32-E72D297353CC}">
+                  <c16:uniqueId val="{00000009-62D9-4E09-9FD0-93326D595D7A}"/>
+                </c:ext>
+              </c:extLst>
+            </c:dLbl>
+            <c:spPr>
+              <a:noFill/>
+              <a:ln>
+                <a:noFill/>
+              </a:ln>
+              <a:effectLst/>
+            </c:spPr>
+            <c:txPr>
+              <a:bodyPr rot="0" spcFirstLastPara="1" vertOverflow="ellipsis" vert="horz" wrap="square" lIns="38100" tIns="19050" rIns="38100" bIns="19050" anchor="ctr" anchorCtr="1">
+                <a:spAutoFit/>
+              </a:bodyPr>
+              <a:lstStyle/>
+              <a:p>
+                <a:pPr>
+                  <a:defRPr sz="1197" b="0" i="0" u="none" strike="noStrike" kern="1200" baseline="0">
+                    <a:solidFill>
+                      <a:schemeClr val="tx1">
+                        <a:lumMod val="75000"/>
+                        <a:lumOff val="25000"/>
+                      </a:schemeClr>
+                    </a:solidFill>
+                    <a:latin typeface="+mn-lt"/>
+                    <a:ea typeface="+mn-ea"/>
+                    <a:cs typeface="+mn-cs"/>
+                  </a:defRPr>
+                </a:pPr>
+                <a:endParaRPr lang="en-US"/>
+              </a:p>
+            </c:txPr>
+            <c:dLblPos val="outEnd"/>
+            <c:showLegendKey val="0"/>
+            <c:showVal val="0"/>
+            <c:showCatName val="0"/>
+            <c:showSerName val="0"/>
+            <c:showPercent val="1"/>
+            <c:showBubbleSize val="0"/>
+            <c:showLeaderLines val="1"/>
+            <c:leaderLines>
+              <c:spPr>
+                <a:ln w="9525" cap="flat" cmpd="sng" algn="ctr">
+                  <a:solidFill>
+                    <a:schemeClr val="tx1">
+                      <a:lumMod val="35000"/>
+                      <a:lumOff val="65000"/>
+                    </a:schemeClr>
+                  </a:solidFill>
+                  <a:round/>
+                </a:ln>
+                <a:effectLst/>
+              </c:spPr>
+            </c:leaderLines>
+            <c:extLst>
+              <c:ext xmlns:c15="http://schemas.microsoft.com/office/drawing/2012/chart" uri="{CE6537A1-D6FC-4f65-9D91-7224C49458BB}"/>
+            </c:extLst>
+          </c:dLbls>
+          <c:cat>
+            <c:strRef>
+              <c:f>'[Graph metrics.xlsx]Sheet1'!$C$39:$G$39</c:f>
+              <c:strCache>
+                <c:ptCount val="5"/>
+                <c:pt idx="0">
+                  <c:v>Andy</c:v>
+                </c:pt>
+                <c:pt idx="1">
+                  <c:v>Daniel</c:v>
+                </c:pt>
+                <c:pt idx="2">
+                  <c:v>Xu Ying</c:v>
+                </c:pt>
+                <c:pt idx="3">
+                  <c:v>Hani</c:v>
+                </c:pt>
+                <c:pt idx="4">
+                  <c:v>Hong Yuan</c:v>
+                </c:pt>
+              </c:strCache>
+            </c:strRef>
+          </c:cat>
+          <c:val>
+            <c:numRef>
+              <c:f>'[Graph metrics.xlsx]Sheet1'!$C$40:$G$40</c:f>
+              <c:numCache>
+                <c:formatCode>General</c:formatCode>
+                <c:ptCount val="5"/>
+                <c:pt idx="0">
+                  <c:v>53.5</c:v>
+                </c:pt>
+                <c:pt idx="1">
+                  <c:v>58.5</c:v>
+                </c:pt>
+                <c:pt idx="2">
+                  <c:v>59.5</c:v>
+                </c:pt>
+                <c:pt idx="3">
+                  <c:v>58</c:v>
+                </c:pt>
+                <c:pt idx="4">
+                  <c:v>53.5</c:v>
+                </c:pt>
+              </c:numCache>
+            </c:numRef>
+          </c:val>
+          <c:extLst>
+            <c:ext xmlns:c16="http://schemas.microsoft.com/office/drawing/2014/chart" uri="{C3380CC4-5D6E-409C-BE32-E72D297353CC}">
+              <c16:uniqueId val="{0000000A-62D9-4E09-9FD0-93326D595D7A}"/>
+            </c:ext>
+          </c:extLst>
+        </c:ser>
+        <c:dLbls>
+          <c:dLblPos val="bestFit"/>
+          <c:showLegendKey val="0"/>
+          <c:showVal val="1"/>
+          <c:showCatName val="0"/>
+          <c:showSerName val="0"/>
+          <c:showPercent val="0"/>
+          <c:showBubbleSize val="0"/>
+          <c:showLeaderLines val="1"/>
+        </c:dLbls>
+        <c:firstSliceAng val="0"/>
+      </c:pieChart>
+      <c:spPr>
+        <a:noFill/>
+        <a:ln>
+          <a:noFill/>
+        </a:ln>
+        <a:effectLst/>
+      </c:spPr>
+    </c:plotArea>
+    <c:legend>
+      <c:legendPos val="b"/>
+      <c:overlay val="0"/>
+      <c:spPr>
+        <a:noFill/>
+        <a:ln>
+          <a:noFill/>
+        </a:ln>
+        <a:effectLst/>
+      </c:spPr>
+      <c:txPr>
+        <a:bodyPr rot="0" spcFirstLastPara="1" vertOverflow="ellipsis" vert="horz" wrap="square" anchor="ctr" anchorCtr="1"/>
+        <a:lstStyle/>
+        <a:p>
+          <a:pPr>
+            <a:defRPr sz="1600" b="0" i="0" u="none" strike="noStrike" kern="1200" baseline="0">
+              <a:solidFill>
+                <a:schemeClr val="tx1">
+                  <a:lumMod val="65000"/>
+                  <a:lumOff val="35000"/>
+                </a:schemeClr>
+              </a:solidFill>
+              <a:latin typeface="+mn-lt"/>
+              <a:ea typeface="+mn-ea"/>
+              <a:cs typeface="+mn-cs"/>
+            </a:defRPr>
+          </a:pPr>
+          <a:endParaRPr lang="en-US"/>
+        </a:p>
+      </c:txPr>
+    </c:legend>
+    <c:plotVisOnly val="1"/>
+    <c:dispBlanksAs val="gap"/>
+    <c:showDLblsOverMax val="0"/>
+    <c:extLst>
+      <c:ext xmlns:c16r3="http://schemas.microsoft.com/office/drawing/2017/03/chart" uri="{56B9EC1D-385E-4148-901F-78D8002777C0}">
+        <c16r3:dataDisplayOptions16>
+          <c16r3:dispNaAsBlank val="1"/>
+        </c16r3:dataDisplayOptions16>
+      </c:ext>
+    </c:extLst>
+  </c:chart>
+  <c:spPr>
+    <a:noFill/>
+    <a:ln>
+      <a:noFill/>
+    </a:ln>
+    <a:effectLst/>
+  </c:spPr>
+  <c:txPr>
+    <a:bodyPr/>
+    <a:lstStyle/>
+    <a:p>
+      <a:pPr>
+        <a:defRPr/>
+      </a:pPr>
+      <a:endParaRPr lang="en-US"/>
+    </a:p>
+  </c:txPr>
+  <c:externalData r:id="rId3">
+    <c:autoUpdate val="0"/>
+  </c:externalData>
+</c:chartSpace>
+</file>
+
+<file path=ppt/charts/chart4.xml><?xml version="1.0" encoding="utf-8"?>
+<c:chartSpace xmlns:c="http://schemas.openxmlformats.org/drawingml/2006/chart" xmlns:a="http://schemas.openxmlformats.org/drawingml/2006/main" xmlns:r="http://schemas.openxmlformats.org/officeDocument/2006/relationships" xmlns:c16r2="http://schemas.microsoft.com/office/drawing/2015/06/chart">
+  <c:date1904 val="0"/>
+  <c:lang val="en-US"/>
+  <c:roundedCorners val="0"/>
+  <mc:AlternateContent xmlns:mc="http://schemas.openxmlformats.org/markup-compatibility/2006">
+    <mc:Choice xmlns:c14="http://schemas.microsoft.com/office/drawing/2007/8/2/chart" Requires="c14">
+      <c14:style val="102"/>
+    </mc:Choice>
+    <mc:Fallback>
+      <c:style val="2"/>
+    </mc:Fallback>
+  </mc:AlternateContent>
+  <c:chart>
+    <c:title>
+      <c:tx>
+        <c:rich>
+          <a:bodyPr rot="0" spcFirstLastPara="1" vertOverflow="ellipsis" vert="horz" wrap="square" anchor="ctr" anchorCtr="1"/>
+          <a:lstStyle/>
+          <a:p>
+            <a:pPr>
+              <a:defRPr sz="2128" b="1" i="0" u="none" strike="noStrike" kern="1200" baseline="0">
+                <a:solidFill>
+                  <a:schemeClr val="tx1">
+                    <a:lumMod val="65000"/>
+                    <a:lumOff val="35000"/>
+                  </a:schemeClr>
+                </a:solidFill>
+                <a:latin typeface="+mn-lt"/>
+                <a:ea typeface="+mn-ea"/>
+                <a:cs typeface="+mn-cs"/>
+              </a:defRPr>
+            </a:pPr>
+            <a:r>
+              <a:rPr lang="en-SG"/>
+              <a:t>Task Metric: Planned VS Completed</a:t>
+            </a:r>
+          </a:p>
+        </c:rich>
+      </c:tx>
+      <c:overlay val="0"/>
+      <c:spPr>
+        <a:noFill/>
+        <a:ln>
+          <a:noFill/>
+        </a:ln>
+        <a:effectLst/>
+      </c:spPr>
+      <c:txPr>
+        <a:bodyPr rot="0" spcFirstLastPara="1" vertOverflow="ellipsis" vert="horz" wrap="square" anchor="ctr" anchorCtr="1"/>
+        <a:lstStyle/>
+        <a:p>
+          <a:pPr>
+            <a:defRPr sz="2128" b="1" i="0" u="none" strike="noStrike" kern="1200" baseline="0">
+              <a:solidFill>
+                <a:schemeClr val="tx1">
+                  <a:lumMod val="65000"/>
+                  <a:lumOff val="35000"/>
+                </a:schemeClr>
+              </a:solidFill>
+              <a:latin typeface="+mn-lt"/>
+              <a:ea typeface="+mn-ea"/>
+              <a:cs typeface="+mn-cs"/>
+            </a:defRPr>
+          </a:pPr>
+          <a:endParaRPr lang="en-US"/>
+        </a:p>
+      </c:txPr>
+    </c:title>
+    <c:autoTitleDeleted val="0"/>
+    <c:plotArea>
+      <c:layout/>
+      <c:barChart>
+        <c:barDir val="col"/>
+        <c:grouping val="clustered"/>
+        <c:varyColors val="0"/>
+        <c:ser>
+          <c:idx val="1"/>
+          <c:order val="1"/>
+          <c:tx>
+            <c:strRef>
+              <c:f>'[Graph metrics.xlsx]Sheet1'!$C$3</c:f>
+              <c:strCache>
+                <c:ptCount val="1"/>
+                <c:pt idx="0">
+                  <c:v>Planned Tasks</c:v>
+                </c:pt>
+              </c:strCache>
+            </c:strRef>
+          </c:tx>
+          <c:spPr>
+            <a:gradFill rotWithShape="1">
+              <a:gsLst>
+                <a:gs pos="0">
+                  <a:schemeClr val="accent5">
+                    <a:tint val="100000"/>
+                    <a:shade val="100000"/>
+                    <a:satMod val="130000"/>
+                  </a:schemeClr>
+                </a:gs>
+                <a:gs pos="100000">
+                  <a:schemeClr val="accent5">
+                    <a:tint val="50000"/>
+                    <a:shade val="100000"/>
+                    <a:satMod val="350000"/>
+                  </a:schemeClr>
+                </a:gs>
+              </a:gsLst>
+              <a:lin ang="16200000" scaled="0"/>
+            </a:gradFill>
+            <a:ln>
+              <a:noFill/>
+            </a:ln>
+            <a:effectLst>
+              <a:outerShdw blurRad="40000" dist="23000" dir="5400000" rotWithShape="0">
+                <a:srgbClr val="000000">
+                  <a:alpha val="35000"/>
+                </a:srgbClr>
+              </a:outerShdw>
+            </a:effectLst>
+            <a:scene3d>
+              <a:camera prst="orthographicFront">
+                <a:rot lat="0" lon="0" rev="0"/>
+              </a:camera>
+              <a:lightRig rig="threePt" dir="t">
+                <a:rot lat="0" lon="0" rev="1200000"/>
+              </a:lightRig>
+            </a:scene3d>
+            <a:sp3d>
+              <a:bevelT w="63500" h="25400"/>
+            </a:sp3d>
+          </c:spPr>
+          <c:invertIfNegative val="0"/>
+          <c:dLbls>
+            <c:spPr>
+              <a:noFill/>
+              <a:ln>
+                <a:noFill/>
+              </a:ln>
+              <a:effectLst/>
+            </c:spPr>
+            <c:txPr>
+              <a:bodyPr rot="0" spcFirstLastPara="1" vertOverflow="ellipsis" vert="horz" wrap="square" lIns="38100" tIns="19050" rIns="38100" bIns="19050" anchor="ctr" anchorCtr="1">
+                <a:spAutoFit/>
+              </a:bodyPr>
+              <a:lstStyle/>
+              <a:p>
+                <a:pPr>
+                  <a:defRPr sz="1197" b="0" i="0" u="none" strike="noStrike" kern="1200" baseline="0">
+                    <a:solidFill>
+                      <a:schemeClr val="tx1">
+                        <a:lumMod val="75000"/>
+                        <a:lumOff val="25000"/>
+                      </a:schemeClr>
+                    </a:solidFill>
+                    <a:latin typeface="+mn-lt"/>
+                    <a:ea typeface="+mn-ea"/>
+                    <a:cs typeface="+mn-cs"/>
+                  </a:defRPr>
+                </a:pPr>
+                <a:endParaRPr lang="en-US"/>
+              </a:p>
+            </c:txPr>
+            <c:showLegendKey val="0"/>
+            <c:showVal val="1"/>
+            <c:showCatName val="0"/>
+            <c:showSerName val="0"/>
+            <c:showPercent val="0"/>
+            <c:showBubbleSize val="0"/>
+            <c:showLeaderLines val="0"/>
+            <c:extLst>
+              <c:ext xmlns:c15="http://schemas.microsoft.com/office/drawing/2012/chart" uri="{CE6537A1-D6FC-4f65-9D91-7224C49458BB}">
+                <c15:showLeaderLines val="1"/>
+                <c15:leaderLines>
+                  <c:spPr>
+                    <a:ln w="9525" cap="flat" cmpd="sng" algn="ctr">
+                      <a:solidFill>
+                        <a:schemeClr val="tx1">
+                          <a:lumMod val="35000"/>
+                          <a:lumOff val="65000"/>
+                        </a:schemeClr>
+                      </a:solidFill>
+                      <a:round/>
+                    </a:ln>
+                    <a:effectLst/>
+                  </c:spPr>
+                </c15:leaderLines>
+              </c:ext>
+            </c:extLst>
+          </c:dLbls>
+          <c:val>
+            <c:numRef>
+              <c:f>'[Graph metrics.xlsx]Sheet1'!$C$4:$C$9</c:f>
+              <c:numCache>
+                <c:formatCode>General</c:formatCode>
+                <c:ptCount val="6"/>
+                <c:pt idx="0">
+                  <c:v>7</c:v>
+                </c:pt>
+                <c:pt idx="1">
+                  <c:v>19</c:v>
+                </c:pt>
+                <c:pt idx="2">
+                  <c:v>57</c:v>
+                </c:pt>
+                <c:pt idx="3">
+                  <c:v>35</c:v>
+                </c:pt>
+                <c:pt idx="4">
+                  <c:v>26</c:v>
+                </c:pt>
+                <c:pt idx="5">
+                  <c:v>16</c:v>
+                </c:pt>
+              </c:numCache>
+            </c:numRef>
+          </c:val>
+          <c:extLst>
+            <c:ext xmlns:c16="http://schemas.microsoft.com/office/drawing/2014/chart" uri="{C3380CC4-5D6E-409C-BE32-E72D297353CC}">
+              <c16:uniqueId val="{00000000-5DC5-4581-BB37-D9EACD75EB54}"/>
+            </c:ext>
+          </c:extLst>
+        </c:ser>
+        <c:ser>
+          <c:idx val="2"/>
+          <c:order val="2"/>
+          <c:tx>
+            <c:strRef>
+              <c:f>'[Graph metrics.xlsx]Sheet1'!$D$3</c:f>
+              <c:strCache>
+                <c:ptCount val="1"/>
+                <c:pt idx="0">
+                  <c:v>Completed Tasks</c:v>
+                </c:pt>
+              </c:strCache>
+            </c:strRef>
+          </c:tx>
+          <c:spPr>
+            <a:gradFill rotWithShape="1">
+              <a:gsLst>
+                <a:gs pos="0">
+                  <a:schemeClr val="accent4">
+                    <a:tint val="100000"/>
+                    <a:shade val="100000"/>
+                    <a:satMod val="130000"/>
+                  </a:schemeClr>
+                </a:gs>
+                <a:gs pos="100000">
+                  <a:schemeClr val="accent4">
+                    <a:tint val="50000"/>
+                    <a:shade val="100000"/>
+                    <a:satMod val="350000"/>
+                  </a:schemeClr>
+                </a:gs>
+              </a:gsLst>
+              <a:lin ang="16200000" scaled="0"/>
+            </a:gradFill>
+            <a:ln>
+              <a:noFill/>
+            </a:ln>
+            <a:effectLst>
+              <a:outerShdw blurRad="40000" dist="23000" dir="5400000" rotWithShape="0">
+                <a:srgbClr val="000000">
+                  <a:alpha val="35000"/>
+                </a:srgbClr>
+              </a:outerShdw>
+            </a:effectLst>
+            <a:scene3d>
+              <a:camera prst="orthographicFront">
+                <a:rot lat="0" lon="0" rev="0"/>
+              </a:camera>
+              <a:lightRig rig="threePt" dir="t">
+                <a:rot lat="0" lon="0" rev="1200000"/>
+              </a:lightRig>
+            </a:scene3d>
+            <a:sp3d>
+              <a:bevelT w="63500" h="25400"/>
+            </a:sp3d>
+          </c:spPr>
+          <c:invertIfNegative val="0"/>
+          <c:dLbls>
+            <c:dLbl>
+              <c:idx val="3"/>
+              <c:layout>
+                <c:manualLayout>
+                  <c:x val="-7.4806167693762273E-17"/>
+                  <c:y val="1.1841326228537596E-2"/>
+                </c:manualLayout>
+              </c:layout>
+              <c:showLegendKey val="0"/>
+              <c:showVal val="1"/>
+              <c:showCatName val="0"/>
+              <c:showSerName val="0"/>
+              <c:showPercent val="0"/>
+              <c:showBubbleSize val="0"/>
+              <c:extLst>
+                <c:ext xmlns:c15="http://schemas.microsoft.com/office/drawing/2012/chart" uri="{CE6537A1-D6FC-4f65-9D91-7224C49458BB}"/>
+                <c:ext xmlns:c16="http://schemas.microsoft.com/office/drawing/2014/chart" uri="{C3380CC4-5D6E-409C-BE32-E72D297353CC}">
+                  <c16:uniqueId val="{00000004-5DC5-4581-BB37-D9EACD75EB54}"/>
+                </c:ext>
+              </c:extLst>
+            </c:dLbl>
+            <c:spPr>
+              <a:noFill/>
+              <a:ln>
+                <a:noFill/>
+              </a:ln>
+              <a:effectLst/>
+            </c:spPr>
+            <c:txPr>
+              <a:bodyPr rot="0" spcFirstLastPara="1" vertOverflow="ellipsis" vert="horz" wrap="square" lIns="38100" tIns="19050" rIns="38100" bIns="19050" anchor="ctr" anchorCtr="1">
+                <a:spAutoFit/>
+              </a:bodyPr>
+              <a:lstStyle/>
+              <a:p>
+                <a:pPr>
+                  <a:defRPr sz="1197" b="0" i="0" u="none" strike="noStrike" kern="1200" baseline="0">
+                    <a:solidFill>
+                      <a:schemeClr val="tx1">
+                        <a:lumMod val="75000"/>
+                        <a:lumOff val="25000"/>
+                      </a:schemeClr>
+                    </a:solidFill>
+                    <a:latin typeface="+mn-lt"/>
+                    <a:ea typeface="+mn-ea"/>
+                    <a:cs typeface="+mn-cs"/>
+                  </a:defRPr>
+                </a:pPr>
+                <a:endParaRPr lang="en-US"/>
+              </a:p>
+            </c:txPr>
+            <c:showLegendKey val="0"/>
+            <c:showVal val="1"/>
+            <c:showCatName val="0"/>
+            <c:showSerName val="0"/>
+            <c:showPercent val="0"/>
+            <c:showBubbleSize val="0"/>
+            <c:showLeaderLines val="0"/>
+            <c:extLst>
+              <c:ext xmlns:c15="http://schemas.microsoft.com/office/drawing/2012/chart" uri="{CE6537A1-D6FC-4f65-9D91-7224C49458BB}">
+                <c15:showLeaderLines val="1"/>
+                <c15:leaderLines>
+                  <c:spPr>
+                    <a:ln w="9525" cap="flat" cmpd="sng" algn="ctr">
+                      <a:solidFill>
+                        <a:schemeClr val="tx1">
+                          <a:lumMod val="35000"/>
+                          <a:lumOff val="65000"/>
+                        </a:schemeClr>
+                      </a:solidFill>
+                      <a:round/>
+                    </a:ln>
+                    <a:effectLst/>
+                  </c:spPr>
+                </c15:leaderLines>
+              </c:ext>
+            </c:extLst>
+          </c:dLbls>
+          <c:val>
+            <c:numRef>
+              <c:f>'[Graph metrics.xlsx]Sheet1'!$D$4:$D$9</c:f>
+              <c:numCache>
+                <c:formatCode>General</c:formatCode>
+                <c:ptCount val="6"/>
+                <c:pt idx="0">
+                  <c:v>7</c:v>
+                </c:pt>
+                <c:pt idx="1">
+                  <c:v>19</c:v>
+                </c:pt>
+                <c:pt idx="2">
+                  <c:v>48</c:v>
+                </c:pt>
+                <c:pt idx="3">
+                  <c:v>33</c:v>
+                </c:pt>
+                <c:pt idx="4">
+                  <c:v>26</c:v>
+                </c:pt>
+                <c:pt idx="5">
+                  <c:v>16</c:v>
+                </c:pt>
+              </c:numCache>
+            </c:numRef>
+          </c:val>
+          <c:extLst>
+            <c:ext xmlns:c16="http://schemas.microsoft.com/office/drawing/2014/chart" uri="{C3380CC4-5D6E-409C-BE32-E72D297353CC}">
+              <c16:uniqueId val="{00000001-5DC5-4581-BB37-D9EACD75EB54}"/>
+            </c:ext>
+          </c:extLst>
+        </c:ser>
+        <c:dLbls>
+          <c:showLegendKey val="0"/>
+          <c:showVal val="0"/>
+          <c:showCatName val="0"/>
+          <c:showSerName val="0"/>
+          <c:showPercent val="0"/>
+          <c:showBubbleSize val="0"/>
+        </c:dLbls>
+        <c:gapWidth val="150"/>
+        <c:axId val="429644040"/>
+        <c:axId val="429641088"/>
+      </c:barChart>
+      <c:lineChart>
+        <c:grouping val="standard"/>
+        <c:varyColors val="0"/>
+        <c:ser>
+          <c:idx val="3"/>
+          <c:order val="3"/>
+          <c:tx>
+            <c:strRef>
+              <c:f>'[Graph metrics.xlsx]Sheet1'!$E$3</c:f>
+              <c:strCache>
+                <c:ptCount val="1"/>
+                <c:pt idx="0">
+                  <c:v>Task Metric</c:v>
+                </c:pt>
+              </c:strCache>
+            </c:strRef>
+          </c:tx>
+          <c:spPr>
+            <a:ln w="34925" cap="rnd">
+              <a:solidFill>
+                <a:schemeClr val="accent6">
+                  <a:lumMod val="60000"/>
+                </a:schemeClr>
+              </a:solidFill>
+              <a:round/>
+            </a:ln>
+            <a:effectLst>
+              <a:outerShdw blurRad="40000" dist="23000" dir="5400000" rotWithShape="0">
+                <a:srgbClr val="000000">
+                  <a:alpha val="35000"/>
+                </a:srgbClr>
+              </a:outerShdw>
+            </a:effectLst>
+          </c:spPr>
+          <c:marker>
+            <c:symbol val="none"/>
+          </c:marker>
+          <c:val>
+            <c:numRef>
+              <c:f>'[Graph metrics.xlsx]Sheet1'!$E$4:$E$9</c:f>
+              <c:numCache>
+                <c:formatCode>General</c:formatCode>
+                <c:ptCount val="6"/>
+                <c:pt idx="0">
+                  <c:v>1</c:v>
+                </c:pt>
+                <c:pt idx="1">
+                  <c:v>1</c:v>
+                </c:pt>
+                <c:pt idx="2">
+                  <c:v>0.84210526320000001</c:v>
+                </c:pt>
+                <c:pt idx="3">
+                  <c:v>0.9428571429</c:v>
+                </c:pt>
+                <c:pt idx="4">
+                  <c:v>1</c:v>
+                </c:pt>
+                <c:pt idx="5">
+                  <c:v>1</c:v>
+                </c:pt>
+              </c:numCache>
+            </c:numRef>
+          </c:val>
+          <c:smooth val="0"/>
+          <c:extLst>
+            <c:ext xmlns:c16="http://schemas.microsoft.com/office/drawing/2014/chart" uri="{C3380CC4-5D6E-409C-BE32-E72D297353CC}">
+              <c16:uniqueId val="{00000002-5DC5-4581-BB37-D9EACD75EB54}"/>
+            </c:ext>
+          </c:extLst>
+        </c:ser>
+        <c:dLbls>
+          <c:showLegendKey val="0"/>
+          <c:showVal val="0"/>
+          <c:showCatName val="0"/>
+          <c:showSerName val="0"/>
+          <c:showPercent val="0"/>
+          <c:showBubbleSize val="0"/>
+        </c:dLbls>
+        <c:marker val="1"/>
+        <c:smooth val="0"/>
+        <c:axId val="429574648"/>
+        <c:axId val="429573992"/>
+        <c:extLst>
+          <c:ext xmlns:c15="http://schemas.microsoft.com/office/drawing/2012/chart" uri="{02D57815-91ED-43cb-92C2-25804820EDAC}">
+            <c15:filteredLineSeries>
+              <c15:ser>
+                <c:idx val="0"/>
+                <c:order val="0"/>
+                <c:tx>
+                  <c:strRef>
+                    <c:extLst>
+                      <c:ext uri="{02D57815-91ED-43cb-92C2-25804820EDAC}">
+                        <c15:formulaRef>
+                          <c15:sqref>'[Graph metrics.xlsx]Sheet1'!$B$3</c15:sqref>
+                        </c15:formulaRef>
+                      </c:ext>
+                    </c:extLst>
+                    <c:strCache>
+                      <c:ptCount val="1"/>
+                      <c:pt idx="0">
+                        <c:v>Iteration No.</c:v>
+                      </c:pt>
+                    </c:strCache>
+                  </c:strRef>
+                </c:tx>
+                <c:spPr>
+                  <a:ln w="34925" cap="rnd">
+                    <a:solidFill>
+                      <a:schemeClr val="accent6"/>
+                    </a:solidFill>
+                    <a:round/>
+                  </a:ln>
+                  <a:effectLst>
+                    <a:outerShdw blurRad="40000" dist="23000" dir="5400000" rotWithShape="0">
+                      <a:srgbClr val="000000">
+                        <a:alpha val="35000"/>
+                      </a:srgbClr>
+                    </a:outerShdw>
+                  </a:effectLst>
+                </c:spPr>
+                <c:marker>
+                  <c:symbol val="circle"/>
+                  <c:size val="6"/>
+                  <c:spPr>
+                    <a:gradFill rotWithShape="1">
+                      <a:gsLst>
+                        <a:gs pos="0">
+                          <a:schemeClr val="accent6">
+                            <a:tint val="100000"/>
+                            <a:shade val="100000"/>
+                            <a:satMod val="130000"/>
+                          </a:schemeClr>
+                        </a:gs>
+                        <a:gs pos="100000">
+                          <a:schemeClr val="accent6">
+                            <a:tint val="50000"/>
+                            <a:shade val="100000"/>
+                            <a:satMod val="350000"/>
+                          </a:schemeClr>
+                        </a:gs>
+                      </a:gsLst>
+                      <a:lin ang="16200000" scaled="0"/>
+                    </a:gradFill>
+                    <a:ln w="9525">
+                      <a:solidFill>
+                        <a:schemeClr val="accent6"/>
+                      </a:solidFill>
+                      <a:round/>
+                    </a:ln>
+                    <a:effectLst>
+                      <a:outerShdw blurRad="40000" dist="23000" dir="5400000" rotWithShape="0">
+                        <a:srgbClr val="000000">
+                          <a:alpha val="35000"/>
+                        </a:srgbClr>
+                      </a:outerShdw>
+                    </a:effectLst>
+                    <a:scene3d>
+                      <a:camera prst="orthographicFront">
+                        <a:rot lat="0" lon="0" rev="0"/>
+                      </a:camera>
+                      <a:lightRig rig="threePt" dir="t">
+                        <a:rot lat="0" lon="0" rev="1200000"/>
+                      </a:lightRig>
+                    </a:scene3d>
+                    <a:sp3d>
+                      <a:bevelT w="63500" h="25400"/>
+                    </a:sp3d>
+                  </c:spPr>
+                </c:marker>
+                <c:val>
+                  <c:numRef>
+                    <c:extLst>
+                      <c:ext uri="{02D57815-91ED-43cb-92C2-25804820EDAC}">
+                        <c15:formulaRef>
+                          <c15:sqref>'[Graph metrics.xlsx]Sheet1'!$B$4:$B$9</c15:sqref>
+                        </c15:formulaRef>
+                      </c:ext>
+                    </c:extLst>
+                    <c:numCache>
+                      <c:formatCode>General</c:formatCode>
+                      <c:ptCount val="6"/>
+                      <c:pt idx="0">
+                        <c:v>1</c:v>
+                      </c:pt>
+                      <c:pt idx="1">
+                        <c:v>2</c:v>
+                      </c:pt>
+                      <c:pt idx="2">
+                        <c:v>3</c:v>
+                      </c:pt>
+                      <c:pt idx="3">
+                        <c:v>4</c:v>
+                      </c:pt>
+                      <c:pt idx="4">
+                        <c:v>5</c:v>
+                      </c:pt>
+                      <c:pt idx="5">
+                        <c:v>6</c:v>
+                      </c:pt>
+                    </c:numCache>
+                  </c:numRef>
+                </c:val>
+                <c:smooth val="0"/>
+                <c:extLst>
+                  <c:ext xmlns:c16="http://schemas.microsoft.com/office/drawing/2014/chart" uri="{C3380CC4-5D6E-409C-BE32-E72D297353CC}">
+                    <c16:uniqueId val="{00000003-5DC5-4581-BB37-D9EACD75EB54}"/>
+                  </c:ext>
+                </c:extLst>
+              </c15:ser>
+            </c15:filteredLineSeries>
+          </c:ext>
+        </c:extLst>
+      </c:lineChart>
+      <c:catAx>
+        <c:axId val="429644040"/>
+        <c:scaling>
+          <c:orientation val="minMax"/>
+        </c:scaling>
+        <c:delete val="0"/>
+        <c:axPos val="b"/>
+        <c:title>
+          <c:tx>
+            <c:rich>
+              <a:bodyPr rot="0" spcFirstLastPara="1" vertOverflow="ellipsis" vert="horz" wrap="square" anchor="ctr" anchorCtr="1"/>
+              <a:lstStyle/>
+              <a:p>
+                <a:pPr>
+                  <a:defRPr sz="1197" b="1" i="0" u="none" strike="noStrike" kern="1200" baseline="0">
+                    <a:solidFill>
+                      <a:schemeClr val="tx1">
+                        <a:lumMod val="65000"/>
+                        <a:lumOff val="35000"/>
+                      </a:schemeClr>
+                    </a:solidFill>
+                    <a:latin typeface="+mn-lt"/>
+                    <a:ea typeface="+mn-ea"/>
+                    <a:cs typeface="+mn-cs"/>
+                  </a:defRPr>
+                </a:pPr>
+                <a:r>
+                  <a:rPr lang="en-SG" b="1"/>
+                  <a:t>Iteration</a:t>
+                </a:r>
+              </a:p>
+            </c:rich>
+          </c:tx>
+          <c:overlay val="0"/>
+          <c:spPr>
+            <a:noFill/>
+            <a:ln>
+              <a:noFill/>
+            </a:ln>
+            <a:effectLst/>
+          </c:spPr>
+          <c:txPr>
+            <a:bodyPr rot="0" spcFirstLastPara="1" vertOverflow="ellipsis" vert="horz" wrap="square" anchor="ctr" anchorCtr="1"/>
+            <a:lstStyle/>
+            <a:p>
+              <a:pPr>
+                <a:defRPr sz="1197" b="1" i="0" u="none" strike="noStrike" kern="1200" baseline="0">
+                  <a:solidFill>
+                    <a:schemeClr val="tx1">
+                      <a:lumMod val="65000"/>
+                      <a:lumOff val="35000"/>
+                    </a:schemeClr>
+                  </a:solidFill>
+                  <a:latin typeface="+mn-lt"/>
+                  <a:ea typeface="+mn-ea"/>
+                  <a:cs typeface="+mn-cs"/>
+                </a:defRPr>
+              </a:pPr>
+              <a:endParaRPr lang="en-US"/>
+            </a:p>
+          </c:txPr>
+        </c:title>
+        <c:majorTickMark val="none"/>
+        <c:minorTickMark val="none"/>
+        <c:tickLblPos val="nextTo"/>
+        <c:spPr>
+          <a:noFill/>
+          <a:ln w="12700" cap="flat" cmpd="sng" algn="ctr">
+            <a:solidFill>
+              <a:schemeClr val="tx1">
+                <a:lumMod val="15000"/>
+                <a:lumOff val="85000"/>
+              </a:schemeClr>
+            </a:solidFill>
+            <a:round/>
+          </a:ln>
+          <a:effectLst/>
+        </c:spPr>
+        <c:txPr>
+          <a:bodyPr rot="-60000000" spcFirstLastPara="1" vertOverflow="ellipsis" vert="horz" wrap="square" anchor="ctr" anchorCtr="1"/>
+          <a:lstStyle/>
+          <a:p>
+            <a:pPr>
+              <a:defRPr sz="1197" b="0" i="0" u="none" strike="noStrike" kern="1200" baseline="0">
+                <a:solidFill>
+                  <a:schemeClr val="tx1">
+                    <a:lumMod val="65000"/>
+                    <a:lumOff val="35000"/>
+                  </a:schemeClr>
+                </a:solidFill>
+                <a:latin typeface="+mn-lt"/>
+                <a:ea typeface="+mn-ea"/>
+                <a:cs typeface="+mn-cs"/>
+              </a:defRPr>
+            </a:pPr>
+            <a:endParaRPr lang="en-US"/>
+          </a:p>
+        </c:txPr>
+        <c:crossAx val="429641088"/>
+        <c:crosses val="autoZero"/>
+        <c:auto val="1"/>
+        <c:lblAlgn val="ctr"/>
+        <c:lblOffset val="100"/>
+        <c:noMultiLvlLbl val="0"/>
+      </c:catAx>
+      <c:valAx>
+        <c:axId val="429641088"/>
+        <c:scaling>
+          <c:orientation val="minMax"/>
+        </c:scaling>
+        <c:delete val="0"/>
+        <c:axPos val="l"/>
+        <c:majorGridlines>
+          <c:spPr>
+            <a:ln w="9525" cap="flat" cmpd="sng" algn="ctr">
+              <a:solidFill>
+                <a:schemeClr val="tx1">
+                  <a:lumMod val="15000"/>
+                  <a:lumOff val="85000"/>
+                </a:schemeClr>
+              </a:solidFill>
+              <a:round/>
+            </a:ln>
+            <a:effectLst/>
+          </c:spPr>
+        </c:majorGridlines>
+        <c:title>
+          <c:tx>
+            <c:rich>
+              <a:bodyPr rot="-5400000" spcFirstLastPara="1" vertOverflow="ellipsis" vert="horz" wrap="square" anchor="ctr" anchorCtr="1"/>
+              <a:lstStyle/>
+              <a:p>
+                <a:pPr>
+                  <a:defRPr sz="1197" b="1" i="0" u="none" strike="noStrike" kern="1200" baseline="0">
+                    <a:solidFill>
+                      <a:schemeClr val="tx1">
+                        <a:lumMod val="65000"/>
+                        <a:lumOff val="35000"/>
+                      </a:schemeClr>
+                    </a:solidFill>
+                    <a:latin typeface="+mn-lt"/>
+                    <a:ea typeface="+mn-ea"/>
+                    <a:cs typeface="+mn-cs"/>
+                  </a:defRPr>
+                </a:pPr>
+                <a:r>
+                  <a:rPr lang="en-SG" b="1"/>
+                  <a:t>Tasks</a:t>
+                </a:r>
+              </a:p>
+            </c:rich>
+          </c:tx>
+          <c:overlay val="0"/>
+          <c:spPr>
+            <a:noFill/>
+            <a:ln>
+              <a:noFill/>
+            </a:ln>
+            <a:effectLst/>
+          </c:spPr>
+          <c:txPr>
+            <a:bodyPr rot="-5400000" spcFirstLastPara="1" vertOverflow="ellipsis" vert="horz" wrap="square" anchor="ctr" anchorCtr="1"/>
+            <a:lstStyle/>
+            <a:p>
+              <a:pPr>
+                <a:defRPr sz="1197" b="1" i="0" u="none" strike="noStrike" kern="1200" baseline="0">
+                  <a:solidFill>
+                    <a:schemeClr val="tx1">
+                      <a:lumMod val="65000"/>
+                      <a:lumOff val="35000"/>
+                    </a:schemeClr>
+                  </a:solidFill>
+                  <a:latin typeface="+mn-lt"/>
+                  <a:ea typeface="+mn-ea"/>
+                  <a:cs typeface="+mn-cs"/>
+                </a:defRPr>
+              </a:pPr>
+              <a:endParaRPr lang="en-US"/>
+            </a:p>
+          </c:txPr>
+        </c:title>
+        <c:numFmt formatCode="General" sourceLinked="1"/>
+        <c:majorTickMark val="none"/>
+        <c:minorTickMark val="none"/>
+        <c:tickLblPos val="nextTo"/>
+        <c:spPr>
+          <a:noFill/>
+          <a:ln>
+            <a:noFill/>
+          </a:ln>
+          <a:effectLst/>
+        </c:spPr>
+        <c:txPr>
+          <a:bodyPr rot="-60000000" spcFirstLastPara="1" vertOverflow="ellipsis" vert="horz" wrap="square" anchor="ctr" anchorCtr="1"/>
+          <a:lstStyle/>
+          <a:p>
+            <a:pPr>
+              <a:defRPr sz="1197" b="0" i="0" u="none" strike="noStrike" kern="1200" baseline="0">
+                <a:solidFill>
+                  <a:schemeClr val="tx1">
+                    <a:lumMod val="65000"/>
+                    <a:lumOff val="35000"/>
+                  </a:schemeClr>
+                </a:solidFill>
+                <a:latin typeface="+mn-lt"/>
+                <a:ea typeface="+mn-ea"/>
+                <a:cs typeface="+mn-cs"/>
+              </a:defRPr>
+            </a:pPr>
+            <a:endParaRPr lang="en-US"/>
+          </a:p>
+        </c:txPr>
+        <c:crossAx val="429644040"/>
+        <c:crosses val="autoZero"/>
+        <c:crossBetween val="between"/>
+        <c:majorUnit val="10"/>
+        <c:minorUnit val="2"/>
+      </c:valAx>
+      <c:valAx>
+        <c:axId val="429573992"/>
+        <c:scaling>
+          <c:orientation val="minMax"/>
+        </c:scaling>
+        <c:delete val="0"/>
+        <c:axPos val="r"/>
+        <c:title>
+          <c:tx>
+            <c:rich>
+              <a:bodyPr rot="-5400000" spcFirstLastPara="1" vertOverflow="ellipsis" vert="horz" wrap="square" anchor="ctr" anchorCtr="1"/>
+              <a:lstStyle/>
+              <a:p>
+                <a:pPr>
+                  <a:defRPr sz="1197" b="1" i="0" u="none" strike="noStrike" kern="1200" baseline="0">
+                    <a:solidFill>
+                      <a:schemeClr val="tx1">
+                        <a:lumMod val="65000"/>
+                        <a:lumOff val="35000"/>
+                      </a:schemeClr>
+                    </a:solidFill>
+                    <a:latin typeface="+mn-lt"/>
+                    <a:ea typeface="+mn-ea"/>
+                    <a:cs typeface="+mn-cs"/>
+                  </a:defRPr>
+                </a:pPr>
+                <a:r>
+                  <a:rPr lang="en-SG" b="1"/>
+                  <a:t>Metric</a:t>
+                </a:r>
+              </a:p>
+            </c:rich>
+          </c:tx>
+          <c:overlay val="0"/>
+          <c:spPr>
+            <a:noFill/>
+            <a:ln>
+              <a:noFill/>
+            </a:ln>
+            <a:effectLst/>
+          </c:spPr>
+          <c:txPr>
+            <a:bodyPr rot="-5400000" spcFirstLastPara="1" vertOverflow="ellipsis" vert="horz" wrap="square" anchor="ctr" anchorCtr="1"/>
+            <a:lstStyle/>
+            <a:p>
+              <a:pPr>
+                <a:defRPr sz="1197" b="1" i="0" u="none" strike="noStrike" kern="1200" baseline="0">
+                  <a:solidFill>
+                    <a:schemeClr val="tx1">
+                      <a:lumMod val="65000"/>
+                      <a:lumOff val="35000"/>
+                    </a:schemeClr>
+                  </a:solidFill>
+                  <a:latin typeface="+mn-lt"/>
+                  <a:ea typeface="+mn-ea"/>
+                  <a:cs typeface="+mn-cs"/>
+                </a:defRPr>
+              </a:pPr>
+              <a:endParaRPr lang="en-US"/>
+            </a:p>
+          </c:txPr>
+        </c:title>
+        <c:numFmt formatCode="General" sourceLinked="1"/>
+        <c:majorTickMark val="none"/>
+        <c:minorTickMark val="none"/>
+        <c:tickLblPos val="nextTo"/>
+        <c:spPr>
+          <a:noFill/>
+          <a:ln>
+            <a:noFill/>
+          </a:ln>
+          <a:effectLst/>
+        </c:spPr>
+        <c:txPr>
+          <a:bodyPr rot="-60000000" spcFirstLastPara="1" vertOverflow="ellipsis" vert="horz" wrap="square" anchor="ctr" anchorCtr="1"/>
+          <a:lstStyle/>
+          <a:p>
+            <a:pPr>
+              <a:defRPr sz="1197" b="0" i="0" u="none" strike="noStrike" kern="1200" baseline="0">
+                <a:solidFill>
+                  <a:schemeClr val="tx1">
+                    <a:lumMod val="65000"/>
+                    <a:lumOff val="35000"/>
+                  </a:schemeClr>
+                </a:solidFill>
+                <a:latin typeface="+mn-lt"/>
+                <a:ea typeface="+mn-ea"/>
+                <a:cs typeface="+mn-cs"/>
+              </a:defRPr>
+            </a:pPr>
+            <a:endParaRPr lang="en-US"/>
+          </a:p>
+        </c:txPr>
+        <c:crossAx val="429574648"/>
+        <c:crosses val="max"/>
+        <c:crossBetween val="between"/>
+      </c:valAx>
+      <c:catAx>
+        <c:axId val="429574648"/>
+        <c:scaling>
+          <c:orientation val="minMax"/>
+        </c:scaling>
+        <c:delete val="1"/>
+        <c:axPos val="b"/>
+        <c:majorTickMark val="none"/>
+        <c:minorTickMark val="none"/>
+        <c:tickLblPos val="nextTo"/>
+        <c:crossAx val="429573992"/>
+        <c:crosses val="autoZero"/>
+        <c:auto val="1"/>
+        <c:lblAlgn val="ctr"/>
+        <c:lblOffset val="100"/>
+        <c:noMultiLvlLbl val="0"/>
+      </c:catAx>
+      <c:spPr>
+        <a:noFill/>
+        <a:ln>
+          <a:noFill/>
+        </a:ln>
+        <a:effectLst/>
+      </c:spPr>
+    </c:plotArea>
+    <c:legend>
+      <c:legendPos val="b"/>
+      <c:overlay val="0"/>
+      <c:spPr>
+        <a:noFill/>
+        <a:ln>
+          <a:noFill/>
+        </a:ln>
+        <a:effectLst/>
+      </c:spPr>
+      <c:txPr>
+        <a:bodyPr rot="0" spcFirstLastPara="1" vertOverflow="ellipsis" vert="horz" wrap="square" anchor="ctr" anchorCtr="1"/>
+        <a:lstStyle/>
+        <a:p>
+          <a:pPr>
+            <a:defRPr sz="1197" b="0" i="0" u="none" strike="noStrike" kern="1200" baseline="0">
+              <a:solidFill>
+                <a:schemeClr val="tx1">
+                  <a:lumMod val="65000"/>
+                  <a:lumOff val="35000"/>
+                </a:schemeClr>
+              </a:solidFill>
+              <a:latin typeface="+mn-lt"/>
+              <a:ea typeface="+mn-ea"/>
+              <a:cs typeface="+mn-cs"/>
+            </a:defRPr>
+          </a:pPr>
+          <a:endParaRPr lang="en-US"/>
+        </a:p>
+      </c:txPr>
+    </c:legend>
+    <c:plotVisOnly val="1"/>
+    <c:dispBlanksAs val="gap"/>
+    <c:showDLblsOverMax val="0"/>
+    <c:extLst>
+      <c:ext xmlns:c16r3="http://schemas.microsoft.com/office/drawing/2017/03/chart" uri="{56B9EC1D-385E-4148-901F-78D8002777C0}">
+        <c16r3:dataDisplayOptions16>
+          <c16r3:dispNaAsBlank val="1"/>
+        </c16r3:dataDisplayOptions16>
+      </c:ext>
+    </c:extLst>
+  </c:chart>
+  <c:spPr>
+    <a:noFill/>
+    <a:ln>
+      <a:noFill/>
+    </a:ln>
+    <a:effectLst/>
+  </c:spPr>
+  <c:txPr>
+    <a:bodyPr/>
+    <a:lstStyle/>
+    <a:p>
+      <a:pPr>
+        <a:defRPr/>
+      </a:pPr>
+      <a:endParaRPr lang="en-US"/>
+    </a:p>
+  </c:txPr>
+  <c:externalData r:id="rId3">
+    <c:autoUpdate val="0"/>
+  </c:externalData>
+</c:chartSpace>
+</file>
+
+<file path=ppt/charts/chart5.xml><?xml version="1.0" encoding="utf-8"?>
+<c:chartSpace xmlns:c="http://schemas.openxmlformats.org/drawingml/2006/chart" xmlns:a="http://schemas.openxmlformats.org/drawingml/2006/main" xmlns:r="http://schemas.openxmlformats.org/officeDocument/2006/relationships" xmlns:c16r2="http://schemas.microsoft.com/office/drawing/2015/06/chart">
+  <c:date1904 val="0"/>
+  <c:lang val="en-US"/>
+  <c:roundedCorners val="0"/>
+  <mc:AlternateContent xmlns:mc="http://schemas.openxmlformats.org/markup-compatibility/2006">
+    <mc:Choice xmlns:c14="http://schemas.microsoft.com/office/drawing/2007/8/2/chart" Requires="c14">
+      <c14:style val="102"/>
+    </mc:Choice>
+    <mc:Fallback>
+      <c:style val="2"/>
+    </mc:Fallback>
+  </mc:AlternateContent>
+  <c:chart>
+    <c:title>
+      <c:tx>
+        <c:rich>
+          <a:bodyPr rot="0" spcFirstLastPara="1" vertOverflow="ellipsis" vert="horz" wrap="square" anchor="ctr" anchorCtr="1"/>
+          <a:lstStyle/>
+          <a:p>
+            <a:pPr>
+              <a:defRPr sz="2128" b="1" i="0" u="none" strike="noStrike" kern="1200" baseline="0">
+                <a:solidFill>
+                  <a:schemeClr val="tx1">
+                    <a:lumMod val="65000"/>
+                    <a:lumOff val="35000"/>
+                  </a:schemeClr>
+                </a:solidFill>
+                <a:latin typeface="+mn-lt"/>
+                <a:ea typeface="+mn-ea"/>
+                <a:cs typeface="+mn-cs"/>
+              </a:defRPr>
+            </a:pPr>
+            <a:r>
+              <a:rPr lang="en-US"/>
+              <a:t>Commits: By User</a:t>
+            </a:r>
+          </a:p>
+        </c:rich>
+      </c:tx>
+      <c:overlay val="0"/>
+      <c:spPr>
+        <a:noFill/>
+        <a:ln>
+          <a:noFill/>
+        </a:ln>
+        <a:effectLst/>
+      </c:spPr>
+      <c:txPr>
+        <a:bodyPr rot="0" spcFirstLastPara="1" vertOverflow="ellipsis" vert="horz" wrap="square" anchor="ctr" anchorCtr="1"/>
+        <a:lstStyle/>
+        <a:p>
+          <a:pPr>
+            <a:defRPr sz="2128" b="1" i="0" u="none" strike="noStrike" kern="1200" baseline="0">
+              <a:solidFill>
+                <a:schemeClr val="tx1">
+                  <a:lumMod val="65000"/>
+                  <a:lumOff val="35000"/>
+                </a:schemeClr>
+              </a:solidFill>
+              <a:latin typeface="+mn-lt"/>
+              <a:ea typeface="+mn-ea"/>
+              <a:cs typeface="+mn-cs"/>
+            </a:defRPr>
+          </a:pPr>
+          <a:endParaRPr lang="en-US"/>
+        </a:p>
+      </c:txPr>
+    </c:title>
+    <c:autoTitleDeleted val="0"/>
+    <c:plotArea>
+      <c:layout/>
+      <c:pieChart>
+        <c:varyColors val="1"/>
+        <c:ser>
+          <c:idx val="0"/>
+          <c:order val="0"/>
+          <c:tx>
+            <c:strRef>
+              <c:f>'[Graph metrics.xlsx]Sheet2'!$A$4</c:f>
+              <c:strCache>
+                <c:ptCount val="1"/>
+                <c:pt idx="0">
+                  <c:v>Commits</c:v>
+                </c:pt>
+              </c:strCache>
+            </c:strRef>
+          </c:tx>
+          <c:dPt>
+            <c:idx val="0"/>
+            <c:bubble3D val="0"/>
+            <c:spPr>
+              <a:solidFill>
+                <a:schemeClr val="bg1">
+                  <a:lumMod val="50000"/>
+                </a:schemeClr>
+              </a:solidFill>
+              <a:ln>
+                <a:noFill/>
+              </a:ln>
+              <a:effectLst>
+                <a:outerShdw blurRad="40000" dist="23000" dir="5400000" rotWithShape="0">
+                  <a:srgbClr val="000000">
+                    <a:alpha val="35000"/>
+                  </a:srgbClr>
+                </a:outerShdw>
+              </a:effectLst>
+              <a:scene3d>
+                <a:camera prst="orthographicFront">
+                  <a:rot lat="0" lon="0" rev="0"/>
+                </a:camera>
+                <a:lightRig rig="threePt" dir="t">
+                  <a:rot lat="0" lon="0" rev="1200000"/>
+                </a:lightRig>
+              </a:scene3d>
+              <a:sp3d>
+                <a:bevelT w="63500" h="25400"/>
+              </a:sp3d>
+            </c:spPr>
+            <c:extLst>
+              <c:ext xmlns:c16="http://schemas.microsoft.com/office/drawing/2014/chart" uri="{C3380CC4-5D6E-409C-BE32-E72D297353CC}">
+                <c16:uniqueId val="{00000001-B42F-484E-A681-C4948E6ADC0F}"/>
+              </c:ext>
+            </c:extLst>
+          </c:dPt>
+          <c:dPt>
+            <c:idx val="1"/>
+            <c:bubble3D val="0"/>
+            <c:spPr>
+              <a:gradFill rotWithShape="1">
+                <a:gsLst>
+                  <a:gs pos="0">
+                    <a:schemeClr val="accent2">
+                      <a:tint val="100000"/>
+                      <a:shade val="100000"/>
+                      <a:satMod val="130000"/>
+                    </a:schemeClr>
+                  </a:gs>
+                  <a:gs pos="100000">
+                    <a:schemeClr val="accent2">
+                      <a:tint val="50000"/>
+                      <a:shade val="100000"/>
+                      <a:satMod val="350000"/>
+                    </a:schemeClr>
+                  </a:gs>
+                </a:gsLst>
+                <a:lin ang="16200000" scaled="0"/>
+              </a:gradFill>
+              <a:ln>
+                <a:noFill/>
+              </a:ln>
+              <a:effectLst>
+                <a:outerShdw blurRad="40000" dist="23000" dir="5400000" rotWithShape="0">
+                  <a:srgbClr val="000000">
+                    <a:alpha val="35000"/>
+                  </a:srgbClr>
+                </a:outerShdw>
+              </a:effectLst>
+              <a:scene3d>
+                <a:camera prst="orthographicFront">
+                  <a:rot lat="0" lon="0" rev="0"/>
+                </a:camera>
+                <a:lightRig rig="threePt" dir="t">
+                  <a:rot lat="0" lon="0" rev="1200000"/>
+                </a:lightRig>
+              </a:scene3d>
+              <a:sp3d>
+                <a:bevelT w="63500" h="25400"/>
+              </a:sp3d>
+            </c:spPr>
+            <c:extLst>
+              <c:ext xmlns:c16="http://schemas.microsoft.com/office/drawing/2014/chart" uri="{C3380CC4-5D6E-409C-BE32-E72D297353CC}">
+                <c16:uniqueId val="{00000003-B42F-484E-A681-C4948E6ADC0F}"/>
+              </c:ext>
+            </c:extLst>
+          </c:dPt>
+          <c:dPt>
+            <c:idx val="2"/>
+            <c:bubble3D val="0"/>
+            <c:spPr>
+              <a:gradFill rotWithShape="1">
+                <a:gsLst>
+                  <a:gs pos="0">
+                    <a:schemeClr val="accent3">
+                      <a:tint val="100000"/>
+                      <a:shade val="100000"/>
+                      <a:satMod val="130000"/>
+                    </a:schemeClr>
+                  </a:gs>
+                  <a:gs pos="100000">
+                    <a:schemeClr val="accent3">
+                      <a:tint val="50000"/>
+                      <a:shade val="100000"/>
+                      <a:satMod val="350000"/>
+                    </a:schemeClr>
+                  </a:gs>
+                </a:gsLst>
+                <a:lin ang="16200000" scaled="0"/>
+              </a:gradFill>
+              <a:ln>
+                <a:noFill/>
+              </a:ln>
+              <a:effectLst>
+                <a:outerShdw blurRad="40000" dist="23000" dir="5400000" rotWithShape="0">
+                  <a:srgbClr val="000000">
+                    <a:alpha val="35000"/>
+                  </a:srgbClr>
+                </a:outerShdw>
+              </a:effectLst>
+              <a:scene3d>
+                <a:camera prst="orthographicFront">
+                  <a:rot lat="0" lon="0" rev="0"/>
+                </a:camera>
+                <a:lightRig rig="threePt" dir="t">
+                  <a:rot lat="0" lon="0" rev="1200000"/>
+                </a:lightRig>
+              </a:scene3d>
+              <a:sp3d>
+                <a:bevelT w="63500" h="25400"/>
+              </a:sp3d>
+            </c:spPr>
+            <c:extLst>
+              <c:ext xmlns:c16="http://schemas.microsoft.com/office/drawing/2014/chart" uri="{C3380CC4-5D6E-409C-BE32-E72D297353CC}">
+                <c16:uniqueId val="{00000005-B42F-484E-A681-C4948E6ADC0F}"/>
+              </c:ext>
+            </c:extLst>
+          </c:dPt>
+          <c:dPt>
+            <c:idx val="3"/>
+            <c:bubble3D val="0"/>
+            <c:spPr>
+              <a:gradFill rotWithShape="1">
+                <a:gsLst>
+                  <a:gs pos="0">
+                    <a:schemeClr val="accent4">
+                      <a:tint val="100000"/>
+                      <a:shade val="100000"/>
+                      <a:satMod val="130000"/>
+                    </a:schemeClr>
+                  </a:gs>
+                  <a:gs pos="100000">
+                    <a:schemeClr val="accent4">
+                      <a:tint val="50000"/>
+                      <a:shade val="100000"/>
+                      <a:satMod val="350000"/>
+                    </a:schemeClr>
+                  </a:gs>
+                </a:gsLst>
+                <a:lin ang="16200000" scaled="0"/>
+              </a:gradFill>
+              <a:ln>
+                <a:noFill/>
+              </a:ln>
+              <a:effectLst>
+                <a:outerShdw blurRad="40000" dist="23000" dir="5400000" rotWithShape="0">
+                  <a:srgbClr val="000000">
+                    <a:alpha val="35000"/>
+                  </a:srgbClr>
+                </a:outerShdw>
+              </a:effectLst>
+              <a:scene3d>
+                <a:camera prst="orthographicFront">
+                  <a:rot lat="0" lon="0" rev="0"/>
+                </a:camera>
+                <a:lightRig rig="threePt" dir="t">
+                  <a:rot lat="0" lon="0" rev="1200000"/>
+                </a:lightRig>
+              </a:scene3d>
+              <a:sp3d>
+                <a:bevelT w="63500" h="25400"/>
+              </a:sp3d>
+            </c:spPr>
+            <c:extLst>
+              <c:ext xmlns:c16="http://schemas.microsoft.com/office/drawing/2014/chart" uri="{C3380CC4-5D6E-409C-BE32-E72D297353CC}">
+                <c16:uniqueId val="{00000007-B42F-484E-A681-C4948E6ADC0F}"/>
+              </c:ext>
+            </c:extLst>
+          </c:dPt>
+          <c:dPt>
+            <c:idx val="4"/>
+            <c:bubble3D val="0"/>
+            <c:spPr>
+              <a:gradFill rotWithShape="1">
+                <a:gsLst>
+                  <a:gs pos="0">
+                    <a:schemeClr val="accent5">
+                      <a:tint val="100000"/>
+                      <a:shade val="100000"/>
+                      <a:satMod val="130000"/>
+                    </a:schemeClr>
+                  </a:gs>
+                  <a:gs pos="100000">
+                    <a:schemeClr val="accent5">
+                      <a:tint val="50000"/>
+                      <a:shade val="100000"/>
+                      <a:satMod val="350000"/>
+                    </a:schemeClr>
+                  </a:gs>
+                </a:gsLst>
+                <a:lin ang="16200000" scaled="0"/>
+              </a:gradFill>
+              <a:ln>
+                <a:noFill/>
+              </a:ln>
+              <a:effectLst>
+                <a:outerShdw blurRad="40000" dist="23000" dir="5400000" rotWithShape="0">
+                  <a:srgbClr val="000000">
+                    <a:alpha val="35000"/>
+                  </a:srgbClr>
+                </a:outerShdw>
+              </a:effectLst>
+              <a:scene3d>
+                <a:camera prst="orthographicFront">
+                  <a:rot lat="0" lon="0" rev="0"/>
+                </a:camera>
+                <a:lightRig rig="threePt" dir="t">
+                  <a:rot lat="0" lon="0" rev="1200000"/>
+                </a:lightRig>
+              </a:scene3d>
+              <a:sp3d>
+                <a:bevelT w="63500" h="25400"/>
+              </a:sp3d>
+            </c:spPr>
+            <c:extLst>
+              <c:ext xmlns:c16="http://schemas.microsoft.com/office/drawing/2014/chart" uri="{C3380CC4-5D6E-409C-BE32-E72D297353CC}">
+                <c16:uniqueId val="{00000009-B42F-484E-A681-C4948E6ADC0F}"/>
+              </c:ext>
+            </c:extLst>
+          </c:dPt>
+          <c:dLbls>
+            <c:spPr>
+              <a:noFill/>
+              <a:ln>
+                <a:noFill/>
+              </a:ln>
+              <a:effectLst/>
+            </c:spPr>
+            <c:txPr>
+              <a:bodyPr rot="0" spcFirstLastPara="1" vertOverflow="ellipsis" vert="horz" wrap="square" lIns="38100" tIns="19050" rIns="38100" bIns="19050" anchor="ctr" anchorCtr="1">
+                <a:spAutoFit/>
+              </a:bodyPr>
+              <a:lstStyle/>
+              <a:p>
+                <a:pPr>
+                  <a:defRPr sz="1197" b="0" i="0" u="none" strike="noStrike" kern="1200" baseline="0">
+                    <a:solidFill>
+                      <a:schemeClr val="tx1">
+                        <a:lumMod val="75000"/>
+                        <a:lumOff val="25000"/>
+                      </a:schemeClr>
+                    </a:solidFill>
+                    <a:latin typeface="+mn-lt"/>
+                    <a:ea typeface="+mn-ea"/>
+                    <a:cs typeface="+mn-cs"/>
+                  </a:defRPr>
+                </a:pPr>
+                <a:endParaRPr lang="en-US"/>
+              </a:p>
+            </c:txPr>
+            <c:dLblPos val="outEnd"/>
+            <c:showLegendKey val="0"/>
+            <c:showVal val="1"/>
+            <c:showCatName val="0"/>
+            <c:showSerName val="0"/>
+            <c:showPercent val="1"/>
+            <c:showBubbleSize val="0"/>
+            <c:showLeaderLines val="1"/>
+            <c:leaderLines>
+              <c:spPr>
+                <a:ln w="9525" cap="flat" cmpd="sng" algn="ctr">
+                  <a:solidFill>
+                    <a:schemeClr val="tx1">
+                      <a:lumMod val="35000"/>
+                      <a:lumOff val="65000"/>
+                    </a:schemeClr>
+                  </a:solidFill>
+                  <a:round/>
+                </a:ln>
+                <a:effectLst/>
+              </c:spPr>
+            </c:leaderLines>
+            <c:extLst>
+              <c:ext xmlns:c15="http://schemas.microsoft.com/office/drawing/2012/chart" uri="{CE6537A1-D6FC-4f65-9D91-7224C49458BB}"/>
+            </c:extLst>
+          </c:dLbls>
+          <c:cat>
+            <c:strRef>
+              <c:f>'[Graph metrics.xlsx]Sheet2'!$B$3:$F$3</c:f>
+              <c:strCache>
+                <c:ptCount val="5"/>
+                <c:pt idx="0">
+                  <c:v>Andy</c:v>
+                </c:pt>
+                <c:pt idx="1">
+                  <c:v>Daniel</c:v>
+                </c:pt>
+                <c:pt idx="2">
+                  <c:v>Hani</c:v>
+                </c:pt>
+                <c:pt idx="3">
+                  <c:v>Hong Yuan</c:v>
+                </c:pt>
+                <c:pt idx="4">
+                  <c:v>Xu Ying</c:v>
+                </c:pt>
+              </c:strCache>
+            </c:strRef>
+          </c:cat>
+          <c:val>
+            <c:numRef>
+              <c:f>'[Graph metrics.xlsx]Sheet2'!$B$4:$F$4</c:f>
+              <c:numCache>
+                <c:formatCode>General</c:formatCode>
+                <c:ptCount val="5"/>
+                <c:pt idx="0">
+                  <c:v>13</c:v>
+                </c:pt>
+                <c:pt idx="1">
+                  <c:v>11</c:v>
+                </c:pt>
+                <c:pt idx="2">
+                  <c:v>14</c:v>
+                </c:pt>
+                <c:pt idx="3">
+                  <c:v>15</c:v>
+                </c:pt>
+                <c:pt idx="4">
+                  <c:v>15</c:v>
+                </c:pt>
+              </c:numCache>
+            </c:numRef>
+          </c:val>
+          <c:extLst>
+            <c:ext xmlns:c16="http://schemas.microsoft.com/office/drawing/2014/chart" uri="{C3380CC4-5D6E-409C-BE32-E72D297353CC}">
+              <c16:uniqueId val="{0000000A-B42F-484E-A681-C4948E6ADC0F}"/>
+            </c:ext>
+          </c:extLst>
+        </c:ser>
+        <c:dLbls>
+          <c:dLblPos val="outEnd"/>
+          <c:showLegendKey val="0"/>
+          <c:showVal val="1"/>
+          <c:showCatName val="0"/>
+          <c:showSerName val="0"/>
+          <c:showPercent val="0"/>
+          <c:showBubbleSize val="0"/>
+          <c:showLeaderLines val="1"/>
+        </c:dLbls>
+        <c:firstSliceAng val="0"/>
+      </c:pieChart>
+      <c:spPr>
+        <a:noFill/>
+        <a:ln>
+          <a:noFill/>
+        </a:ln>
+        <a:effectLst/>
+      </c:spPr>
+    </c:plotArea>
+    <c:legend>
+      <c:legendPos val="b"/>
+      <c:overlay val="0"/>
+      <c:spPr>
+        <a:noFill/>
+        <a:ln>
+          <a:noFill/>
+        </a:ln>
+        <a:effectLst/>
+      </c:spPr>
+      <c:txPr>
+        <a:bodyPr rot="0" spcFirstLastPara="1" vertOverflow="ellipsis" vert="horz" wrap="square" anchor="ctr" anchorCtr="1"/>
+        <a:lstStyle/>
+        <a:p>
+          <a:pPr>
+            <a:defRPr sz="1600" b="0" i="0" u="none" strike="noStrike" kern="1200" baseline="0">
+              <a:solidFill>
+                <a:schemeClr val="tx1">
+                  <a:lumMod val="65000"/>
+                  <a:lumOff val="35000"/>
+                </a:schemeClr>
+              </a:solidFill>
+              <a:latin typeface="+mn-lt"/>
+              <a:ea typeface="+mn-ea"/>
+              <a:cs typeface="+mn-cs"/>
+            </a:defRPr>
+          </a:pPr>
+          <a:endParaRPr lang="en-US"/>
+        </a:p>
+      </c:txPr>
+    </c:legend>
+    <c:plotVisOnly val="1"/>
+    <c:dispBlanksAs val="gap"/>
+    <c:showDLblsOverMax val="0"/>
+    <c:extLst>
+      <c:ext xmlns:c16r3="http://schemas.microsoft.com/office/drawing/2017/03/chart" uri="{56B9EC1D-385E-4148-901F-78D8002777C0}">
+        <c16r3:dataDisplayOptions16>
+          <c16r3:dispNaAsBlank val="1"/>
+        </c16r3:dataDisplayOptions16>
+      </c:ext>
+    </c:extLst>
+  </c:chart>
+  <c:spPr>
+    <a:noFill/>
+    <a:ln>
+      <a:noFill/>
+    </a:ln>
+    <a:effectLst/>
+  </c:spPr>
+  <c:txPr>
+    <a:bodyPr/>
+    <a:lstStyle/>
+    <a:p>
+      <a:pPr>
+        <a:defRPr/>
+      </a:pPr>
+      <a:endParaRPr lang="en-US"/>
+    </a:p>
+  </c:txPr>
+  <c:externalData r:id="rId3">
+    <c:autoUpdate val="0"/>
+  </c:externalData>
+</c:chartSpace>
+</file>
+
+<file path=ppt/charts/colors1.xml><?xml version="1.0" encoding="utf-8"?>
+<cs:colorStyle xmlns:cs="http://schemas.microsoft.com/office/drawing/2012/chartStyle" xmlns:a="http://schemas.openxmlformats.org/drawingml/2006/main" meth="cycle" id="12">
+  <a:schemeClr val="accent2"/>
+  <a:schemeClr val="accent4"/>
+  <a:schemeClr val="accent6"/>
+  <cs:variation/>
+  <cs:variation>
+    <a:lumMod val="60000"/>
+  </cs:variation>
+  <cs:variation>
+    <a:lumMod val="80000"/>
+    <a:lumOff val="20000"/>
+  </cs:variation>
+  <cs:variation>
+    <a:lumMod val="80000"/>
+  </cs:variation>
+  <cs:variation>
+    <a:lumMod val="60000"/>
+    <a:lumOff val="40000"/>
+  </cs:variation>
+  <cs:variation>
+    <a:lumMod val="50000"/>
+  </cs:variation>
+  <cs:variation>
+    <a:lumMod val="70000"/>
+    <a:lumOff val="30000"/>
+  </cs:variation>
+  <cs:variation>
+    <a:lumMod val="70000"/>
+  </cs:variation>
+  <cs:variation>
+    <a:lumMod val="50000"/>
+    <a:lumOff val="50000"/>
+  </cs:variation>
+</cs:colorStyle>
+</file>
+
+<file path=ppt/charts/colors2.xml><?xml version="1.0" encoding="utf-8"?>
+<cs:colorStyle xmlns:cs="http://schemas.microsoft.com/office/drawing/2012/chartStyle" xmlns:a="http://schemas.openxmlformats.org/drawingml/2006/main" meth="cycle" id="12">
+  <a:schemeClr val="accent2"/>
+  <a:schemeClr val="accent4"/>
+  <a:schemeClr val="accent6"/>
+  <cs:variation/>
+  <cs:variation>
+    <a:lumMod val="60000"/>
+  </cs:variation>
+  <cs:variation>
+    <a:lumMod val="80000"/>
+    <a:lumOff val="20000"/>
+  </cs:variation>
+  <cs:variation>
+    <a:lumMod val="80000"/>
+  </cs:variation>
+  <cs:variation>
+    <a:lumMod val="60000"/>
+    <a:lumOff val="40000"/>
+  </cs:variation>
+  <cs:variation>
+    <a:lumMod val="50000"/>
+  </cs:variation>
+  <cs:variation>
+    <a:lumMod val="70000"/>
+    <a:lumOff val="30000"/>
+  </cs:variation>
+  <cs:variation>
+    <a:lumMod val="70000"/>
+  </cs:variation>
+  <cs:variation>
+    <a:lumMod val="50000"/>
+    <a:lumOff val="50000"/>
+  </cs:variation>
+</cs:colorStyle>
+</file>
+
+<file path=ppt/charts/colors3.xml><?xml version="1.0" encoding="utf-8"?>
+<cs:colorStyle xmlns:cs="http://schemas.microsoft.com/office/drawing/2012/chartStyle" xmlns:a="http://schemas.openxmlformats.org/drawingml/2006/main" meth="cycle" id="10">
+  <a:schemeClr val="accent1"/>
+  <a:schemeClr val="accent2"/>
+  <a:schemeClr val="accent3"/>
+  <a:schemeClr val="accent4"/>
+  <a:schemeClr val="accent5"/>
+  <a:schemeClr val="accent6"/>
+  <cs:variation/>
+  <cs:variation>
+    <a:lumMod val="60000"/>
+  </cs:variation>
+  <cs:variation>
+    <a:lumMod val="80000"/>
+    <a:lumOff val="20000"/>
+  </cs:variation>
+  <cs:variation>
+    <a:lumMod val="80000"/>
+  </cs:variation>
+  <cs:variation>
+    <a:lumMod val="60000"/>
+    <a:lumOff val="40000"/>
+  </cs:variation>
+  <cs:variation>
+    <a:lumMod val="50000"/>
+  </cs:variation>
+  <cs:variation>
+    <a:lumMod val="70000"/>
+    <a:lumOff val="30000"/>
+  </cs:variation>
+  <cs:variation>
+    <a:lumMod val="70000"/>
+  </cs:variation>
+  <cs:variation>
+    <a:lumMod val="50000"/>
+    <a:lumOff val="50000"/>
+  </cs:variation>
+</cs:colorStyle>
+</file>
+
+<file path=ppt/charts/colors4.xml><?xml version="1.0" encoding="utf-8"?>
+<cs:colorStyle xmlns:cs="http://schemas.microsoft.com/office/drawing/2012/chartStyle" xmlns:a="http://schemas.openxmlformats.org/drawingml/2006/main" meth="cycle" id="13">
+  <a:schemeClr val="accent6"/>
+  <a:schemeClr val="accent5"/>
+  <a:schemeClr val="accent4"/>
+  <cs:variation/>
+  <cs:variation>
+    <a:lumMod val="60000"/>
+  </cs:variation>
+  <cs:variation>
+    <a:lumMod val="80000"/>
+    <a:lumOff val="20000"/>
+  </cs:variation>
+  <cs:variation>
+    <a:lumMod val="80000"/>
+  </cs:variation>
+  <cs:variation>
+    <a:lumMod val="60000"/>
+    <a:lumOff val="40000"/>
+  </cs:variation>
+  <cs:variation>
+    <a:lumMod val="50000"/>
+  </cs:variation>
+  <cs:variation>
+    <a:lumMod val="70000"/>
+    <a:lumOff val="30000"/>
+  </cs:variation>
+  <cs:variation>
+    <a:lumMod val="70000"/>
+  </cs:variation>
+  <cs:variation>
+    <a:lumMod val="50000"/>
+    <a:lumOff val="50000"/>
+  </cs:variation>
+</cs:colorStyle>
+</file>
+
+<file path=ppt/charts/colors5.xml><?xml version="1.0" encoding="utf-8"?>
+<cs:colorStyle xmlns:cs="http://schemas.microsoft.com/office/drawing/2012/chartStyle" xmlns:a="http://schemas.openxmlformats.org/drawingml/2006/main" meth="cycle" id="10">
+  <a:schemeClr val="accent1"/>
+  <a:schemeClr val="accent2"/>
+  <a:schemeClr val="accent3"/>
+  <a:schemeClr val="accent4"/>
+  <a:schemeClr val="accent5"/>
+  <a:schemeClr val="accent6"/>
+  <cs:variation/>
+  <cs:variation>
+    <a:lumMod val="60000"/>
+  </cs:variation>
+  <cs:variation>
+    <a:lumMod val="80000"/>
+    <a:lumOff val="20000"/>
+  </cs:variation>
+  <cs:variation>
+    <a:lumMod val="80000"/>
+  </cs:variation>
+  <cs:variation>
+    <a:lumMod val="60000"/>
+    <a:lumOff val="40000"/>
+  </cs:variation>
+  <cs:variation>
+    <a:lumMod val="50000"/>
+  </cs:variation>
+  <cs:variation>
+    <a:lumMod val="70000"/>
+    <a:lumOff val="30000"/>
+  </cs:variation>
+  <cs:variation>
+    <a:lumMod val="70000"/>
+  </cs:variation>
+  <cs:variation>
+    <a:lumMod val="50000"/>
+    <a:lumOff val="50000"/>
+  </cs:variation>
+</cs:colorStyle>
+</file>
+
+<file path=ppt/charts/style1.xml><?xml version="1.0" encoding="utf-8"?>
+<cs:chartStyle xmlns:cs="http://schemas.microsoft.com/office/drawing/2012/chartStyle" xmlns:a="http://schemas.openxmlformats.org/drawingml/2006/main" id="340">
+  <cs:axisTitle>
+    <cs:lnRef idx="0"/>
+    <cs:fillRef idx="0"/>
+    <cs:effectRef idx="0"/>
+    <cs:fontRef idx="minor">
+      <a:schemeClr val="tx1">
+        <a:lumMod val="65000"/>
+        <a:lumOff val="35000"/>
+      </a:schemeClr>
+    </cs:fontRef>
+    <cs:defRPr sz="1197" kern="1200"/>
+  </cs:axisTitle>
+  <cs:categoryAxis>
+    <cs:lnRef idx="0"/>
+    <cs:fillRef idx="0"/>
+    <cs:effectRef idx="0"/>
+    <cs:fontRef idx="minor">
+      <a:schemeClr val="tx1">
+        <a:lumMod val="65000"/>
+        <a:lumOff val="35000"/>
+      </a:schemeClr>
+    </cs:fontRef>
+    <cs:spPr>
+      <a:ln w="12700" cap="flat" cmpd="sng" algn="ctr">
+        <a:solidFill>
+          <a:schemeClr val="tx1">
+            <a:lumMod val="15000"/>
+            <a:lumOff val="85000"/>
+          </a:schemeClr>
+        </a:solidFill>
+        <a:round/>
+      </a:ln>
+    </cs:spPr>
+    <cs:defRPr sz="1197" kern="1200"/>
+  </cs:categoryAxis>
+  <cs:chartArea mods="allowNoFillOverride allowNoLineOverride">
+    <cs:lnRef idx="0"/>
+    <cs:fillRef idx="0"/>
+    <cs:effectRef idx="0"/>
+    <cs:fontRef idx="minor">
+      <a:schemeClr val="tx2"/>
+    </cs:fontRef>
+    <cs:spPr>
+      <a:solidFill>
+        <a:schemeClr val="bg1"/>
+      </a:solidFill>
+      <a:ln w="9525" cap="flat" cmpd="sng" algn="ctr">
+        <a:solidFill>
+          <a:schemeClr val="tx1">
+            <a:lumMod val="15000"/>
+            <a:lumOff val="85000"/>
+          </a:schemeClr>
+        </a:solidFill>
+        <a:round/>
+      </a:ln>
+    </cs:spPr>
+    <cs:defRPr sz="1197" kern="1200"/>
+  </cs:chartArea>
+  <cs:dataLabel>
+    <cs:lnRef idx="0"/>
+    <cs:fillRef idx="0"/>
+    <cs:effectRef idx="0"/>
+    <cs:fontRef idx="minor">
+      <a:schemeClr val="tx1">
+        <a:lumMod val="75000"/>
+        <a:lumOff val="25000"/>
+      </a:schemeClr>
+    </cs:fontRef>
+    <cs:defRPr sz="1197" kern="1200"/>
+  </cs:dataLabel>
+  <cs:dataLabelCallout>
+    <cs:lnRef idx="0"/>
+    <cs:fillRef idx="0"/>
+    <cs:effectRef idx="0"/>
+    <cs:fontRef idx="minor">
+      <a:schemeClr val="dk1">
+        <a:lumMod val="65000"/>
+        <a:lumOff val="35000"/>
+      </a:schemeClr>
+    </cs:fontRef>
+    <cs:spPr>
+      <a:solidFill>
+        <a:schemeClr val="lt1"/>
+      </a:solidFill>
+      <a:ln>
+        <a:solidFill>
+          <a:schemeClr val="dk1">
+            <a:lumMod val="25000"/>
+            <a:lumOff val="75000"/>
+          </a:schemeClr>
+        </a:solidFill>
+      </a:ln>
+    </cs:spPr>
+    <cs:defRPr sz="1197" kern="1200"/>
+    <cs:bodyPr rot="0" spcFirstLastPara="1" vertOverflow="clip" horzOverflow="clip" vert="horz" wrap="square" lIns="36576" tIns="18288" rIns="36576" bIns="18288" anchor="ctr" anchorCtr="1">
+      <a:spAutoFit/>
+    </cs:bodyPr>
+  </cs:dataLabelCallout>
+  <cs:dataPoint>
+    <cs:lnRef idx="0"/>
+    <cs:fillRef idx="3">
+      <cs:styleClr val="auto"/>
+    </cs:fillRef>
+    <cs:effectRef idx="3"/>
+    <cs:fontRef idx="minor">
+      <a:schemeClr val="lt1"/>
+    </cs:fontRef>
+  </cs:dataPoint>
+  <cs:dataPoint3D>
+    <cs:lnRef idx="0"/>
+    <cs:fillRef idx="3">
+      <cs:styleClr val="auto"/>
+    </cs:fillRef>
+    <cs:effectRef idx="3"/>
+    <cs:fontRef idx="minor">
+      <a:schemeClr val="lt1"/>
+    </cs:fontRef>
+  </cs:dataPoint3D>
+  <cs:dataPointLine>
+    <cs:lnRef idx="0">
+      <cs:styleClr val="auto"/>
+    </cs:lnRef>
+    <cs:fillRef idx="3"/>
+    <cs:effectRef idx="3"/>
+    <cs:fontRef idx="minor">
+      <a:schemeClr val="lt1"/>
+    </cs:fontRef>
+    <cs:spPr>
+      <a:ln w="34925" cap="rnd">
+        <a:solidFill>
+          <a:schemeClr val="phClr"/>
+        </a:solidFill>
+        <a:round/>
+      </a:ln>
+    </cs:spPr>
+  </cs:dataPointLine>
+  <cs:dataPointMarker>
+    <cs:lnRef idx="0">
+      <cs:styleClr val="auto"/>
+    </cs:lnRef>
+    <cs:fillRef idx="3">
+      <cs:styleClr val="auto"/>
+    </cs:fillRef>
+    <cs:effectRef idx="3"/>
+    <cs:fontRef idx="minor">
+      <a:schemeClr val="lt1"/>
+    </cs:fontRef>
+    <cs:spPr>
+      <a:ln w="9525">
+        <a:solidFill>
+          <a:schemeClr val="phClr"/>
+        </a:solidFill>
+        <a:round/>
+      </a:ln>
+    </cs:spPr>
+  </cs:dataPointMarker>
+  <cs:dataPointMarkerLayout symbol="circle" size="6"/>
+  <cs:dataPointWireframe>
+    <cs:lnRef idx="0">
+      <cs:styleClr val="auto"/>
+    </cs:lnRef>
+    <cs:fillRef idx="3"/>
+    <cs:effectRef idx="3"/>
+    <cs:fontRef idx="minor">
+      <a:schemeClr val="lt1"/>
+    </cs:fontRef>
+    <cs:spPr>
+      <a:ln w="9525" cap="rnd">
+        <a:solidFill>
+          <a:schemeClr val="phClr"/>
+        </a:solidFill>
+        <a:round/>
+      </a:ln>
+    </cs:spPr>
+  </cs:dataPointWireframe>
+  <cs:dataTable>
+    <cs:lnRef idx="0"/>
+    <cs:fillRef idx="0"/>
+    <cs:effectRef idx="0"/>
+    <cs:fontRef idx="minor">
+      <a:schemeClr val="tx1">
+        <a:lumMod val="65000"/>
+        <a:lumOff val="35000"/>
+      </a:schemeClr>
+    </cs:fontRef>
+    <cs:spPr>
+      <a:noFill/>
+      <a:ln w="9525" cap="flat" cmpd="sng" algn="ctr">
+        <a:solidFill>
+          <a:schemeClr val="tx1">
+            <a:lumMod val="15000"/>
+            <a:lumOff val="85000"/>
+          </a:schemeClr>
+        </a:solidFill>
+        <a:round/>
+      </a:ln>
+    </cs:spPr>
+    <cs:defRPr sz="1197" kern="1200"/>
+  </cs:dataTable>
+  <cs:downBar>
+    <cs:lnRef idx="0"/>
+    <cs:fillRef idx="0"/>
+    <cs:effectRef idx="0"/>
+    <cs:fontRef idx="minor">
+      <a:schemeClr val="dk1"/>
+    </cs:fontRef>
+    <cs:spPr>
+      <a:solidFill>
+        <a:schemeClr val="dk1">
+          <a:lumMod val="65000"/>
+          <a:lumOff val="35000"/>
+        </a:schemeClr>
+      </a:solidFill>
+      <a:ln w="9525">
+        <a:solidFill>
+          <a:schemeClr val="tx1">
+            <a:lumMod val="65000"/>
+            <a:lumOff val="35000"/>
+          </a:schemeClr>
+        </a:solidFill>
+      </a:ln>
+    </cs:spPr>
+  </cs:downBar>
+  <cs:dropLine>
+    <cs:lnRef idx="0"/>
+    <cs:fillRef idx="0"/>
+    <cs:effectRef idx="0"/>
+    <cs:fontRef idx="minor">
+      <a:schemeClr val="tx1"/>
+    </cs:fontRef>
+    <cs:spPr>
+      <a:ln w="9525" cap="flat" cmpd="sng" algn="ctr">
+        <a:solidFill>
+          <a:schemeClr val="tx1">
+            <a:lumMod val="35000"/>
+            <a:lumOff val="65000"/>
+          </a:schemeClr>
+        </a:solidFill>
+        <a:round/>
+      </a:ln>
+    </cs:spPr>
+  </cs:dropLine>
+  <cs:errorBar>
+    <cs:lnRef idx="0"/>
+    <cs:fillRef idx="0"/>
+    <cs:effectRef idx="0"/>
+    <cs:fontRef idx="minor">
+      <a:schemeClr val="tx1"/>
+    </cs:fontRef>
+    <cs:spPr>
+      <a:ln w="9525" cap="flat" cmpd="sng" algn="ctr">
+        <a:solidFill>
+          <a:schemeClr val="tx1">
+            <a:lumMod val="65000"/>
+            <a:lumOff val="35000"/>
+          </a:schemeClr>
+        </a:solidFill>
+        <a:round/>
+      </a:ln>
+    </cs:spPr>
+  </cs:errorBar>
+  <cs:floor>
+    <cs:lnRef idx="0"/>
+    <cs:fillRef idx="0"/>
+    <cs:effectRef idx="0"/>
+    <cs:fontRef idx="minor">
+      <a:schemeClr val="lt1"/>
+    </cs:fontRef>
+  </cs:floor>
+  <cs:gridlineMajor>
+    <cs:lnRef idx="0"/>
+    <cs:fillRef idx="0"/>
+    <cs:effectRef idx="0"/>
+    <cs:fontRef idx="minor">
+      <a:schemeClr val="tx1"/>
+    </cs:fontRef>
+    <cs:spPr>
+      <a:ln w="9525" cap="flat" cmpd="sng" algn="ctr">
+        <a:solidFill>
+          <a:schemeClr val="tx1">
+            <a:lumMod val="15000"/>
+            <a:lumOff val="85000"/>
+          </a:schemeClr>
+        </a:solidFill>
+        <a:round/>
+      </a:ln>
+    </cs:spPr>
+  </cs:gridlineMajor>
+  <cs:gridlineMinor>
+    <cs:lnRef idx="0"/>
+    <cs:fillRef idx="0"/>
+    <cs:effectRef idx="0"/>
+    <cs:fontRef idx="minor">
+      <a:schemeClr val="tx1"/>
+    </cs:fontRef>
+    <cs:spPr>
+      <a:ln w="9525" cap="flat" cmpd="sng" algn="ctr">
+        <a:solidFill>
+          <a:schemeClr val="tx1">
+            <a:lumMod val="5000"/>
+            <a:lumOff val="95000"/>
+          </a:schemeClr>
+        </a:solidFill>
+        <a:round/>
+      </a:ln>
+    </cs:spPr>
+  </cs:gridlineMinor>
+  <cs:hiLoLine>
+    <cs:lnRef idx="0"/>
+    <cs:fillRef idx="0"/>
+    <cs:effectRef idx="0"/>
+    <cs:fontRef idx="minor">
+      <a:schemeClr val="tx1"/>
+    </cs:fontRef>
+    <cs:spPr>
+      <a:ln w="9525" cap="flat" cmpd="sng" algn="ctr">
+        <a:solidFill>
+          <a:schemeClr val="tx1">
+            <a:lumMod val="75000"/>
+            <a:lumOff val="25000"/>
+          </a:schemeClr>
+        </a:solidFill>
+        <a:round/>
+      </a:ln>
+    </cs:spPr>
+  </cs:hiLoLine>
+  <cs:leaderLine>
+    <cs:lnRef idx="0"/>
+    <cs:fillRef idx="0"/>
+    <cs:effectRef idx="0"/>
+    <cs:fontRef idx="minor">
+      <a:schemeClr val="tx1"/>
+    </cs:fontRef>
+    <cs:spPr>
+      <a:ln w="9525" cap="flat" cmpd="sng" algn="ctr">
+        <a:solidFill>
+          <a:schemeClr val="tx1">
+            <a:lumMod val="35000"/>
+            <a:lumOff val="65000"/>
+          </a:schemeClr>
+        </a:solidFill>
+        <a:round/>
+      </a:ln>
+    </cs:spPr>
+  </cs:leaderLine>
+  <cs:legend>
+    <cs:lnRef idx="0"/>
+    <cs:fillRef idx="0"/>
+    <cs:effectRef idx="0"/>
+    <cs:fontRef idx="minor">
+      <a:schemeClr val="tx1">
+        <a:lumMod val="65000"/>
+        <a:lumOff val="35000"/>
+      </a:schemeClr>
+    </cs:fontRef>
+    <cs:defRPr sz="1197" kern="1200"/>
+  </cs:legend>
+  <cs:plotArea>
+    <cs:lnRef idx="0"/>
+    <cs:fillRef idx="0"/>
+    <cs:effectRef idx="0"/>
+    <cs:fontRef idx="minor">
+      <a:schemeClr val="lt1"/>
+    </cs:fontRef>
+  </cs:plotArea>
+  <cs:plotArea3D>
+    <cs:lnRef idx="0"/>
+    <cs:fillRef idx="0"/>
+    <cs:effectRef idx="0"/>
+    <cs:fontRef idx="minor">
+      <a:schemeClr val="lt1"/>
+    </cs:fontRef>
+  </cs:plotArea3D>
+  <cs:seriesAxis>
+    <cs:lnRef idx="0"/>
+    <cs:fillRef idx="0"/>
+    <cs:effectRef idx="0"/>
+    <cs:fontRef idx="minor">
+      <a:schemeClr val="tx1">
+        <a:lumMod val="65000"/>
+        <a:lumOff val="35000"/>
+      </a:schemeClr>
+    </cs:fontRef>
+    <cs:spPr>
+      <a:ln w="12700" cap="flat" cmpd="sng" algn="ctr">
+        <a:solidFill>
+          <a:schemeClr val="tx1">
+            <a:lumMod val="15000"/>
+            <a:lumOff val="85000"/>
+          </a:schemeClr>
+        </a:solidFill>
+        <a:round/>
+      </a:ln>
+    </cs:spPr>
+    <cs:defRPr sz="1197" kern="1200"/>
+  </cs:seriesAxis>
+  <cs:seriesLine>
+    <cs:lnRef idx="0"/>
+    <cs:fillRef idx="0"/>
+    <cs:effectRef idx="0"/>
+    <cs:fontRef idx="minor">
+      <a:schemeClr val="tx1"/>
+    </cs:fontRef>
+    <cs:spPr>
+      <a:ln w="9525" cap="flat" cmpd="sng" algn="ctr">
+        <a:solidFill>
+          <a:schemeClr val="tx1">
+            <a:lumMod val="35000"/>
+            <a:lumOff val="65000"/>
+          </a:schemeClr>
+        </a:solidFill>
+        <a:round/>
+      </a:ln>
+    </cs:spPr>
+  </cs:seriesLine>
+  <cs:title>
+    <cs:lnRef idx="0"/>
+    <cs:fillRef idx="0"/>
+    <cs:effectRef idx="0"/>
+    <cs:fontRef idx="minor">
+      <a:schemeClr val="tx1">
+        <a:lumMod val="65000"/>
+        <a:lumOff val="35000"/>
+      </a:schemeClr>
+    </cs:fontRef>
+    <cs:defRPr sz="2128" b="1" kern="1200" baseline="0"/>
+  </cs:title>
+  <cs:trendline>
+    <cs:lnRef idx="0">
+      <cs:styleClr val="auto"/>
+    </cs:lnRef>
+    <cs:fillRef idx="0"/>
+    <cs:effectRef idx="0"/>
+    <cs:fontRef idx="minor">
+      <a:schemeClr val="lt1"/>
+    </cs:fontRef>
+    <cs:spPr>
+      <a:ln w="19050" cap="rnd">
+        <a:solidFill>
+          <a:schemeClr val="phClr"/>
+        </a:solidFill>
+      </a:ln>
+    </cs:spPr>
+  </cs:trendline>
+  <cs:trendlineLabel>
+    <cs:lnRef idx="0"/>
+    <cs:fillRef idx="0"/>
+    <cs:effectRef idx="0"/>
+    <cs:fontRef idx="minor">
+      <a:schemeClr val="tx1">
+        <a:lumMod val="65000"/>
+        <a:lumOff val="35000"/>
+      </a:schemeClr>
+    </cs:fontRef>
+    <cs:defRPr sz="1197" kern="1200"/>
+  </cs:trendlineLabel>
+  <cs:upBar>
+    <cs:lnRef idx="0"/>
+    <cs:fillRef idx="0"/>
+    <cs:effectRef idx="0"/>
+    <cs:fontRef idx="minor">
+      <a:schemeClr val="dk1"/>
+    </cs:fontRef>
+    <cs:spPr>
+      <a:solidFill>
+        <a:schemeClr val="lt1"/>
+      </a:solidFill>
+      <a:ln w="9525">
+        <a:solidFill>
+          <a:schemeClr val="tx1">
+            <a:lumMod val="15000"/>
+            <a:lumOff val="85000"/>
+          </a:schemeClr>
+        </a:solidFill>
+      </a:ln>
+    </cs:spPr>
+  </cs:upBar>
+  <cs:valueAxis>
+    <cs:lnRef idx="0"/>
+    <cs:fillRef idx="0"/>
+    <cs:effectRef idx="0"/>
+    <cs:fontRef idx="minor">
+      <a:schemeClr val="tx1">
+        <a:lumMod val="65000"/>
+        <a:lumOff val="35000"/>
+      </a:schemeClr>
+    </cs:fontRef>
+    <cs:defRPr sz="1197" kern="1200"/>
+  </cs:valueAxis>
+  <cs:wall>
+    <cs:lnRef idx="0"/>
+    <cs:fillRef idx="0"/>
+    <cs:effectRef idx="0"/>
+    <cs:fontRef idx="minor">
+      <a:schemeClr val="lt1"/>
+    </cs:fontRef>
+  </cs:wall>
+</cs:chartStyle>
+</file>
+
+<file path=ppt/charts/style2.xml><?xml version="1.0" encoding="utf-8"?>
+<cs:chartStyle xmlns:cs="http://schemas.microsoft.com/office/drawing/2012/chartStyle" xmlns:a="http://schemas.openxmlformats.org/drawingml/2006/main" id="340">
+  <cs:axisTitle>
+    <cs:lnRef idx="0"/>
+    <cs:fillRef idx="0"/>
+    <cs:effectRef idx="0"/>
+    <cs:fontRef idx="minor">
+      <a:schemeClr val="tx1">
+        <a:lumMod val="65000"/>
+        <a:lumOff val="35000"/>
+      </a:schemeClr>
+    </cs:fontRef>
+    <cs:defRPr sz="1197" kern="1200"/>
+  </cs:axisTitle>
+  <cs:categoryAxis>
+    <cs:lnRef idx="0"/>
+    <cs:fillRef idx="0"/>
+    <cs:effectRef idx="0"/>
+    <cs:fontRef idx="minor">
+      <a:schemeClr val="tx1">
+        <a:lumMod val="65000"/>
+        <a:lumOff val="35000"/>
+      </a:schemeClr>
+    </cs:fontRef>
+    <cs:spPr>
+      <a:ln w="12700" cap="flat" cmpd="sng" algn="ctr">
+        <a:solidFill>
+          <a:schemeClr val="tx1">
+            <a:lumMod val="15000"/>
+            <a:lumOff val="85000"/>
+          </a:schemeClr>
+        </a:solidFill>
+        <a:round/>
+      </a:ln>
+    </cs:spPr>
+    <cs:defRPr sz="1197" kern="1200"/>
+  </cs:categoryAxis>
+  <cs:chartArea mods="allowNoFillOverride allowNoLineOverride">
+    <cs:lnRef idx="0"/>
+    <cs:fillRef idx="0"/>
+    <cs:effectRef idx="0"/>
+    <cs:fontRef idx="minor">
+      <a:schemeClr val="tx2"/>
+    </cs:fontRef>
+    <cs:spPr>
+      <a:solidFill>
+        <a:schemeClr val="bg1"/>
+      </a:solidFill>
+      <a:ln w="9525" cap="flat" cmpd="sng" algn="ctr">
+        <a:solidFill>
+          <a:schemeClr val="tx1">
+            <a:lumMod val="15000"/>
+            <a:lumOff val="85000"/>
+          </a:schemeClr>
+        </a:solidFill>
+        <a:round/>
+      </a:ln>
+    </cs:spPr>
+    <cs:defRPr sz="1197" kern="1200"/>
+  </cs:chartArea>
+  <cs:dataLabel>
+    <cs:lnRef idx="0"/>
+    <cs:fillRef idx="0"/>
+    <cs:effectRef idx="0"/>
+    <cs:fontRef idx="minor">
+      <a:schemeClr val="tx1">
+        <a:lumMod val="75000"/>
+        <a:lumOff val="25000"/>
+      </a:schemeClr>
+    </cs:fontRef>
+    <cs:defRPr sz="1197" kern="1200"/>
+  </cs:dataLabel>
+  <cs:dataLabelCallout>
+    <cs:lnRef idx="0"/>
+    <cs:fillRef idx="0"/>
+    <cs:effectRef idx="0"/>
+    <cs:fontRef idx="minor">
+      <a:schemeClr val="dk1">
+        <a:lumMod val="65000"/>
+        <a:lumOff val="35000"/>
+      </a:schemeClr>
+    </cs:fontRef>
+    <cs:spPr>
+      <a:solidFill>
+        <a:schemeClr val="lt1"/>
+      </a:solidFill>
+      <a:ln>
+        <a:solidFill>
+          <a:schemeClr val="dk1">
+            <a:lumMod val="25000"/>
+            <a:lumOff val="75000"/>
+          </a:schemeClr>
+        </a:solidFill>
+      </a:ln>
+    </cs:spPr>
+    <cs:defRPr sz="1197" kern="1200"/>
+    <cs:bodyPr rot="0" spcFirstLastPara="1" vertOverflow="clip" horzOverflow="clip" vert="horz" wrap="square" lIns="36576" tIns="18288" rIns="36576" bIns="18288" anchor="ctr" anchorCtr="1">
+      <a:spAutoFit/>
+    </cs:bodyPr>
+  </cs:dataLabelCallout>
+  <cs:dataPoint>
+    <cs:lnRef idx="0"/>
+    <cs:fillRef idx="3">
+      <cs:styleClr val="auto"/>
+    </cs:fillRef>
+    <cs:effectRef idx="3"/>
+    <cs:fontRef idx="minor">
+      <a:schemeClr val="lt1"/>
+    </cs:fontRef>
+  </cs:dataPoint>
+  <cs:dataPoint3D>
+    <cs:lnRef idx="0"/>
+    <cs:fillRef idx="3">
+      <cs:styleClr val="auto"/>
+    </cs:fillRef>
+    <cs:effectRef idx="3"/>
+    <cs:fontRef idx="minor">
+      <a:schemeClr val="lt1"/>
+    </cs:fontRef>
+  </cs:dataPoint3D>
+  <cs:dataPointLine>
+    <cs:lnRef idx="0">
+      <cs:styleClr val="auto"/>
+    </cs:lnRef>
+    <cs:fillRef idx="3"/>
+    <cs:effectRef idx="3"/>
+    <cs:fontRef idx="minor">
+      <a:schemeClr val="lt1"/>
+    </cs:fontRef>
+    <cs:spPr>
+      <a:ln w="34925" cap="rnd">
+        <a:solidFill>
+          <a:schemeClr val="phClr"/>
+        </a:solidFill>
+        <a:round/>
+      </a:ln>
+    </cs:spPr>
+  </cs:dataPointLine>
+  <cs:dataPointMarker>
+    <cs:lnRef idx="0">
+      <cs:styleClr val="auto"/>
+    </cs:lnRef>
+    <cs:fillRef idx="3">
+      <cs:styleClr val="auto"/>
+    </cs:fillRef>
+    <cs:effectRef idx="3"/>
+    <cs:fontRef idx="minor">
+      <a:schemeClr val="lt1"/>
+    </cs:fontRef>
+    <cs:spPr>
+      <a:ln w="9525">
+        <a:solidFill>
+          <a:schemeClr val="phClr"/>
+        </a:solidFill>
+        <a:round/>
+      </a:ln>
+    </cs:spPr>
+  </cs:dataPointMarker>
+  <cs:dataPointMarkerLayout symbol="circle" size="6"/>
+  <cs:dataPointWireframe>
+    <cs:lnRef idx="0">
+      <cs:styleClr val="auto"/>
+    </cs:lnRef>
+    <cs:fillRef idx="3"/>
+    <cs:effectRef idx="3"/>
+    <cs:fontRef idx="minor">
+      <a:schemeClr val="lt1"/>
+    </cs:fontRef>
+    <cs:spPr>
+      <a:ln w="9525" cap="rnd">
+        <a:solidFill>
+          <a:schemeClr val="phClr"/>
+        </a:solidFill>
+        <a:round/>
+      </a:ln>
+    </cs:spPr>
+  </cs:dataPointWireframe>
+  <cs:dataTable>
+    <cs:lnRef idx="0"/>
+    <cs:fillRef idx="0"/>
+    <cs:effectRef idx="0"/>
+    <cs:fontRef idx="minor">
+      <a:schemeClr val="tx1">
+        <a:lumMod val="65000"/>
+        <a:lumOff val="35000"/>
+      </a:schemeClr>
+    </cs:fontRef>
+    <cs:spPr>
+      <a:noFill/>
+      <a:ln w="9525" cap="flat" cmpd="sng" algn="ctr">
+        <a:solidFill>
+          <a:schemeClr val="tx1">
+            <a:lumMod val="15000"/>
+            <a:lumOff val="85000"/>
+          </a:schemeClr>
+        </a:solidFill>
+        <a:round/>
+      </a:ln>
+    </cs:spPr>
+    <cs:defRPr sz="1197" kern="1200"/>
+  </cs:dataTable>
+  <cs:downBar>
+    <cs:lnRef idx="0"/>
+    <cs:fillRef idx="0"/>
+    <cs:effectRef idx="0"/>
+    <cs:fontRef idx="minor">
+      <a:schemeClr val="dk1"/>
+    </cs:fontRef>
+    <cs:spPr>
+      <a:solidFill>
+        <a:schemeClr val="dk1">
+          <a:lumMod val="65000"/>
+          <a:lumOff val="35000"/>
+        </a:schemeClr>
+      </a:solidFill>
+      <a:ln w="9525">
+        <a:solidFill>
+          <a:schemeClr val="tx1">
+            <a:lumMod val="65000"/>
+            <a:lumOff val="35000"/>
+          </a:schemeClr>
+        </a:solidFill>
+      </a:ln>
+    </cs:spPr>
+  </cs:downBar>
+  <cs:dropLine>
+    <cs:lnRef idx="0"/>
+    <cs:fillRef idx="0"/>
+    <cs:effectRef idx="0"/>
+    <cs:fontRef idx="minor">
+      <a:schemeClr val="tx1"/>
+    </cs:fontRef>
+    <cs:spPr>
+      <a:ln w="9525" cap="flat" cmpd="sng" algn="ctr">
+        <a:solidFill>
+          <a:schemeClr val="tx1">
+            <a:lumMod val="35000"/>
+            <a:lumOff val="65000"/>
+          </a:schemeClr>
+        </a:solidFill>
+        <a:round/>
+      </a:ln>
+    </cs:spPr>
+  </cs:dropLine>
+  <cs:errorBar>
+    <cs:lnRef idx="0"/>
+    <cs:fillRef idx="0"/>
+    <cs:effectRef idx="0"/>
+    <cs:fontRef idx="minor">
+      <a:schemeClr val="tx1"/>
+    </cs:fontRef>
+    <cs:spPr>
+      <a:ln w="9525" cap="flat" cmpd="sng" algn="ctr">
+        <a:solidFill>
+          <a:schemeClr val="tx1">
+            <a:lumMod val="65000"/>
+            <a:lumOff val="35000"/>
+          </a:schemeClr>
+        </a:solidFill>
+        <a:round/>
+      </a:ln>
+    </cs:spPr>
+  </cs:errorBar>
+  <cs:floor>
+    <cs:lnRef idx="0"/>
+    <cs:fillRef idx="0"/>
+    <cs:effectRef idx="0"/>
+    <cs:fontRef idx="minor">
+      <a:schemeClr val="lt1"/>
+    </cs:fontRef>
+  </cs:floor>
+  <cs:gridlineMajor>
+    <cs:lnRef idx="0"/>
+    <cs:fillRef idx="0"/>
+    <cs:effectRef idx="0"/>
+    <cs:fontRef idx="minor">
+      <a:schemeClr val="tx1"/>
+    </cs:fontRef>
+    <cs:spPr>
+      <a:ln w="9525" cap="flat" cmpd="sng" algn="ctr">
+        <a:solidFill>
+          <a:schemeClr val="tx1">
+            <a:lumMod val="15000"/>
+            <a:lumOff val="85000"/>
+          </a:schemeClr>
+        </a:solidFill>
+        <a:round/>
+      </a:ln>
+    </cs:spPr>
+  </cs:gridlineMajor>
+  <cs:gridlineMinor>
+    <cs:lnRef idx="0"/>
+    <cs:fillRef idx="0"/>
+    <cs:effectRef idx="0"/>
+    <cs:fontRef idx="minor">
+      <a:schemeClr val="tx1"/>
+    </cs:fontRef>
+    <cs:spPr>
+      <a:ln w="9525" cap="flat" cmpd="sng" algn="ctr">
+        <a:solidFill>
+          <a:schemeClr val="tx1">
+            <a:lumMod val="5000"/>
+            <a:lumOff val="95000"/>
+          </a:schemeClr>
+        </a:solidFill>
+        <a:round/>
+      </a:ln>
+    </cs:spPr>
+  </cs:gridlineMinor>
+  <cs:hiLoLine>
+    <cs:lnRef idx="0"/>
+    <cs:fillRef idx="0"/>
+    <cs:effectRef idx="0"/>
+    <cs:fontRef idx="minor">
+      <a:schemeClr val="tx1"/>
+    </cs:fontRef>
+    <cs:spPr>
+      <a:ln w="9525" cap="flat" cmpd="sng" algn="ctr">
+        <a:solidFill>
+          <a:schemeClr val="tx1">
+            <a:lumMod val="75000"/>
+            <a:lumOff val="25000"/>
+          </a:schemeClr>
+        </a:solidFill>
+        <a:round/>
+      </a:ln>
+    </cs:spPr>
+  </cs:hiLoLine>
+  <cs:leaderLine>
+    <cs:lnRef idx="0"/>
+    <cs:fillRef idx="0"/>
+    <cs:effectRef idx="0"/>
+    <cs:fontRef idx="minor">
+      <a:schemeClr val="tx1"/>
+    </cs:fontRef>
+    <cs:spPr>
+      <a:ln w="9525" cap="flat" cmpd="sng" algn="ctr">
+        <a:solidFill>
+          <a:schemeClr val="tx1">
+            <a:lumMod val="35000"/>
+            <a:lumOff val="65000"/>
+          </a:schemeClr>
+        </a:solidFill>
+        <a:round/>
+      </a:ln>
+    </cs:spPr>
+  </cs:leaderLine>
+  <cs:legend>
+    <cs:lnRef idx="0"/>
+    <cs:fillRef idx="0"/>
+    <cs:effectRef idx="0"/>
+    <cs:fontRef idx="minor">
+      <a:schemeClr val="tx1">
+        <a:lumMod val="65000"/>
+        <a:lumOff val="35000"/>
+      </a:schemeClr>
+    </cs:fontRef>
+    <cs:defRPr sz="1197" kern="1200"/>
+  </cs:legend>
+  <cs:plotArea>
+    <cs:lnRef idx="0"/>
+    <cs:fillRef idx="0"/>
+    <cs:effectRef idx="0"/>
+    <cs:fontRef idx="minor">
+      <a:schemeClr val="lt1"/>
+    </cs:fontRef>
+  </cs:plotArea>
+  <cs:plotArea3D>
+    <cs:lnRef idx="0"/>
+    <cs:fillRef idx="0"/>
+    <cs:effectRef idx="0"/>
+    <cs:fontRef idx="minor">
+      <a:schemeClr val="lt1"/>
+    </cs:fontRef>
+  </cs:plotArea3D>
+  <cs:seriesAxis>
+    <cs:lnRef idx="0"/>
+    <cs:fillRef idx="0"/>
+    <cs:effectRef idx="0"/>
+    <cs:fontRef idx="minor">
+      <a:schemeClr val="tx1">
+        <a:lumMod val="65000"/>
+        <a:lumOff val="35000"/>
+      </a:schemeClr>
+    </cs:fontRef>
+    <cs:spPr>
+      <a:ln w="12700" cap="flat" cmpd="sng" algn="ctr">
+        <a:solidFill>
+          <a:schemeClr val="tx1">
+            <a:lumMod val="15000"/>
+            <a:lumOff val="85000"/>
+          </a:schemeClr>
+        </a:solidFill>
+        <a:round/>
+      </a:ln>
+    </cs:spPr>
+    <cs:defRPr sz="1197" kern="1200"/>
+  </cs:seriesAxis>
+  <cs:seriesLine>
+    <cs:lnRef idx="0"/>
+    <cs:fillRef idx="0"/>
+    <cs:effectRef idx="0"/>
+    <cs:fontRef idx="minor">
+      <a:schemeClr val="tx1"/>
+    </cs:fontRef>
+    <cs:spPr>
+      <a:ln w="9525" cap="flat" cmpd="sng" algn="ctr">
+        <a:solidFill>
+          <a:schemeClr val="tx1">
+            <a:lumMod val="35000"/>
+            <a:lumOff val="65000"/>
+          </a:schemeClr>
+        </a:solidFill>
+        <a:round/>
+      </a:ln>
+    </cs:spPr>
+  </cs:seriesLine>
+  <cs:title>
+    <cs:lnRef idx="0"/>
+    <cs:fillRef idx="0"/>
+    <cs:effectRef idx="0"/>
+    <cs:fontRef idx="minor">
+      <a:schemeClr val="tx1">
+        <a:lumMod val="65000"/>
+        <a:lumOff val="35000"/>
+      </a:schemeClr>
+    </cs:fontRef>
+    <cs:defRPr sz="2128" b="1" kern="1200" baseline="0"/>
+  </cs:title>
+  <cs:trendline>
+    <cs:lnRef idx="0">
+      <cs:styleClr val="auto"/>
+    </cs:lnRef>
+    <cs:fillRef idx="0"/>
+    <cs:effectRef idx="0"/>
+    <cs:fontRef idx="minor">
+      <a:schemeClr val="lt1"/>
+    </cs:fontRef>
+    <cs:spPr>
+      <a:ln w="19050" cap="rnd">
+        <a:solidFill>
+          <a:schemeClr val="phClr"/>
+        </a:solidFill>
+      </a:ln>
+    </cs:spPr>
+  </cs:trendline>
+  <cs:trendlineLabel>
+    <cs:lnRef idx="0"/>
+    <cs:fillRef idx="0"/>
+    <cs:effectRef idx="0"/>
+    <cs:fontRef idx="minor">
+      <a:schemeClr val="tx1">
+        <a:lumMod val="65000"/>
+        <a:lumOff val="35000"/>
+      </a:schemeClr>
+    </cs:fontRef>
+    <cs:defRPr sz="1197" kern="1200"/>
+  </cs:trendlineLabel>
+  <cs:upBar>
+    <cs:lnRef idx="0"/>
+    <cs:fillRef idx="0"/>
+    <cs:effectRef idx="0"/>
+    <cs:fontRef idx="minor">
+      <a:schemeClr val="dk1"/>
+    </cs:fontRef>
+    <cs:spPr>
+      <a:solidFill>
+        <a:schemeClr val="lt1"/>
+      </a:solidFill>
+      <a:ln w="9525">
+        <a:solidFill>
+          <a:schemeClr val="tx1">
+            <a:lumMod val="15000"/>
+            <a:lumOff val="85000"/>
+          </a:schemeClr>
+        </a:solidFill>
+      </a:ln>
+    </cs:spPr>
+  </cs:upBar>
+  <cs:valueAxis>
+    <cs:lnRef idx="0"/>
+    <cs:fillRef idx="0"/>
+    <cs:effectRef idx="0"/>
+    <cs:fontRef idx="minor">
+      <a:schemeClr val="tx1">
+        <a:lumMod val="65000"/>
+        <a:lumOff val="35000"/>
+      </a:schemeClr>
+    </cs:fontRef>
+    <cs:defRPr sz="1197" kern="1200"/>
+  </cs:valueAxis>
+  <cs:wall>
+    <cs:lnRef idx="0"/>
+    <cs:fillRef idx="0"/>
+    <cs:effectRef idx="0"/>
+    <cs:fontRef idx="minor">
+      <a:schemeClr val="lt1"/>
+    </cs:fontRef>
+  </cs:wall>
+</cs:chartStyle>
+</file>
+
+<file path=ppt/charts/style3.xml><?xml version="1.0" encoding="utf-8"?>
+<cs:chartStyle xmlns:cs="http://schemas.microsoft.com/office/drawing/2012/chartStyle" xmlns:a="http://schemas.openxmlformats.org/drawingml/2006/main" id="344">
+  <cs:axisTitle>
+    <cs:lnRef idx="0"/>
+    <cs:fillRef idx="0"/>
+    <cs:effectRef idx="0"/>
+    <cs:fontRef idx="minor">
+      <a:schemeClr val="tx1">
+        <a:lumMod val="65000"/>
+        <a:lumOff val="35000"/>
+      </a:schemeClr>
+    </cs:fontRef>
+    <cs:defRPr sz="1197" kern="1200"/>
+  </cs:axisTitle>
+  <cs:categoryAxis>
+    <cs:lnRef idx="0"/>
+    <cs:fillRef idx="0"/>
+    <cs:effectRef idx="0"/>
+    <cs:fontRef idx="minor">
+      <a:schemeClr val="tx1">
+        <a:lumMod val="65000"/>
+        <a:lumOff val="35000"/>
+      </a:schemeClr>
+    </cs:fontRef>
+    <cs:spPr>
+      <a:ln w="12700" cap="flat" cmpd="sng" algn="ctr">
+        <a:solidFill>
+          <a:schemeClr val="tx1">
+            <a:lumMod val="15000"/>
+            <a:lumOff val="85000"/>
+          </a:schemeClr>
+        </a:solidFill>
+        <a:round/>
+      </a:ln>
+    </cs:spPr>
+    <cs:defRPr sz="1197" kern="1200"/>
+  </cs:categoryAxis>
+  <cs:chartArea mods="allowNoFillOverride allowNoLineOverride">
+    <cs:lnRef idx="0"/>
+    <cs:fillRef idx="0"/>
+    <cs:effectRef idx="0"/>
+    <cs:fontRef idx="minor">
+      <a:schemeClr val="tx2"/>
+    </cs:fontRef>
+    <cs:spPr>
+      <a:solidFill>
+        <a:schemeClr val="bg1"/>
+      </a:solidFill>
+      <a:ln w="9525" cap="flat" cmpd="sng" algn="ctr">
+        <a:solidFill>
+          <a:schemeClr val="tx1">
+            <a:lumMod val="15000"/>
+            <a:lumOff val="85000"/>
+          </a:schemeClr>
+        </a:solidFill>
+        <a:round/>
+      </a:ln>
+    </cs:spPr>
+    <cs:defRPr sz="1197" kern="1200"/>
+  </cs:chartArea>
+  <cs:dataLabel>
+    <cs:lnRef idx="0"/>
+    <cs:fillRef idx="0"/>
+    <cs:effectRef idx="0"/>
+    <cs:fontRef idx="minor">
+      <a:schemeClr val="tx1">
+        <a:lumMod val="75000"/>
+        <a:lumOff val="25000"/>
+      </a:schemeClr>
+    </cs:fontRef>
+    <cs:defRPr sz="1197" kern="1200"/>
+  </cs:dataLabel>
+  <cs:dataLabelCallout>
+    <cs:lnRef idx="0"/>
+    <cs:fillRef idx="0"/>
+    <cs:effectRef idx="0"/>
+    <cs:fontRef idx="minor">
+      <a:schemeClr val="dk1">
+        <a:lumMod val="65000"/>
+        <a:lumOff val="35000"/>
+      </a:schemeClr>
+    </cs:fontRef>
+    <cs:spPr>
+      <a:solidFill>
+        <a:schemeClr val="lt1"/>
+      </a:solidFill>
+      <a:ln>
+        <a:solidFill>
+          <a:schemeClr val="dk1">
+            <a:lumMod val="25000"/>
+            <a:lumOff val="75000"/>
+          </a:schemeClr>
+        </a:solidFill>
+      </a:ln>
+    </cs:spPr>
+    <cs:defRPr sz="1197" kern="1200"/>
+    <cs:bodyPr rot="0" spcFirstLastPara="1" vertOverflow="clip" horzOverflow="clip" vert="horz" wrap="square" lIns="36576" tIns="18288" rIns="36576" bIns="18288" anchor="ctr" anchorCtr="1">
+      <a:spAutoFit/>
+    </cs:bodyPr>
+  </cs:dataLabelCallout>
+  <cs:dataPoint>
+    <cs:lnRef idx="0"/>
+    <cs:fillRef idx="3">
+      <cs:styleClr val="auto"/>
+    </cs:fillRef>
+    <cs:effectRef idx="3"/>
+    <cs:fontRef idx="minor">
+      <a:schemeClr val="tx1"/>
+    </cs:fontRef>
+  </cs:dataPoint>
+  <cs:dataPoint3D>
+    <cs:lnRef idx="0"/>
+    <cs:fillRef idx="3">
+      <cs:styleClr val="auto"/>
+    </cs:fillRef>
+    <cs:effectRef idx="3"/>
+    <cs:fontRef idx="minor">
+      <a:schemeClr val="tx1"/>
+    </cs:fontRef>
+  </cs:dataPoint3D>
+  <cs:dataPointLine>
+    <cs:lnRef idx="0">
+      <cs:styleClr val="auto"/>
+    </cs:lnRef>
+    <cs:fillRef idx="3"/>
+    <cs:effectRef idx="3"/>
+    <cs:fontRef idx="minor">
+      <a:schemeClr val="tx1"/>
+    </cs:fontRef>
+    <cs:spPr>
+      <a:ln w="34925" cap="rnd">
+        <a:solidFill>
+          <a:schemeClr val="phClr"/>
+        </a:solidFill>
+        <a:round/>
+      </a:ln>
+    </cs:spPr>
+  </cs:dataPointLine>
+  <cs:dataPointMarker>
+    <cs:lnRef idx="0">
+      <cs:styleClr val="auto"/>
+    </cs:lnRef>
+    <cs:fillRef idx="3">
+      <cs:styleClr val="auto"/>
+    </cs:fillRef>
+    <cs:effectRef idx="3"/>
+    <cs:fontRef idx="minor">
+      <a:schemeClr val="tx1"/>
+    </cs:fontRef>
+    <cs:spPr>
+      <a:ln w="9525">
+        <a:solidFill>
+          <a:schemeClr val="phClr"/>
+        </a:solidFill>
+        <a:round/>
+      </a:ln>
+    </cs:spPr>
+  </cs:dataPointMarker>
+  <cs:dataPointMarkerLayout symbol="circle" size="6"/>
+  <cs:dataPointWireframe>
+    <cs:lnRef idx="0">
+      <cs:styleClr val="auto"/>
+    </cs:lnRef>
+    <cs:fillRef idx="3"/>
+    <cs:effectRef idx="3"/>
+    <cs:fontRef idx="minor">
+      <a:schemeClr val="tx1"/>
+    </cs:fontRef>
+    <cs:spPr>
+      <a:ln w="9525" cap="rnd">
+        <a:solidFill>
+          <a:schemeClr val="phClr"/>
+        </a:solidFill>
+        <a:round/>
+      </a:ln>
+    </cs:spPr>
+  </cs:dataPointWireframe>
+  <cs:dataTable>
+    <cs:lnRef idx="0"/>
+    <cs:fillRef idx="0"/>
+    <cs:effectRef idx="0"/>
+    <cs:fontRef idx="minor">
+      <a:schemeClr val="tx1">
+        <a:lumMod val="65000"/>
+        <a:lumOff val="35000"/>
+      </a:schemeClr>
+    </cs:fontRef>
+    <cs:spPr>
+      <a:noFill/>
+      <a:ln w="9525" cap="flat" cmpd="sng" algn="ctr">
+        <a:solidFill>
+          <a:schemeClr val="tx1">
+            <a:lumMod val="15000"/>
+            <a:lumOff val="85000"/>
+          </a:schemeClr>
+        </a:solidFill>
+        <a:round/>
+      </a:ln>
+    </cs:spPr>
+    <cs:defRPr sz="1197" kern="1200"/>
+  </cs:dataTable>
+  <cs:downBar>
+    <cs:lnRef idx="0"/>
+    <cs:fillRef idx="0"/>
+    <cs:effectRef idx="0"/>
+    <cs:fontRef idx="minor">
+      <a:schemeClr val="dk1"/>
+    </cs:fontRef>
+    <cs:spPr>
+      <a:solidFill>
+        <a:schemeClr val="dk1">
+          <a:lumMod val="65000"/>
+          <a:lumOff val="35000"/>
+        </a:schemeClr>
+      </a:solidFill>
+      <a:ln w="9525">
+        <a:solidFill>
+          <a:schemeClr val="tx1">
+            <a:lumMod val="65000"/>
+            <a:lumOff val="35000"/>
+          </a:schemeClr>
+        </a:solidFill>
+      </a:ln>
+    </cs:spPr>
+  </cs:downBar>
+  <cs:dropLine>
+    <cs:lnRef idx="0"/>
+    <cs:fillRef idx="0"/>
+    <cs:effectRef idx="0"/>
+    <cs:fontRef idx="minor">
+      <a:schemeClr val="tx1"/>
+    </cs:fontRef>
+    <cs:spPr>
+      <a:ln w="9525" cap="flat" cmpd="sng" algn="ctr">
+        <a:solidFill>
+          <a:schemeClr val="tx1">
+            <a:lumMod val="35000"/>
+            <a:lumOff val="65000"/>
+          </a:schemeClr>
+        </a:solidFill>
+        <a:round/>
+      </a:ln>
+    </cs:spPr>
+  </cs:dropLine>
+  <cs:errorBar>
+    <cs:lnRef idx="0"/>
+    <cs:fillRef idx="0"/>
+    <cs:effectRef idx="0"/>
+    <cs:fontRef idx="minor">
+      <a:schemeClr val="tx1"/>
+    </cs:fontRef>
+    <cs:spPr>
+      <a:ln w="9525" cap="flat" cmpd="sng" algn="ctr">
+        <a:solidFill>
+          <a:schemeClr val="tx1">
+            <a:lumMod val="65000"/>
+            <a:lumOff val="35000"/>
+          </a:schemeClr>
+        </a:solidFill>
+        <a:round/>
+      </a:ln>
+    </cs:spPr>
+  </cs:errorBar>
+  <cs:floor>
+    <cs:lnRef idx="0"/>
+    <cs:fillRef idx="0"/>
+    <cs:effectRef idx="0"/>
+    <cs:fontRef idx="minor">
+      <a:schemeClr val="lt1"/>
+    </cs:fontRef>
+  </cs:floor>
+  <cs:gridlineMajor>
+    <cs:lnRef idx="0"/>
+    <cs:fillRef idx="0"/>
+    <cs:effectRef idx="0"/>
+    <cs:fontRef idx="minor">
+      <a:schemeClr val="tx1"/>
+    </cs:fontRef>
+    <cs:spPr>
+      <a:ln w="9525" cap="flat" cmpd="sng" algn="ctr">
+        <a:solidFill>
+          <a:schemeClr val="tx1">
+            <a:lumMod val="15000"/>
+            <a:lumOff val="85000"/>
+          </a:schemeClr>
+        </a:solidFill>
+        <a:round/>
+      </a:ln>
+    </cs:spPr>
+  </cs:gridlineMajor>
+  <cs:gridlineMinor>
+    <cs:lnRef idx="0"/>
+    <cs:fillRef idx="0"/>
+    <cs:effectRef idx="0"/>
+    <cs:fontRef idx="minor">
+      <a:schemeClr val="tx1"/>
+    </cs:fontRef>
+    <cs:spPr>
+      <a:ln w="9525" cap="flat" cmpd="sng" algn="ctr">
+        <a:solidFill>
+          <a:schemeClr val="tx1">
+            <a:lumMod val="5000"/>
+            <a:lumOff val="95000"/>
+          </a:schemeClr>
+        </a:solidFill>
+        <a:round/>
+      </a:ln>
+    </cs:spPr>
+  </cs:gridlineMinor>
+  <cs:hiLoLine>
+    <cs:lnRef idx="0"/>
+    <cs:fillRef idx="0"/>
+    <cs:effectRef idx="0"/>
+    <cs:fontRef idx="minor">
+      <a:schemeClr val="tx1"/>
+    </cs:fontRef>
+    <cs:spPr>
+      <a:ln w="9525" cap="flat" cmpd="sng" algn="ctr">
+        <a:solidFill>
+          <a:schemeClr val="tx1">
+            <a:lumMod val="75000"/>
+            <a:lumOff val="25000"/>
+          </a:schemeClr>
+        </a:solidFill>
+        <a:round/>
+      </a:ln>
+    </cs:spPr>
+  </cs:hiLoLine>
+  <cs:leaderLine>
+    <cs:lnRef idx="0"/>
+    <cs:fillRef idx="0"/>
+    <cs:effectRef idx="0"/>
+    <cs:fontRef idx="minor">
+      <a:schemeClr val="tx1"/>
+    </cs:fontRef>
+    <cs:spPr>
+      <a:ln w="9525" cap="flat" cmpd="sng" algn="ctr">
+        <a:solidFill>
+          <a:schemeClr val="tx1">
+            <a:lumMod val="35000"/>
+            <a:lumOff val="65000"/>
+          </a:schemeClr>
+        </a:solidFill>
+        <a:round/>
+      </a:ln>
+    </cs:spPr>
+  </cs:leaderLine>
+  <cs:legend>
+    <cs:lnRef idx="0"/>
+    <cs:fillRef idx="0"/>
+    <cs:effectRef idx="0"/>
+    <cs:fontRef idx="minor">
+      <a:schemeClr val="tx1">
+        <a:lumMod val="65000"/>
+        <a:lumOff val="35000"/>
+      </a:schemeClr>
+    </cs:fontRef>
+    <cs:defRPr sz="1197" kern="1200"/>
+  </cs:legend>
+  <cs:plotArea>
+    <cs:lnRef idx="0"/>
+    <cs:fillRef idx="0"/>
+    <cs:effectRef idx="0"/>
+    <cs:fontRef idx="minor">
+      <a:schemeClr val="lt1"/>
+    </cs:fontRef>
+  </cs:plotArea>
+  <cs:plotArea3D>
+    <cs:lnRef idx="0"/>
+    <cs:fillRef idx="0"/>
+    <cs:effectRef idx="0"/>
+    <cs:fontRef idx="minor">
+      <a:schemeClr val="lt1"/>
+    </cs:fontRef>
+  </cs:plotArea3D>
+  <cs:seriesAxis>
+    <cs:lnRef idx="0"/>
+    <cs:fillRef idx="0"/>
+    <cs:effectRef idx="0"/>
+    <cs:fontRef idx="minor">
+      <a:schemeClr val="tx1">
+        <a:lumMod val="65000"/>
+        <a:lumOff val="35000"/>
+      </a:schemeClr>
+    </cs:fontRef>
+    <cs:spPr>
+      <a:ln w="12700" cap="flat" cmpd="sng" algn="ctr">
+        <a:solidFill>
+          <a:schemeClr val="tx1">
+            <a:lumMod val="15000"/>
+            <a:lumOff val="85000"/>
+          </a:schemeClr>
+        </a:solidFill>
+        <a:round/>
+      </a:ln>
+    </cs:spPr>
+    <cs:defRPr sz="1197" kern="1200"/>
+  </cs:seriesAxis>
+  <cs:seriesLine>
+    <cs:lnRef idx="0"/>
+    <cs:fillRef idx="0"/>
+    <cs:effectRef idx="0"/>
+    <cs:fontRef idx="minor">
+      <a:schemeClr val="tx1"/>
+    </cs:fontRef>
+    <cs:spPr>
+      <a:ln w="9525" cap="flat" cmpd="sng" algn="ctr">
+        <a:solidFill>
+          <a:schemeClr val="tx1">
+            <a:lumMod val="35000"/>
+            <a:lumOff val="65000"/>
+          </a:schemeClr>
+        </a:solidFill>
+        <a:round/>
+      </a:ln>
+    </cs:spPr>
+  </cs:seriesLine>
+  <cs:title>
+    <cs:lnRef idx="0"/>
+    <cs:fillRef idx="0"/>
+    <cs:effectRef idx="0"/>
+    <cs:fontRef idx="minor">
+      <a:schemeClr val="tx1">
+        <a:lumMod val="65000"/>
+        <a:lumOff val="35000"/>
+      </a:schemeClr>
+    </cs:fontRef>
+    <cs:defRPr sz="2128" b="1" kern="1200" baseline="0"/>
+  </cs:title>
+  <cs:trendline>
+    <cs:lnRef idx="0">
+      <cs:styleClr val="auto"/>
+    </cs:lnRef>
+    <cs:fillRef idx="0"/>
+    <cs:effectRef idx="0"/>
+    <cs:fontRef idx="minor">
+      <a:schemeClr val="lt1"/>
+    </cs:fontRef>
+    <cs:spPr>
+      <a:ln w="19050" cap="rnd">
+        <a:solidFill>
+          <a:schemeClr val="phClr"/>
+        </a:solidFill>
+      </a:ln>
+    </cs:spPr>
+  </cs:trendline>
+  <cs:trendlineLabel>
+    <cs:lnRef idx="0"/>
+    <cs:fillRef idx="0"/>
+    <cs:effectRef idx="0"/>
+    <cs:fontRef idx="minor">
+      <a:schemeClr val="tx1">
+        <a:lumMod val="65000"/>
+        <a:lumOff val="35000"/>
+      </a:schemeClr>
+    </cs:fontRef>
+    <cs:defRPr sz="1197" kern="1200"/>
+  </cs:trendlineLabel>
+  <cs:upBar>
+    <cs:lnRef idx="0"/>
+    <cs:fillRef idx="0"/>
+    <cs:effectRef idx="0"/>
+    <cs:fontRef idx="minor">
+      <a:schemeClr val="dk1"/>
+    </cs:fontRef>
+    <cs:spPr>
+      <a:solidFill>
+        <a:schemeClr val="lt1"/>
+      </a:solidFill>
+      <a:ln w="9525">
+        <a:solidFill>
+          <a:schemeClr val="tx1">
+            <a:lumMod val="15000"/>
+            <a:lumOff val="85000"/>
+          </a:schemeClr>
+        </a:solidFill>
+      </a:ln>
+    </cs:spPr>
+  </cs:upBar>
+  <cs:valueAxis>
+    <cs:lnRef idx="0"/>
+    <cs:fillRef idx="0"/>
+    <cs:effectRef idx="0"/>
+    <cs:fontRef idx="minor">
+      <a:schemeClr val="tx1">
+        <a:lumMod val="65000"/>
+        <a:lumOff val="35000"/>
+      </a:schemeClr>
+    </cs:fontRef>
+    <cs:defRPr sz="1197" kern="1200"/>
+  </cs:valueAxis>
+  <cs:wall>
+    <cs:lnRef idx="0"/>
+    <cs:fillRef idx="0"/>
+    <cs:effectRef idx="0"/>
+    <cs:fontRef idx="minor">
+      <a:schemeClr val="lt1"/>
+    </cs:fontRef>
+  </cs:wall>
+</cs:chartStyle>
+</file>
+
+<file path=ppt/charts/style4.xml><?xml version="1.0" encoding="utf-8"?>
+<cs:chartStyle xmlns:cs="http://schemas.microsoft.com/office/drawing/2012/chartStyle" xmlns:a="http://schemas.openxmlformats.org/drawingml/2006/main" id="352">
+  <cs:axisTitle>
+    <cs:lnRef idx="0"/>
+    <cs:fillRef idx="0"/>
+    <cs:effectRef idx="0"/>
+    <cs:fontRef idx="minor">
+      <a:schemeClr val="tx1">
+        <a:lumMod val="65000"/>
+        <a:lumOff val="35000"/>
+      </a:schemeClr>
+    </cs:fontRef>
+    <cs:defRPr sz="1197" kern="1200"/>
+  </cs:axisTitle>
+  <cs:categoryAxis>
+    <cs:lnRef idx="0"/>
+    <cs:fillRef idx="0"/>
+    <cs:effectRef idx="0"/>
+    <cs:fontRef idx="minor">
+      <a:schemeClr val="tx1">
+        <a:lumMod val="65000"/>
+        <a:lumOff val="35000"/>
+      </a:schemeClr>
+    </cs:fontRef>
+    <cs:spPr>
+      <a:ln w="12700" cap="flat" cmpd="sng" algn="ctr">
+        <a:solidFill>
+          <a:schemeClr val="tx1">
+            <a:lumMod val="15000"/>
+            <a:lumOff val="85000"/>
+          </a:schemeClr>
+        </a:solidFill>
+        <a:round/>
+      </a:ln>
+    </cs:spPr>
+    <cs:defRPr sz="1197" kern="1200"/>
+  </cs:categoryAxis>
+  <cs:chartArea mods="allowNoFillOverride allowNoLineOverride">
+    <cs:lnRef idx="0"/>
+    <cs:fillRef idx="0"/>
+    <cs:effectRef idx="0"/>
+    <cs:fontRef idx="minor">
+      <a:schemeClr val="tx2"/>
+    </cs:fontRef>
+    <cs:spPr>
+      <a:solidFill>
+        <a:schemeClr val="bg1"/>
+      </a:solidFill>
+      <a:ln w="9525" cap="flat" cmpd="sng" algn="ctr">
+        <a:solidFill>
+          <a:schemeClr val="tx1">
+            <a:lumMod val="15000"/>
+            <a:lumOff val="85000"/>
+          </a:schemeClr>
+        </a:solidFill>
+        <a:round/>
+      </a:ln>
+    </cs:spPr>
+    <cs:defRPr sz="1197" kern="1200"/>
+  </cs:chartArea>
+  <cs:dataLabel>
+    <cs:lnRef idx="0"/>
+    <cs:fillRef idx="0"/>
+    <cs:effectRef idx="0"/>
+    <cs:fontRef idx="minor">
+      <a:schemeClr val="tx1">
+        <a:lumMod val="75000"/>
+        <a:lumOff val="25000"/>
+      </a:schemeClr>
+    </cs:fontRef>
+    <cs:defRPr sz="1197" kern="1200"/>
+  </cs:dataLabel>
+  <cs:dataLabelCallout>
+    <cs:lnRef idx="0"/>
+    <cs:fillRef idx="0"/>
+    <cs:effectRef idx="0"/>
+    <cs:fontRef idx="minor">
+      <a:schemeClr val="dk1">
+        <a:lumMod val="65000"/>
+        <a:lumOff val="35000"/>
+      </a:schemeClr>
+    </cs:fontRef>
+    <cs:spPr>
+      <a:solidFill>
+        <a:schemeClr val="lt1"/>
+      </a:solidFill>
+      <a:ln>
+        <a:solidFill>
+          <a:schemeClr val="dk1">
+            <a:lumMod val="25000"/>
+            <a:lumOff val="75000"/>
+          </a:schemeClr>
+        </a:solidFill>
+      </a:ln>
+    </cs:spPr>
+    <cs:defRPr sz="1197" kern="1200"/>
+    <cs:bodyPr rot="0" spcFirstLastPara="1" vertOverflow="clip" horzOverflow="clip" vert="horz" wrap="square" lIns="36576" tIns="18288" rIns="36576" bIns="18288" anchor="ctr" anchorCtr="1">
+      <a:spAutoFit/>
+    </cs:bodyPr>
+  </cs:dataLabelCallout>
+  <cs:dataPoint>
+    <cs:lnRef idx="0"/>
+    <cs:fillRef idx="3">
+      <cs:styleClr val="auto"/>
+    </cs:fillRef>
+    <cs:effectRef idx="3"/>
+    <cs:fontRef idx="minor">
+      <a:schemeClr val="tx1"/>
+    </cs:fontRef>
+  </cs:dataPoint>
+  <cs:dataPoint3D>
+    <cs:lnRef idx="0"/>
+    <cs:fillRef idx="3">
+      <cs:styleClr val="auto"/>
+    </cs:fillRef>
+    <cs:effectRef idx="3"/>
+    <cs:fontRef idx="minor">
+      <a:schemeClr val="tx1"/>
+    </cs:fontRef>
+  </cs:dataPoint3D>
+  <cs:dataPointLine>
+    <cs:lnRef idx="0">
+      <cs:styleClr val="auto"/>
+    </cs:lnRef>
+    <cs:fillRef idx="3"/>
+    <cs:effectRef idx="3"/>
+    <cs:fontRef idx="minor">
+      <a:schemeClr val="tx1"/>
+    </cs:fontRef>
+    <cs:spPr>
+      <a:ln w="34925" cap="rnd">
+        <a:solidFill>
+          <a:schemeClr val="phClr"/>
+        </a:solidFill>
+        <a:round/>
+      </a:ln>
+    </cs:spPr>
+  </cs:dataPointLine>
+  <cs:dataPointMarker>
+    <cs:lnRef idx="0">
+      <cs:styleClr val="auto"/>
+    </cs:lnRef>
+    <cs:fillRef idx="3">
+      <cs:styleClr val="auto"/>
+    </cs:fillRef>
+    <cs:effectRef idx="3"/>
+    <cs:fontRef idx="minor">
+      <a:schemeClr val="tx1"/>
+    </cs:fontRef>
+    <cs:spPr>
+      <a:ln w="9525">
+        <a:solidFill>
+          <a:schemeClr val="phClr"/>
+        </a:solidFill>
+        <a:round/>
+      </a:ln>
+    </cs:spPr>
+  </cs:dataPointMarker>
+  <cs:dataPointMarkerLayout symbol="circle" size="6"/>
+  <cs:dataPointWireframe>
+    <cs:lnRef idx="0">
+      <cs:styleClr val="auto"/>
+    </cs:lnRef>
+    <cs:fillRef idx="3"/>
+    <cs:effectRef idx="3"/>
+    <cs:fontRef idx="minor">
+      <a:schemeClr val="tx1"/>
+    </cs:fontRef>
+    <cs:spPr>
+      <a:ln w="9525" cap="rnd">
+        <a:solidFill>
+          <a:schemeClr val="phClr"/>
+        </a:solidFill>
+        <a:round/>
+      </a:ln>
+    </cs:spPr>
+  </cs:dataPointWireframe>
+  <cs:dataTable>
+    <cs:lnRef idx="0"/>
+    <cs:fillRef idx="0"/>
+    <cs:effectRef idx="0"/>
+    <cs:fontRef idx="minor">
+      <a:schemeClr val="tx1">
+        <a:lumMod val="65000"/>
+        <a:lumOff val="35000"/>
+      </a:schemeClr>
+    </cs:fontRef>
+    <cs:spPr>
+      <a:noFill/>
+      <a:ln w="9525" cap="flat" cmpd="sng" algn="ctr">
+        <a:solidFill>
+          <a:schemeClr val="tx1">
+            <a:lumMod val="15000"/>
+            <a:lumOff val="85000"/>
+          </a:schemeClr>
+        </a:solidFill>
+        <a:round/>
+      </a:ln>
+    </cs:spPr>
+    <cs:defRPr sz="1197" kern="1200"/>
+  </cs:dataTable>
+  <cs:downBar>
+    <cs:lnRef idx="0"/>
+    <cs:fillRef idx="0"/>
+    <cs:effectRef idx="0"/>
+    <cs:fontRef idx="minor">
+      <a:schemeClr val="dk1"/>
+    </cs:fontRef>
+    <cs:spPr>
+      <a:solidFill>
+        <a:schemeClr val="dk1">
+          <a:lumMod val="65000"/>
+          <a:lumOff val="35000"/>
+        </a:schemeClr>
+      </a:solidFill>
+      <a:ln w="9525">
+        <a:solidFill>
+          <a:schemeClr val="tx1">
+            <a:lumMod val="65000"/>
+            <a:lumOff val="35000"/>
+          </a:schemeClr>
+        </a:solidFill>
+      </a:ln>
+    </cs:spPr>
+  </cs:downBar>
+  <cs:dropLine>
+    <cs:lnRef idx="0"/>
+    <cs:fillRef idx="0"/>
+    <cs:effectRef idx="0"/>
+    <cs:fontRef idx="minor">
+      <a:schemeClr val="tx1"/>
+    </cs:fontRef>
+    <cs:spPr>
+      <a:ln w="9525" cap="flat" cmpd="sng" algn="ctr">
+        <a:solidFill>
+          <a:schemeClr val="tx1">
+            <a:lumMod val="35000"/>
+            <a:lumOff val="65000"/>
+          </a:schemeClr>
+        </a:solidFill>
+        <a:round/>
+      </a:ln>
+    </cs:spPr>
+  </cs:dropLine>
+  <cs:errorBar>
+    <cs:lnRef idx="0"/>
+    <cs:fillRef idx="0"/>
+    <cs:effectRef idx="0"/>
+    <cs:fontRef idx="minor">
+      <a:schemeClr val="tx1"/>
+    </cs:fontRef>
+    <cs:spPr>
+      <a:ln w="9525" cap="flat" cmpd="sng" algn="ctr">
+        <a:solidFill>
+          <a:schemeClr val="tx1">
+            <a:lumMod val="65000"/>
+            <a:lumOff val="35000"/>
+          </a:schemeClr>
+        </a:solidFill>
+        <a:round/>
+      </a:ln>
+    </cs:spPr>
+  </cs:errorBar>
+  <cs:floor>
+    <cs:lnRef idx="0"/>
+    <cs:fillRef idx="0"/>
+    <cs:effectRef idx="0"/>
+    <cs:fontRef idx="minor">
+      <a:schemeClr val="lt1"/>
+    </cs:fontRef>
+  </cs:floor>
+  <cs:gridlineMajor>
+    <cs:lnRef idx="0"/>
+    <cs:fillRef idx="0"/>
+    <cs:effectRef idx="0"/>
+    <cs:fontRef idx="minor">
+      <a:schemeClr val="tx1"/>
+    </cs:fontRef>
+    <cs:spPr>
+      <a:ln w="9525" cap="flat" cmpd="sng" algn="ctr">
+        <a:solidFill>
+          <a:schemeClr val="tx1">
+            <a:lumMod val="15000"/>
+            <a:lumOff val="85000"/>
+          </a:schemeClr>
+        </a:solidFill>
+        <a:round/>
+      </a:ln>
+    </cs:spPr>
+  </cs:gridlineMajor>
+  <cs:gridlineMinor>
+    <cs:lnRef idx="0"/>
+    <cs:fillRef idx="0"/>
+    <cs:effectRef idx="0"/>
+    <cs:fontRef idx="minor">
+      <a:schemeClr val="tx1"/>
+    </cs:fontRef>
+    <cs:spPr>
+      <a:ln w="9525" cap="flat" cmpd="sng" algn="ctr">
+        <a:solidFill>
+          <a:schemeClr val="tx1">
+            <a:lumMod val="5000"/>
+            <a:lumOff val="95000"/>
+          </a:schemeClr>
+        </a:solidFill>
+        <a:round/>
+      </a:ln>
+    </cs:spPr>
+  </cs:gridlineMinor>
+  <cs:hiLoLine>
+    <cs:lnRef idx="0"/>
+    <cs:fillRef idx="0"/>
+    <cs:effectRef idx="0"/>
+    <cs:fontRef idx="minor">
+      <a:schemeClr val="tx1"/>
+    </cs:fontRef>
+    <cs:spPr>
+      <a:ln w="9525" cap="flat" cmpd="sng" algn="ctr">
+        <a:solidFill>
+          <a:schemeClr val="tx1">
+            <a:lumMod val="75000"/>
+            <a:lumOff val="25000"/>
+          </a:schemeClr>
+        </a:solidFill>
+        <a:round/>
+      </a:ln>
+    </cs:spPr>
+  </cs:hiLoLine>
+  <cs:leaderLine>
+    <cs:lnRef idx="0"/>
+    <cs:fillRef idx="0"/>
+    <cs:effectRef idx="0"/>
+    <cs:fontRef idx="minor">
+      <a:schemeClr val="tx1"/>
+    </cs:fontRef>
+    <cs:spPr>
+      <a:ln w="9525" cap="flat" cmpd="sng" algn="ctr">
+        <a:solidFill>
+          <a:schemeClr val="tx1">
+            <a:lumMod val="35000"/>
+            <a:lumOff val="65000"/>
+          </a:schemeClr>
+        </a:solidFill>
+        <a:round/>
+      </a:ln>
+    </cs:spPr>
+  </cs:leaderLine>
+  <cs:legend>
+    <cs:lnRef idx="0"/>
+    <cs:fillRef idx="0"/>
+    <cs:effectRef idx="0"/>
+    <cs:fontRef idx="minor">
+      <a:schemeClr val="tx1">
+        <a:lumMod val="65000"/>
+        <a:lumOff val="35000"/>
+      </a:schemeClr>
+    </cs:fontRef>
+    <cs:defRPr sz="1197" kern="1200"/>
+  </cs:legend>
+  <cs:plotArea>
+    <cs:lnRef idx="0"/>
+    <cs:fillRef idx="0"/>
+    <cs:effectRef idx="0"/>
+    <cs:fontRef idx="minor">
+      <a:schemeClr val="lt1"/>
+    </cs:fontRef>
+  </cs:plotArea>
+  <cs:plotArea3D>
+    <cs:lnRef idx="0"/>
+    <cs:fillRef idx="0"/>
+    <cs:effectRef idx="0"/>
+    <cs:fontRef idx="minor">
+      <a:schemeClr val="lt1"/>
+    </cs:fontRef>
+  </cs:plotArea3D>
+  <cs:seriesAxis>
+    <cs:lnRef idx="0"/>
+    <cs:fillRef idx="0"/>
+    <cs:effectRef idx="0"/>
+    <cs:fontRef idx="minor">
+      <a:schemeClr val="tx1">
+        <a:lumMod val="65000"/>
+        <a:lumOff val="35000"/>
+      </a:schemeClr>
+    </cs:fontRef>
+    <cs:spPr>
+      <a:ln w="12700" cap="flat" cmpd="sng" algn="ctr">
+        <a:solidFill>
+          <a:schemeClr val="tx1">
+            <a:lumMod val="15000"/>
+            <a:lumOff val="85000"/>
+          </a:schemeClr>
+        </a:solidFill>
+        <a:round/>
+      </a:ln>
+    </cs:spPr>
+    <cs:defRPr sz="1197" kern="1200"/>
+  </cs:seriesAxis>
+  <cs:seriesLine>
+    <cs:lnRef idx="0"/>
+    <cs:fillRef idx="0"/>
+    <cs:effectRef idx="0"/>
+    <cs:fontRef idx="minor">
+      <a:schemeClr val="tx1"/>
+    </cs:fontRef>
+    <cs:spPr>
+      <a:ln w="9525" cap="flat" cmpd="sng" algn="ctr">
+        <a:solidFill>
+          <a:schemeClr val="tx1">
+            <a:lumMod val="35000"/>
+            <a:lumOff val="65000"/>
+          </a:schemeClr>
+        </a:solidFill>
+        <a:round/>
+      </a:ln>
+    </cs:spPr>
+  </cs:seriesLine>
+  <cs:title>
+    <cs:lnRef idx="0"/>
+    <cs:fillRef idx="0"/>
+    <cs:effectRef idx="0"/>
+    <cs:fontRef idx="minor">
+      <a:schemeClr val="tx1">
+        <a:lumMod val="65000"/>
+        <a:lumOff val="35000"/>
+      </a:schemeClr>
+    </cs:fontRef>
+    <cs:defRPr sz="2128" b="1" kern="1200" baseline="0"/>
+  </cs:title>
+  <cs:trendline>
+    <cs:lnRef idx="0">
+      <cs:styleClr val="auto"/>
+    </cs:lnRef>
+    <cs:fillRef idx="0"/>
+    <cs:effectRef idx="0"/>
+    <cs:fontRef idx="minor">
+      <a:schemeClr val="lt1"/>
+    </cs:fontRef>
+    <cs:spPr>
+      <a:ln w="19050" cap="rnd">
+        <a:solidFill>
+          <a:schemeClr val="phClr"/>
+        </a:solidFill>
+      </a:ln>
+    </cs:spPr>
+  </cs:trendline>
+  <cs:trendlineLabel>
+    <cs:lnRef idx="0"/>
+    <cs:fillRef idx="0"/>
+    <cs:effectRef idx="0"/>
+    <cs:fontRef idx="minor">
+      <a:schemeClr val="tx1">
+        <a:lumMod val="65000"/>
+        <a:lumOff val="35000"/>
+      </a:schemeClr>
+    </cs:fontRef>
+    <cs:defRPr sz="1197" kern="1200"/>
+  </cs:trendlineLabel>
+  <cs:upBar>
+    <cs:lnRef idx="0"/>
+    <cs:fillRef idx="0"/>
+    <cs:effectRef idx="0"/>
+    <cs:fontRef idx="minor">
+      <a:schemeClr val="dk1"/>
+    </cs:fontRef>
+    <cs:spPr>
+      <a:solidFill>
+        <a:schemeClr val="lt1"/>
+      </a:solidFill>
+      <a:ln w="9525">
+        <a:solidFill>
+          <a:schemeClr val="tx1">
+            <a:lumMod val="15000"/>
+            <a:lumOff val="85000"/>
+          </a:schemeClr>
+        </a:solidFill>
+      </a:ln>
+    </cs:spPr>
+  </cs:upBar>
+  <cs:valueAxis>
+    <cs:lnRef idx="0"/>
+    <cs:fillRef idx="0"/>
+    <cs:effectRef idx="0"/>
+    <cs:fontRef idx="minor">
+      <a:schemeClr val="tx1">
+        <a:lumMod val="65000"/>
+        <a:lumOff val="35000"/>
+      </a:schemeClr>
+    </cs:fontRef>
+    <cs:defRPr sz="1197" kern="1200"/>
+  </cs:valueAxis>
+  <cs:wall>
+    <cs:lnRef idx="0"/>
+    <cs:fillRef idx="0"/>
+    <cs:effectRef idx="0"/>
+    <cs:fontRef idx="minor">
+      <a:schemeClr val="lt1"/>
+    </cs:fontRef>
+  </cs:wall>
+</cs:chartStyle>
+</file>
+
+<file path=ppt/charts/style5.xml><?xml version="1.0" encoding="utf-8"?>
+<cs:chartStyle xmlns:cs="http://schemas.microsoft.com/office/drawing/2012/chartStyle" xmlns:a="http://schemas.openxmlformats.org/drawingml/2006/main" id="344">
+  <cs:axisTitle>
+    <cs:lnRef idx="0"/>
+    <cs:fillRef idx="0"/>
+    <cs:effectRef idx="0"/>
+    <cs:fontRef idx="minor">
+      <a:schemeClr val="tx1">
+        <a:lumMod val="65000"/>
+        <a:lumOff val="35000"/>
+      </a:schemeClr>
+    </cs:fontRef>
+    <cs:defRPr sz="1197" kern="1200"/>
+  </cs:axisTitle>
+  <cs:categoryAxis>
+    <cs:lnRef idx="0"/>
+    <cs:fillRef idx="0"/>
+    <cs:effectRef idx="0"/>
+    <cs:fontRef idx="minor">
+      <a:schemeClr val="tx1">
+        <a:lumMod val="65000"/>
+        <a:lumOff val="35000"/>
+      </a:schemeClr>
+    </cs:fontRef>
+    <cs:spPr>
+      <a:ln w="12700" cap="flat" cmpd="sng" algn="ctr">
+        <a:solidFill>
+          <a:schemeClr val="tx1">
+            <a:lumMod val="15000"/>
+            <a:lumOff val="85000"/>
+          </a:schemeClr>
+        </a:solidFill>
+        <a:round/>
+      </a:ln>
+    </cs:spPr>
+    <cs:defRPr sz="1197" kern="1200"/>
+  </cs:categoryAxis>
+  <cs:chartArea mods="allowNoFillOverride allowNoLineOverride">
+    <cs:lnRef idx="0"/>
+    <cs:fillRef idx="0"/>
+    <cs:effectRef idx="0"/>
+    <cs:fontRef idx="minor">
+      <a:schemeClr val="tx2"/>
+    </cs:fontRef>
+    <cs:spPr>
+      <a:solidFill>
+        <a:schemeClr val="bg1"/>
+      </a:solidFill>
+      <a:ln w="9525" cap="flat" cmpd="sng" algn="ctr">
+        <a:solidFill>
+          <a:schemeClr val="tx1">
+            <a:lumMod val="15000"/>
+            <a:lumOff val="85000"/>
+          </a:schemeClr>
+        </a:solidFill>
+        <a:round/>
+      </a:ln>
+    </cs:spPr>
+    <cs:defRPr sz="1197" kern="1200"/>
+  </cs:chartArea>
+  <cs:dataLabel>
+    <cs:lnRef idx="0"/>
+    <cs:fillRef idx="0"/>
+    <cs:effectRef idx="0"/>
+    <cs:fontRef idx="minor">
+      <a:schemeClr val="tx1">
+        <a:lumMod val="75000"/>
+        <a:lumOff val="25000"/>
+      </a:schemeClr>
+    </cs:fontRef>
+    <cs:defRPr sz="1197" kern="1200"/>
+  </cs:dataLabel>
+  <cs:dataLabelCallout>
+    <cs:lnRef idx="0"/>
+    <cs:fillRef idx="0"/>
+    <cs:effectRef idx="0"/>
+    <cs:fontRef idx="minor">
+      <a:schemeClr val="dk1">
+        <a:lumMod val="65000"/>
+        <a:lumOff val="35000"/>
+      </a:schemeClr>
+    </cs:fontRef>
+    <cs:spPr>
+      <a:solidFill>
+        <a:schemeClr val="lt1"/>
+      </a:solidFill>
+      <a:ln>
+        <a:solidFill>
+          <a:schemeClr val="dk1">
+            <a:lumMod val="25000"/>
+            <a:lumOff val="75000"/>
+          </a:schemeClr>
+        </a:solidFill>
+      </a:ln>
+    </cs:spPr>
+    <cs:defRPr sz="1197" kern="1200"/>
+    <cs:bodyPr rot="0" spcFirstLastPara="1" vertOverflow="clip" horzOverflow="clip" vert="horz" wrap="square" lIns="36576" tIns="18288" rIns="36576" bIns="18288" anchor="ctr" anchorCtr="1">
+      <a:spAutoFit/>
+    </cs:bodyPr>
+  </cs:dataLabelCallout>
+  <cs:dataPoint>
+    <cs:lnRef idx="0"/>
+    <cs:fillRef idx="3">
+      <cs:styleClr val="auto"/>
+    </cs:fillRef>
+    <cs:effectRef idx="3"/>
+    <cs:fontRef idx="minor">
+      <a:schemeClr val="tx1"/>
+    </cs:fontRef>
+  </cs:dataPoint>
+  <cs:dataPoint3D>
+    <cs:lnRef idx="0"/>
+    <cs:fillRef idx="3">
+      <cs:styleClr val="auto"/>
+    </cs:fillRef>
+    <cs:effectRef idx="3"/>
+    <cs:fontRef idx="minor">
+      <a:schemeClr val="tx1"/>
+    </cs:fontRef>
+  </cs:dataPoint3D>
+  <cs:dataPointLine>
+    <cs:lnRef idx="0">
+      <cs:styleClr val="auto"/>
+    </cs:lnRef>
+    <cs:fillRef idx="3"/>
+    <cs:effectRef idx="3"/>
+    <cs:fontRef idx="minor">
+      <a:schemeClr val="tx1"/>
+    </cs:fontRef>
+    <cs:spPr>
+      <a:ln w="34925" cap="rnd">
+        <a:solidFill>
+          <a:schemeClr val="phClr"/>
+        </a:solidFill>
+        <a:round/>
+      </a:ln>
+    </cs:spPr>
+  </cs:dataPointLine>
+  <cs:dataPointMarker>
+    <cs:lnRef idx="0">
+      <cs:styleClr val="auto"/>
+    </cs:lnRef>
+    <cs:fillRef idx="3">
+      <cs:styleClr val="auto"/>
+    </cs:fillRef>
+    <cs:effectRef idx="3"/>
+    <cs:fontRef idx="minor">
+      <a:schemeClr val="tx1"/>
+    </cs:fontRef>
+    <cs:spPr>
+      <a:ln w="9525">
+        <a:solidFill>
+          <a:schemeClr val="phClr"/>
+        </a:solidFill>
+        <a:round/>
+      </a:ln>
+    </cs:spPr>
+  </cs:dataPointMarker>
+  <cs:dataPointMarkerLayout symbol="circle" size="6"/>
+  <cs:dataPointWireframe>
+    <cs:lnRef idx="0">
+      <cs:styleClr val="auto"/>
+    </cs:lnRef>
+    <cs:fillRef idx="3"/>
+    <cs:effectRef idx="3"/>
+    <cs:fontRef idx="minor">
+      <a:schemeClr val="tx1"/>
+    </cs:fontRef>
+    <cs:spPr>
+      <a:ln w="9525" cap="rnd">
+        <a:solidFill>
+          <a:schemeClr val="phClr"/>
+        </a:solidFill>
+        <a:round/>
+      </a:ln>
+    </cs:spPr>
+  </cs:dataPointWireframe>
+  <cs:dataTable>
+    <cs:lnRef idx="0"/>
+    <cs:fillRef idx="0"/>
+    <cs:effectRef idx="0"/>
+    <cs:fontRef idx="minor">
+      <a:schemeClr val="tx1">
+        <a:lumMod val="65000"/>
+        <a:lumOff val="35000"/>
+      </a:schemeClr>
+    </cs:fontRef>
+    <cs:spPr>
+      <a:noFill/>
+      <a:ln w="9525" cap="flat" cmpd="sng" algn="ctr">
+        <a:solidFill>
+          <a:schemeClr val="tx1">
+            <a:lumMod val="15000"/>
+            <a:lumOff val="85000"/>
+          </a:schemeClr>
+        </a:solidFill>
+        <a:round/>
+      </a:ln>
+    </cs:spPr>
+    <cs:defRPr sz="1197" kern="1200"/>
+  </cs:dataTable>
+  <cs:downBar>
+    <cs:lnRef idx="0"/>
+    <cs:fillRef idx="0"/>
+    <cs:effectRef idx="0"/>
+    <cs:fontRef idx="minor">
+      <a:schemeClr val="dk1"/>
+    </cs:fontRef>
+    <cs:spPr>
+      <a:solidFill>
+        <a:schemeClr val="dk1">
+          <a:lumMod val="65000"/>
+          <a:lumOff val="35000"/>
+        </a:schemeClr>
+      </a:solidFill>
+      <a:ln w="9525">
+        <a:solidFill>
+          <a:schemeClr val="tx1">
+            <a:lumMod val="65000"/>
+            <a:lumOff val="35000"/>
+          </a:schemeClr>
+        </a:solidFill>
+      </a:ln>
+    </cs:spPr>
+  </cs:downBar>
+  <cs:dropLine>
+    <cs:lnRef idx="0"/>
+    <cs:fillRef idx="0"/>
+    <cs:effectRef idx="0"/>
+    <cs:fontRef idx="minor">
+      <a:schemeClr val="tx1"/>
+    </cs:fontRef>
+    <cs:spPr>
+      <a:ln w="9525" cap="flat" cmpd="sng" algn="ctr">
+        <a:solidFill>
+          <a:schemeClr val="tx1">
+            <a:lumMod val="35000"/>
+            <a:lumOff val="65000"/>
+          </a:schemeClr>
+        </a:solidFill>
+        <a:round/>
+      </a:ln>
+    </cs:spPr>
+  </cs:dropLine>
+  <cs:errorBar>
+    <cs:lnRef idx="0"/>
+    <cs:fillRef idx="0"/>
+    <cs:effectRef idx="0"/>
+    <cs:fontRef idx="minor">
+      <a:schemeClr val="tx1"/>
+    </cs:fontRef>
+    <cs:spPr>
+      <a:ln w="9525" cap="flat" cmpd="sng" algn="ctr">
+        <a:solidFill>
+          <a:schemeClr val="tx1">
+            <a:lumMod val="65000"/>
+            <a:lumOff val="35000"/>
+          </a:schemeClr>
+        </a:solidFill>
+        <a:round/>
+      </a:ln>
+    </cs:spPr>
+  </cs:errorBar>
+  <cs:floor>
+    <cs:lnRef idx="0"/>
+    <cs:fillRef idx="0"/>
+    <cs:effectRef idx="0"/>
+    <cs:fontRef idx="minor">
+      <a:schemeClr val="lt1"/>
+    </cs:fontRef>
+  </cs:floor>
+  <cs:gridlineMajor>
+    <cs:lnRef idx="0"/>
+    <cs:fillRef idx="0"/>
+    <cs:effectRef idx="0"/>
+    <cs:fontRef idx="minor">
+      <a:schemeClr val="tx1"/>
+    </cs:fontRef>
+    <cs:spPr>
+      <a:ln w="9525" cap="flat" cmpd="sng" algn="ctr">
+        <a:solidFill>
+          <a:schemeClr val="tx1">
+            <a:lumMod val="15000"/>
+            <a:lumOff val="85000"/>
+          </a:schemeClr>
+        </a:solidFill>
+        <a:round/>
+      </a:ln>
+    </cs:spPr>
+  </cs:gridlineMajor>
+  <cs:gridlineMinor>
+    <cs:lnRef idx="0"/>
+    <cs:fillRef idx="0"/>
+    <cs:effectRef idx="0"/>
+    <cs:fontRef idx="minor">
+      <a:schemeClr val="tx1"/>
+    </cs:fontRef>
+    <cs:spPr>
+      <a:ln w="9525" cap="flat" cmpd="sng" algn="ctr">
+        <a:solidFill>
+          <a:schemeClr val="tx1">
+            <a:lumMod val="5000"/>
+            <a:lumOff val="95000"/>
+          </a:schemeClr>
+        </a:solidFill>
+        <a:round/>
+      </a:ln>
+    </cs:spPr>
+  </cs:gridlineMinor>
+  <cs:hiLoLine>
+    <cs:lnRef idx="0"/>
+    <cs:fillRef idx="0"/>
+    <cs:effectRef idx="0"/>
+    <cs:fontRef idx="minor">
+      <a:schemeClr val="tx1"/>
+    </cs:fontRef>
+    <cs:spPr>
+      <a:ln w="9525" cap="flat" cmpd="sng" algn="ctr">
+        <a:solidFill>
+          <a:schemeClr val="tx1">
+            <a:lumMod val="75000"/>
+            <a:lumOff val="25000"/>
+          </a:schemeClr>
+        </a:solidFill>
+        <a:round/>
+      </a:ln>
+    </cs:spPr>
+  </cs:hiLoLine>
+  <cs:leaderLine>
+    <cs:lnRef idx="0"/>
+    <cs:fillRef idx="0"/>
+    <cs:effectRef idx="0"/>
+    <cs:fontRef idx="minor">
+      <a:schemeClr val="tx1"/>
+    </cs:fontRef>
+    <cs:spPr>
+      <a:ln w="9525" cap="flat" cmpd="sng" algn="ctr">
+        <a:solidFill>
+          <a:schemeClr val="tx1">
+            <a:lumMod val="35000"/>
+            <a:lumOff val="65000"/>
+          </a:schemeClr>
+        </a:solidFill>
+        <a:round/>
+      </a:ln>
+    </cs:spPr>
+  </cs:leaderLine>
+  <cs:legend>
+    <cs:lnRef idx="0"/>
+    <cs:fillRef idx="0"/>
+    <cs:effectRef idx="0"/>
+    <cs:fontRef idx="minor">
+      <a:schemeClr val="tx1">
+        <a:lumMod val="65000"/>
+        <a:lumOff val="35000"/>
+      </a:schemeClr>
+    </cs:fontRef>
+    <cs:defRPr sz="1197" kern="1200"/>
+  </cs:legend>
+  <cs:plotArea>
+    <cs:lnRef idx="0"/>
+    <cs:fillRef idx="0"/>
+    <cs:effectRef idx="0"/>
+    <cs:fontRef idx="minor">
+      <a:schemeClr val="lt1"/>
+    </cs:fontRef>
+  </cs:plotArea>
+  <cs:plotArea3D>
+    <cs:lnRef idx="0"/>
+    <cs:fillRef idx="0"/>
+    <cs:effectRef idx="0"/>
+    <cs:fontRef idx="minor">
+      <a:schemeClr val="lt1"/>
+    </cs:fontRef>
+  </cs:plotArea3D>
+  <cs:seriesAxis>
+    <cs:lnRef idx="0"/>
+    <cs:fillRef idx="0"/>
+    <cs:effectRef idx="0"/>
+    <cs:fontRef idx="minor">
+      <a:schemeClr val="tx1">
+        <a:lumMod val="65000"/>
+        <a:lumOff val="35000"/>
+      </a:schemeClr>
+    </cs:fontRef>
+    <cs:spPr>
+      <a:ln w="12700" cap="flat" cmpd="sng" algn="ctr">
+        <a:solidFill>
+          <a:schemeClr val="tx1">
+            <a:lumMod val="15000"/>
+            <a:lumOff val="85000"/>
+          </a:schemeClr>
+        </a:solidFill>
+        <a:round/>
+      </a:ln>
+    </cs:spPr>
+    <cs:defRPr sz="1197" kern="1200"/>
+  </cs:seriesAxis>
+  <cs:seriesLine>
+    <cs:lnRef idx="0"/>
+    <cs:fillRef idx="0"/>
+    <cs:effectRef idx="0"/>
+    <cs:fontRef idx="minor">
+      <a:schemeClr val="tx1"/>
+    </cs:fontRef>
+    <cs:spPr>
+      <a:ln w="9525" cap="flat" cmpd="sng" algn="ctr">
+        <a:solidFill>
+          <a:schemeClr val="tx1">
+            <a:lumMod val="35000"/>
+            <a:lumOff val="65000"/>
+          </a:schemeClr>
+        </a:solidFill>
+        <a:round/>
+      </a:ln>
+    </cs:spPr>
+  </cs:seriesLine>
+  <cs:title>
+    <cs:lnRef idx="0"/>
+    <cs:fillRef idx="0"/>
+    <cs:effectRef idx="0"/>
+    <cs:fontRef idx="minor">
+      <a:schemeClr val="tx1">
+        <a:lumMod val="65000"/>
+        <a:lumOff val="35000"/>
+      </a:schemeClr>
+    </cs:fontRef>
+    <cs:defRPr sz="2128" b="1" kern="1200" baseline="0"/>
+  </cs:title>
+  <cs:trendline>
+    <cs:lnRef idx="0">
+      <cs:styleClr val="auto"/>
+    </cs:lnRef>
+    <cs:fillRef idx="0"/>
+    <cs:effectRef idx="0"/>
+    <cs:fontRef idx="minor">
+      <a:schemeClr val="lt1"/>
+    </cs:fontRef>
+    <cs:spPr>
+      <a:ln w="19050" cap="rnd">
+        <a:solidFill>
+          <a:schemeClr val="phClr"/>
+        </a:solidFill>
+      </a:ln>
+    </cs:spPr>
+  </cs:trendline>
+  <cs:trendlineLabel>
+    <cs:lnRef idx="0"/>
+    <cs:fillRef idx="0"/>
+    <cs:effectRef idx="0"/>
+    <cs:fontRef idx="minor">
+      <a:schemeClr val="tx1">
+        <a:lumMod val="65000"/>
+        <a:lumOff val="35000"/>
+      </a:schemeClr>
+    </cs:fontRef>
+    <cs:defRPr sz="1197" kern="1200"/>
+  </cs:trendlineLabel>
+  <cs:upBar>
+    <cs:lnRef idx="0"/>
+    <cs:fillRef idx="0"/>
+    <cs:effectRef idx="0"/>
+    <cs:fontRef idx="minor">
+      <a:schemeClr val="dk1"/>
+    </cs:fontRef>
+    <cs:spPr>
+      <a:solidFill>
+        <a:schemeClr val="lt1"/>
+      </a:solidFill>
+      <a:ln w="9525">
+        <a:solidFill>
+          <a:schemeClr val="tx1">
+            <a:lumMod val="15000"/>
+            <a:lumOff val="85000"/>
+          </a:schemeClr>
+        </a:solidFill>
+      </a:ln>
+    </cs:spPr>
+  </cs:upBar>
+  <cs:valueAxis>
+    <cs:lnRef idx="0"/>
+    <cs:fillRef idx="0"/>
+    <cs:effectRef idx="0"/>
+    <cs:fontRef idx="minor">
+      <a:schemeClr val="tx1">
+        <a:lumMod val="65000"/>
+        <a:lumOff val="35000"/>
+      </a:schemeClr>
+    </cs:fontRef>
+    <cs:defRPr sz="1197" kern="1200"/>
+  </cs:valueAxis>
+  <cs:wall>
+    <cs:lnRef idx="0"/>
+    <cs:fillRef idx="0"/>
+    <cs:effectRef idx="0"/>
+    <cs:fontRef idx="minor">
+      <a:schemeClr val="lt1"/>
+    </cs:fontRef>
+  </cs:wall>
+</cs:chartStyle>
 </file>
 
 <file path=ppt/notesMasters/notesMaster1.xml><?xml version="1.0" encoding="utf-8"?>
@@ -911,7 +7512,7 @@
         </p:nvSpPr>
         <p:spPr>
           <a:xfrm>
-            <a:off x="381300" y="685800"/>
+            <a:off x="381000" y="685800"/>
             <a:ext cx="6096000" cy="3429000"/>
           </a:xfrm>
           <a:custGeom>
@@ -1015,7 +7616,7 @@
         </p:nvSpPr>
         <p:spPr>
           <a:xfrm>
-            <a:off x="381300" y="685800"/>
+            <a:off x="381000" y="685800"/>
             <a:ext cx="6096000" cy="3429000"/>
           </a:xfrm>
           <a:custGeom>
@@ -1091,6 +7692,214 @@
 </file>
 
 <file path=ppt/notesSlides/notesSlide14.xml><?xml version="1.0" encoding="utf-8"?>
+<p:notes xmlns:a="http://schemas.openxmlformats.org/drawingml/2006/main" xmlns:r="http://schemas.openxmlformats.org/officeDocument/2006/relationships" xmlns:p="http://schemas.openxmlformats.org/presentationml/2006/main" showMasterSp="0" showMasterPhAnim="0">
+  <p:cSld>
+    <p:spTree>
+      <p:nvGrpSpPr>
+        <p:cNvPr id="1" name="Shape 272"/>
+        <p:cNvGrpSpPr/>
+        <p:nvPr/>
+      </p:nvGrpSpPr>
+      <p:grpSpPr>
+        <a:xfrm>
+          <a:off x="0" y="0"/>
+          <a:ext cx="0" cy="0"/>
+          <a:chOff x="0" y="0"/>
+          <a:chExt cx="0" cy="0"/>
+        </a:xfrm>
+      </p:grpSpPr>
+      <p:sp>
+        <p:nvSpPr>
+          <p:cNvPr id="273" name="Shape 273"/>
+          <p:cNvSpPr>
+            <a:spLocks noGrp="1" noRot="1" noChangeAspect="1"/>
+          </p:cNvSpPr>
+          <p:nvPr>
+            <p:ph type="sldImg" idx="2"/>
+          </p:nvPr>
+        </p:nvSpPr>
+        <p:spPr>
+          <a:xfrm>
+            <a:off x="381000" y="685800"/>
+            <a:ext cx="6096000" cy="3429000"/>
+          </a:xfrm>
+          <a:custGeom>
+            <a:avLst/>
+            <a:gdLst/>
+            <a:ahLst/>
+            <a:cxnLst/>
+            <a:rect l="0" t="0" r="0" b="0"/>
+            <a:pathLst>
+              <a:path w="120000" h="120000" extrusionOk="0">
+                <a:moveTo>
+                  <a:pt x="0" y="0"/>
+                </a:moveTo>
+                <a:lnTo>
+                  <a:pt x="120000" y="0"/>
+                </a:lnTo>
+                <a:lnTo>
+                  <a:pt x="120000" y="120000"/>
+                </a:lnTo>
+                <a:lnTo>
+                  <a:pt x="0" y="120000"/>
+                </a:lnTo>
+                <a:close/>
+              </a:path>
+            </a:pathLst>
+          </a:custGeom>
+        </p:spPr>
+      </p:sp>
+      <p:sp>
+        <p:nvSpPr>
+          <p:cNvPr id="274" name="Shape 274"/>
+          <p:cNvSpPr txBox="1">
+            <a:spLocks noGrp="1"/>
+          </p:cNvSpPr>
+          <p:nvPr>
+            <p:ph type="body" idx="1"/>
+          </p:nvPr>
+        </p:nvSpPr>
+        <p:spPr>
+          <a:xfrm>
+            <a:off x="685800" y="4343400"/>
+            <a:ext cx="5486400" cy="4114800"/>
+          </a:xfrm>
+          <a:prstGeom prst="rect">
+            <a:avLst/>
+          </a:prstGeom>
+        </p:spPr>
+        <p:txBody>
+          <a:bodyPr wrap="square" lIns="91425" tIns="91425" rIns="91425" bIns="91425" anchor="t" anchorCtr="0">
+            <a:noAutofit/>
+          </a:bodyPr>
+          <a:lstStyle/>
+          <a:p>
+            <a:pPr lvl="0">
+              <a:spcBef>
+                <a:spcPts val="0"/>
+              </a:spcBef>
+              <a:buNone/>
+            </a:pPr>
+            <a:r>
+              <a:rPr lang="en"/>
+              <a:t>Separate the programming tasks from the non-programming tasks. For programming tasks, show us the task allocation as well as the hours spent by each team member.</a:t>
+            </a:r>
+          </a:p>
+        </p:txBody>
+      </p:sp>
+    </p:spTree>
+  </p:cSld>
+  <p:clrMapOvr>
+    <a:masterClrMapping/>
+  </p:clrMapOvr>
+</p:notes>
+</file>
+
+<file path=ppt/notesSlides/notesSlide15.xml><?xml version="1.0" encoding="utf-8"?>
+<p:notes xmlns:a="http://schemas.openxmlformats.org/drawingml/2006/main" xmlns:r="http://schemas.openxmlformats.org/officeDocument/2006/relationships" xmlns:p="http://schemas.openxmlformats.org/presentationml/2006/main" showMasterSp="0" showMasterPhAnim="0">
+  <p:cSld>
+    <p:spTree>
+      <p:nvGrpSpPr>
+        <p:cNvPr id="1" name="Shape 278"/>
+        <p:cNvGrpSpPr/>
+        <p:nvPr/>
+      </p:nvGrpSpPr>
+      <p:grpSpPr>
+        <a:xfrm>
+          <a:off x="0" y="0"/>
+          <a:ext cx="0" cy="0"/>
+          <a:chOff x="0" y="0"/>
+          <a:chExt cx="0" cy="0"/>
+        </a:xfrm>
+      </p:grpSpPr>
+      <p:sp>
+        <p:nvSpPr>
+          <p:cNvPr id="279" name="Shape 279"/>
+          <p:cNvSpPr>
+            <a:spLocks noGrp="1" noRot="1" noChangeAspect="1"/>
+          </p:cNvSpPr>
+          <p:nvPr>
+            <p:ph type="sldImg" idx="2"/>
+          </p:nvPr>
+        </p:nvSpPr>
+        <p:spPr>
+          <a:xfrm>
+            <a:off x="381000" y="685800"/>
+            <a:ext cx="6096000" cy="3429000"/>
+          </a:xfrm>
+          <a:custGeom>
+            <a:avLst/>
+            <a:gdLst/>
+            <a:ahLst/>
+            <a:cxnLst/>
+            <a:rect l="0" t="0" r="0" b="0"/>
+            <a:pathLst>
+              <a:path w="120000" h="120000" extrusionOk="0">
+                <a:moveTo>
+                  <a:pt x="0" y="0"/>
+                </a:moveTo>
+                <a:lnTo>
+                  <a:pt x="120000" y="0"/>
+                </a:lnTo>
+                <a:lnTo>
+                  <a:pt x="120000" y="120000"/>
+                </a:lnTo>
+                <a:lnTo>
+                  <a:pt x="0" y="120000"/>
+                </a:lnTo>
+                <a:close/>
+              </a:path>
+            </a:pathLst>
+          </a:custGeom>
+        </p:spPr>
+      </p:sp>
+      <p:sp>
+        <p:nvSpPr>
+          <p:cNvPr id="280" name="Shape 280"/>
+          <p:cNvSpPr txBox="1">
+            <a:spLocks noGrp="1"/>
+          </p:cNvSpPr>
+          <p:nvPr>
+            <p:ph type="body" idx="1"/>
+          </p:nvPr>
+        </p:nvSpPr>
+        <p:spPr>
+          <a:xfrm>
+            <a:off x="685800" y="4343400"/>
+            <a:ext cx="5486400" cy="4114800"/>
+          </a:xfrm>
+          <a:prstGeom prst="rect">
+            <a:avLst/>
+          </a:prstGeom>
+        </p:spPr>
+        <p:txBody>
+          <a:bodyPr wrap="square" lIns="91425" tIns="91425" rIns="91425" bIns="91425" anchor="t" anchorCtr="0">
+            <a:noAutofit/>
+          </a:bodyPr>
+          <a:lstStyle/>
+          <a:p>
+            <a:pPr lvl="0" rtl="0">
+              <a:spcBef>
+                <a:spcPts val="0"/>
+              </a:spcBef>
+              <a:buNone/>
+            </a:pPr>
+            <a:r>
+              <a:rPr lang="en"/>
+              <a:t>Separate the programming tasks from the non-programming tasks. For programming tasks, show us the task allocation as well as the hours spent by each team member.</a:t>
+            </a:r>
+          </a:p>
+        </p:txBody>
+      </p:sp>
+    </p:spTree>
+  </p:cSld>
+  <p:clrMapOvr>
+    <a:masterClrMapping/>
+  </p:clrMapOvr>
+</p:notes>
+</file>
+
+<file path=ppt/notesSlides/notesSlide16.xml><?xml version="1.0" encoding="utf-8"?>
 <p:notes xmlns:a="http://schemas.openxmlformats.org/drawingml/2006/main" xmlns:r="http://schemas.openxmlformats.org/officeDocument/2006/relationships" xmlns:p="http://schemas.openxmlformats.org/presentationml/2006/main" showMasterSp="0" showMasterPhAnim="0">
   <p:cSld>
     <p:spTree>
@@ -1191,214 +8000,6 @@
 </p:notes>
 </file>
 
-<file path=ppt/notesSlides/notesSlide15.xml><?xml version="1.0" encoding="utf-8"?>
-<p:notes xmlns:a="http://schemas.openxmlformats.org/drawingml/2006/main" xmlns:r="http://schemas.openxmlformats.org/officeDocument/2006/relationships" xmlns:p="http://schemas.openxmlformats.org/presentationml/2006/main" showMasterSp="0" showMasterPhAnim="0">
-  <p:cSld>
-    <p:spTree>
-      <p:nvGrpSpPr>
-        <p:cNvPr id="1" name="Shape 272"/>
-        <p:cNvGrpSpPr/>
-        <p:nvPr/>
-      </p:nvGrpSpPr>
-      <p:grpSpPr>
-        <a:xfrm>
-          <a:off x="0" y="0"/>
-          <a:ext cx="0" cy="0"/>
-          <a:chOff x="0" y="0"/>
-          <a:chExt cx="0" cy="0"/>
-        </a:xfrm>
-      </p:grpSpPr>
-      <p:sp>
-        <p:nvSpPr>
-          <p:cNvPr id="273" name="Shape 273"/>
-          <p:cNvSpPr>
-            <a:spLocks noGrp="1" noRot="1" noChangeAspect="1"/>
-          </p:cNvSpPr>
-          <p:nvPr>
-            <p:ph type="sldImg" idx="2"/>
-          </p:nvPr>
-        </p:nvSpPr>
-        <p:spPr>
-          <a:xfrm>
-            <a:off x="381300" y="685800"/>
-            <a:ext cx="6096000" cy="3429000"/>
-          </a:xfrm>
-          <a:custGeom>
-            <a:avLst/>
-            <a:gdLst/>
-            <a:ahLst/>
-            <a:cxnLst/>
-            <a:rect l="0" t="0" r="0" b="0"/>
-            <a:pathLst>
-              <a:path w="120000" h="120000" extrusionOk="0">
-                <a:moveTo>
-                  <a:pt x="0" y="0"/>
-                </a:moveTo>
-                <a:lnTo>
-                  <a:pt x="120000" y="0"/>
-                </a:lnTo>
-                <a:lnTo>
-                  <a:pt x="120000" y="120000"/>
-                </a:lnTo>
-                <a:lnTo>
-                  <a:pt x="0" y="120000"/>
-                </a:lnTo>
-                <a:close/>
-              </a:path>
-            </a:pathLst>
-          </a:custGeom>
-        </p:spPr>
-      </p:sp>
-      <p:sp>
-        <p:nvSpPr>
-          <p:cNvPr id="274" name="Shape 274"/>
-          <p:cNvSpPr txBox="1">
-            <a:spLocks noGrp="1"/>
-          </p:cNvSpPr>
-          <p:nvPr>
-            <p:ph type="body" idx="1"/>
-          </p:nvPr>
-        </p:nvSpPr>
-        <p:spPr>
-          <a:xfrm>
-            <a:off x="685800" y="4343400"/>
-            <a:ext cx="5486400" cy="4114800"/>
-          </a:xfrm>
-          <a:prstGeom prst="rect">
-            <a:avLst/>
-          </a:prstGeom>
-        </p:spPr>
-        <p:txBody>
-          <a:bodyPr wrap="square" lIns="91425" tIns="91425" rIns="91425" bIns="91425" anchor="t" anchorCtr="0">
-            <a:noAutofit/>
-          </a:bodyPr>
-          <a:lstStyle/>
-          <a:p>
-            <a:pPr lvl="0">
-              <a:spcBef>
-                <a:spcPts val="0"/>
-              </a:spcBef>
-              <a:buNone/>
-            </a:pPr>
-            <a:r>
-              <a:rPr lang="en"/>
-              <a:t>Separate the programming tasks from the non-programming tasks. For programming tasks, show us the task allocation as well as the hours spent by each team member.</a:t>
-            </a:r>
-          </a:p>
-        </p:txBody>
-      </p:sp>
-    </p:spTree>
-  </p:cSld>
-  <p:clrMapOvr>
-    <a:masterClrMapping/>
-  </p:clrMapOvr>
-</p:notes>
-</file>
-
-<file path=ppt/notesSlides/notesSlide16.xml><?xml version="1.0" encoding="utf-8"?>
-<p:notes xmlns:a="http://schemas.openxmlformats.org/drawingml/2006/main" xmlns:r="http://schemas.openxmlformats.org/officeDocument/2006/relationships" xmlns:p="http://schemas.openxmlformats.org/presentationml/2006/main" showMasterSp="0" showMasterPhAnim="0">
-  <p:cSld>
-    <p:spTree>
-      <p:nvGrpSpPr>
-        <p:cNvPr id="1" name="Shape 278"/>
-        <p:cNvGrpSpPr/>
-        <p:nvPr/>
-      </p:nvGrpSpPr>
-      <p:grpSpPr>
-        <a:xfrm>
-          <a:off x="0" y="0"/>
-          <a:ext cx="0" cy="0"/>
-          <a:chOff x="0" y="0"/>
-          <a:chExt cx="0" cy="0"/>
-        </a:xfrm>
-      </p:grpSpPr>
-      <p:sp>
-        <p:nvSpPr>
-          <p:cNvPr id="279" name="Shape 279"/>
-          <p:cNvSpPr>
-            <a:spLocks noGrp="1" noRot="1" noChangeAspect="1"/>
-          </p:cNvSpPr>
-          <p:nvPr>
-            <p:ph type="sldImg" idx="2"/>
-          </p:nvPr>
-        </p:nvSpPr>
-        <p:spPr>
-          <a:xfrm>
-            <a:off x="381300" y="685800"/>
-            <a:ext cx="6096000" cy="3429000"/>
-          </a:xfrm>
-          <a:custGeom>
-            <a:avLst/>
-            <a:gdLst/>
-            <a:ahLst/>
-            <a:cxnLst/>
-            <a:rect l="0" t="0" r="0" b="0"/>
-            <a:pathLst>
-              <a:path w="120000" h="120000" extrusionOk="0">
-                <a:moveTo>
-                  <a:pt x="0" y="0"/>
-                </a:moveTo>
-                <a:lnTo>
-                  <a:pt x="120000" y="0"/>
-                </a:lnTo>
-                <a:lnTo>
-                  <a:pt x="120000" y="120000"/>
-                </a:lnTo>
-                <a:lnTo>
-                  <a:pt x="0" y="120000"/>
-                </a:lnTo>
-                <a:close/>
-              </a:path>
-            </a:pathLst>
-          </a:custGeom>
-        </p:spPr>
-      </p:sp>
-      <p:sp>
-        <p:nvSpPr>
-          <p:cNvPr id="280" name="Shape 280"/>
-          <p:cNvSpPr txBox="1">
-            <a:spLocks noGrp="1"/>
-          </p:cNvSpPr>
-          <p:nvPr>
-            <p:ph type="body" idx="1"/>
-          </p:nvPr>
-        </p:nvSpPr>
-        <p:spPr>
-          <a:xfrm>
-            <a:off x="685800" y="4343400"/>
-            <a:ext cx="5486400" cy="4114800"/>
-          </a:xfrm>
-          <a:prstGeom prst="rect">
-            <a:avLst/>
-          </a:prstGeom>
-        </p:spPr>
-        <p:txBody>
-          <a:bodyPr wrap="square" lIns="91425" tIns="91425" rIns="91425" bIns="91425" anchor="t" anchorCtr="0">
-            <a:noAutofit/>
-          </a:bodyPr>
-          <a:lstStyle/>
-          <a:p>
-            <a:pPr lvl="0" rtl="0">
-              <a:spcBef>
-                <a:spcPts val="0"/>
-              </a:spcBef>
-              <a:buNone/>
-            </a:pPr>
-            <a:r>
-              <a:rPr lang="en"/>
-              <a:t>Separate the programming tasks from the non-programming tasks. For programming tasks, show us the task allocation as well as the hours spent by each team member.</a:t>
-            </a:r>
-          </a:p>
-        </p:txBody>
-      </p:sp>
-    </p:spTree>
-  </p:cSld>
-  <p:clrMapOvr>
-    <a:masterClrMapping/>
-  </p:clrMapOvr>
-</p:notes>
-</file>
-
 <file path=ppt/notesSlides/notesSlide17.xml><?xml version="1.0" encoding="utf-8"?>
 <p:notes xmlns:a="http://schemas.openxmlformats.org/drawingml/2006/main" xmlns:r="http://schemas.openxmlformats.org/officeDocument/2006/relationships" xmlns:p="http://schemas.openxmlformats.org/presentationml/2006/main" showMasterSp="0" showMasterPhAnim="0">
   <p:cSld>
@@ -1428,7 +8029,7 @@
         </p:nvSpPr>
         <p:spPr>
           <a:xfrm>
-            <a:off x="381300" y="685800"/>
+            <a:off x="381000" y="685800"/>
             <a:ext cx="6096000" cy="3429000"/>
           </a:xfrm>
           <a:custGeom>
@@ -1884,7 +8485,7 @@
         </p:nvSpPr>
         <p:spPr>
           <a:xfrm>
-            <a:off x="381300" y="685800"/>
+            <a:off x="381000" y="685800"/>
             <a:ext cx="6096000" cy="3429000"/>
           </a:xfrm>
           <a:custGeom>
@@ -1985,7 +8586,7 @@
         </p:nvSpPr>
         <p:spPr>
           <a:xfrm>
-            <a:off x="381300" y="685800"/>
+            <a:off x="381000" y="685800"/>
             <a:ext cx="6096000" cy="3429000"/>
           </a:xfrm>
           <a:custGeom>
@@ -2358,7 +8959,7 @@
         </p:nvSpPr>
         <p:spPr>
           <a:xfrm>
-            <a:off x="381300" y="685800"/>
+            <a:off x="381000" y="685800"/>
             <a:ext cx="6096000" cy="3429000"/>
           </a:xfrm>
           <a:custGeom>
@@ -2595,7 +9196,7 @@
         </p:nvSpPr>
         <p:spPr>
           <a:xfrm>
-            <a:off x="381300" y="685800"/>
+            <a:off x="381000" y="685800"/>
             <a:ext cx="6096000" cy="3429000"/>
           </a:xfrm>
           <a:custGeom>
@@ -2699,7 +9300,7 @@
         </p:nvSpPr>
         <p:spPr>
           <a:xfrm>
-            <a:off x="381300" y="685800"/>
+            <a:off x="381000" y="685800"/>
             <a:ext cx="6096000" cy="3429000"/>
           </a:xfrm>
           <a:custGeom>
@@ -3027,7 +9628,7 @@
         </p:nvSpPr>
         <p:spPr>
           <a:xfrm>
-            <a:off x="381300" y="685800"/>
+            <a:off x="381000" y="685800"/>
             <a:ext cx="6096000" cy="3429000"/>
           </a:xfrm>
           <a:custGeom>
@@ -3163,7 +9764,7 @@
         </p:nvSpPr>
         <p:spPr>
           <a:xfrm>
-            <a:off x="381300" y="685800"/>
+            <a:off x="381000" y="685800"/>
             <a:ext cx="6096000" cy="3429000"/>
           </a:xfrm>
           <a:custGeom>
@@ -3267,7 +9868,7 @@
         </p:nvSpPr>
         <p:spPr>
           <a:xfrm>
-            <a:off x="381300" y="685800"/>
+            <a:off x="381000" y="685800"/>
             <a:ext cx="6096000" cy="3429000"/>
           </a:xfrm>
           <a:custGeom>
@@ -3504,7 +10105,7 @@
         </p:nvSpPr>
         <p:spPr>
           <a:xfrm>
-            <a:off x="381300" y="685800"/>
+            <a:off x="381000" y="685800"/>
             <a:ext cx="6096000" cy="3429000"/>
           </a:xfrm>
           <a:custGeom>
@@ -3605,7 +10206,7 @@
         </p:nvSpPr>
         <p:spPr>
           <a:xfrm>
-            <a:off x="381300" y="685800"/>
+            <a:off x="381000" y="685800"/>
             <a:ext cx="6096000" cy="3429000"/>
           </a:xfrm>
           <a:custGeom>
@@ -3727,7 +10328,7 @@
         </p:nvSpPr>
         <p:spPr>
           <a:xfrm>
-            <a:off x="381300" y="685800"/>
+            <a:off x="381000" y="685800"/>
             <a:ext cx="6096000" cy="3429000"/>
           </a:xfrm>
           <a:custGeom>
@@ -8686,33 +15287,36 @@
           </a:p>
         </p:txBody>
       </p:sp>
-      <p:pic>
-        <p:nvPicPr>
-          <p:cNvPr id="259" name="Shape 259"/>
-          <p:cNvPicPr preferRelativeResize="0"/>
-          <p:nvPr/>
-        </p:nvPicPr>
-        <p:blipFill rotWithShape="1">
-          <a:blip r:embed="rId3">
-            <a:alphaModFix/>
-          </a:blip>
-          <a:srcRect l="1701" t="1566" r="1614" b="2913"/>
-          <a:stretch/>
-        </p:blipFill>
-        <p:spPr>
-          <a:xfrm>
-            <a:off x="1536625" y="1117175"/>
-            <a:ext cx="6076000" cy="3606900"/>
-          </a:xfrm>
-          <a:prstGeom prst="rect">
-            <a:avLst/>
-          </a:prstGeom>
-          <a:noFill/>
-          <a:ln>
-            <a:noFill/>
-          </a:ln>
-        </p:spPr>
-      </p:pic>
+      <p:graphicFrame>
+        <p:nvGraphicFramePr>
+          <p:cNvPr id="5" name="Chart 4">
+            <a:extLst>
+              <a:ext uri="{FF2B5EF4-FFF2-40B4-BE49-F238E27FC236}">
+                <a16:creationId xmlns:a16="http://schemas.microsoft.com/office/drawing/2014/main" id="{F97FD826-8363-4B40-8939-44DD46D5B753}"/>
+              </a:ext>
+            </a:extLst>
+          </p:cNvPr>
+          <p:cNvGraphicFramePr>
+            <a:graphicFrameLocks/>
+          </p:cNvGraphicFramePr>
+          <p:nvPr>
+            <p:extLst>
+              <p:ext uri="{D42A27DB-BD31-4B8C-83A1-F6EECF244321}">
+                <p14:modId xmlns:p14="http://schemas.microsoft.com/office/powerpoint/2010/main" val="2682856845"/>
+              </p:ext>
+            </p:extLst>
+          </p:nvPr>
+        </p:nvGraphicFramePr>
+        <p:xfrm>
+          <a:off x="908978" y="1058225"/>
+          <a:ext cx="7326044" cy="3730625"/>
+        </p:xfrm>
+        <a:graphic>
+          <a:graphicData uri="http://schemas.openxmlformats.org/drawingml/2006/chart">
+            <c:chart xmlns:c="http://schemas.openxmlformats.org/drawingml/2006/chart" xmlns:r="http://schemas.openxmlformats.org/officeDocument/2006/relationships" r:id="rId3"/>
+          </a:graphicData>
+        </a:graphic>
+      </p:graphicFrame>
     </p:spTree>
   </p:cSld>
   <p:clrMapOvr>
@@ -8776,33 +15380,36 @@
           </a:p>
         </p:txBody>
       </p:sp>
-      <p:pic>
-        <p:nvPicPr>
-          <p:cNvPr id="265" name="Shape 265"/>
-          <p:cNvPicPr preferRelativeResize="0"/>
-          <p:nvPr/>
-        </p:nvPicPr>
-        <p:blipFill rotWithShape="1">
-          <a:blip r:embed="rId3">
-            <a:alphaModFix/>
-          </a:blip>
-          <a:srcRect l="648" t="1893" r="1139" b="1478"/>
-          <a:stretch/>
-        </p:blipFill>
-        <p:spPr>
-          <a:xfrm>
-            <a:off x="1496125" y="1281400"/>
-            <a:ext cx="6081325" cy="3618625"/>
-          </a:xfrm>
-          <a:prstGeom prst="rect">
-            <a:avLst/>
-          </a:prstGeom>
-          <a:noFill/>
-          <a:ln>
-            <a:noFill/>
-          </a:ln>
-        </p:spPr>
-      </p:pic>
+      <p:graphicFrame>
+        <p:nvGraphicFramePr>
+          <p:cNvPr id="4" name="Chart 3">
+            <a:extLst>
+              <a:ext uri="{FF2B5EF4-FFF2-40B4-BE49-F238E27FC236}">
+                <a16:creationId xmlns:a16="http://schemas.microsoft.com/office/drawing/2014/main" id="{9124FBDF-8893-44BC-AED2-F5653035008B}"/>
+              </a:ext>
+            </a:extLst>
+          </p:cNvPr>
+          <p:cNvGraphicFramePr>
+            <a:graphicFrameLocks/>
+          </p:cNvGraphicFramePr>
+          <p:nvPr>
+            <p:extLst>
+              <p:ext uri="{D42A27DB-BD31-4B8C-83A1-F6EECF244321}">
+                <p14:modId xmlns:p14="http://schemas.microsoft.com/office/powerpoint/2010/main" val="2278687722"/>
+              </p:ext>
+            </p:extLst>
+          </p:nvPr>
+        </p:nvGraphicFramePr>
+        <p:xfrm>
+          <a:off x="1146517" y="1238230"/>
+          <a:ext cx="6850966" cy="3720632"/>
+        </p:xfrm>
+        <a:graphic>
+          <a:graphicData uri="http://schemas.openxmlformats.org/drawingml/2006/chart">
+            <c:chart xmlns:c="http://schemas.openxmlformats.org/drawingml/2006/chart" xmlns:r="http://schemas.openxmlformats.org/officeDocument/2006/relationships" r:id="rId3"/>
+          </a:graphicData>
+        </a:graphic>
+      </p:graphicFrame>
     </p:spTree>
   </p:cSld>
   <p:clrMapOvr>
@@ -8812,152 +15419,6 @@
 </file>
 
 <file path=ppt/slides/slide14.xml><?xml version="1.0" encoding="utf-8"?>
-<p:sld xmlns:a="http://schemas.openxmlformats.org/drawingml/2006/main" xmlns:r="http://schemas.openxmlformats.org/officeDocument/2006/relationships" xmlns:p="http://schemas.openxmlformats.org/presentationml/2006/main">
-  <p:cSld>
-    <p:spTree>
-      <p:nvGrpSpPr>
-        <p:cNvPr id="1" name="Shape 269"/>
-        <p:cNvGrpSpPr/>
-        <p:nvPr/>
-      </p:nvGrpSpPr>
-      <p:grpSpPr>
-        <a:xfrm>
-          <a:off x="0" y="0"/>
-          <a:ext cx="0" cy="0"/>
-          <a:chOff x="0" y="0"/>
-          <a:chExt cx="0" cy="0"/>
-        </a:xfrm>
-      </p:grpSpPr>
-      <p:sp>
-        <p:nvSpPr>
-          <p:cNvPr id="270" name="Shape 270"/>
-          <p:cNvSpPr txBox="1">
-            <a:spLocks noGrp="1"/>
-          </p:cNvSpPr>
-          <p:nvPr>
-            <p:ph type="title"/>
-          </p:nvPr>
-        </p:nvSpPr>
-        <p:spPr>
-          <a:xfrm>
-            <a:off x="311700" y="445025"/>
-            <a:ext cx="8520600" cy="613200"/>
-          </a:xfrm>
-          <a:prstGeom prst="rect">
-            <a:avLst/>
-          </a:prstGeom>
-        </p:spPr>
-        <p:txBody>
-          <a:bodyPr wrap="square" lIns="91425" tIns="91425" rIns="91425" bIns="91425" anchor="t" anchorCtr="0">
-            <a:noAutofit/>
-          </a:bodyPr>
-          <a:lstStyle/>
-          <a:p>
-            <a:pPr lvl="0">
-              <a:spcBef>
-                <a:spcPts val="0"/>
-              </a:spcBef>
-              <a:buNone/>
-            </a:pPr>
-            <a:r>
-              <a:rPr lang="en" b="1"/>
-              <a:t>Fair Work Allocation</a:t>
-            </a:r>
-          </a:p>
-        </p:txBody>
-      </p:sp>
-      <p:sp>
-        <p:nvSpPr>
-          <p:cNvPr id="271" name="Shape 271"/>
-          <p:cNvSpPr txBox="1">
-            <a:spLocks noGrp="1"/>
-          </p:cNvSpPr>
-          <p:nvPr>
-            <p:ph type="body" idx="1"/>
-          </p:nvPr>
-        </p:nvSpPr>
-        <p:spPr>
-          <a:xfrm>
-            <a:off x="311700" y="1171600"/>
-            <a:ext cx="8520600" cy="3397200"/>
-          </a:xfrm>
-          <a:prstGeom prst="rect">
-            <a:avLst/>
-          </a:prstGeom>
-        </p:spPr>
-        <p:txBody>
-          <a:bodyPr wrap="square" lIns="91425" tIns="91425" rIns="91425" bIns="91425" anchor="t" anchorCtr="0">
-            <a:noAutofit/>
-          </a:bodyPr>
-          <a:lstStyle/>
-          <a:p>
-            <a:pPr lvl="0" rtl="0">
-              <a:spcBef>
-                <a:spcPts val="0"/>
-              </a:spcBef>
-              <a:buNone/>
-            </a:pPr>
-            <a:r>
-              <a:rPr lang="en" sz="2400"/>
-              <a:t>Our team has allocated work fairly because:</a:t>
-            </a:r>
-          </a:p>
-          <a:p>
-            <a:pPr marL="914400" lvl="0" indent="-381000" rtl="0">
-              <a:spcBef>
-                <a:spcPts val="0"/>
-              </a:spcBef>
-              <a:spcAft>
-                <a:spcPts val="0"/>
-              </a:spcAft>
-              <a:buSzPct val="100000"/>
-              <a:buChar char="●"/>
-            </a:pPr>
-            <a:r>
-              <a:rPr lang="en" sz="2400"/>
-              <a:t>Everyone took the role as Project Manager </a:t>
-            </a:r>
-          </a:p>
-          <a:p>
-            <a:pPr marL="914400" lvl="0" indent="-381000" rtl="0">
-              <a:spcBef>
-                <a:spcPts val="0"/>
-              </a:spcBef>
-              <a:spcAft>
-                <a:spcPts val="0"/>
-              </a:spcAft>
-              <a:buSzPct val="100000"/>
-              <a:buChar char="●"/>
-            </a:pPr>
-            <a:r>
-              <a:rPr lang="en" sz="2400"/>
-              <a:t>Generally equal PP &amp; Non-PP hours for everyone</a:t>
-            </a:r>
-          </a:p>
-          <a:p>
-            <a:pPr marL="914400" lvl="0" indent="-381000" rtl="0">
-              <a:spcBef>
-                <a:spcPts val="0"/>
-              </a:spcBef>
-              <a:buSzPct val="100000"/>
-              <a:buChar char="●"/>
-            </a:pPr>
-            <a:r>
-              <a:rPr lang="en" sz="2400"/>
-              <a:t>Task allocation are equal in terms of time and difficulty</a:t>
-            </a:r>
-          </a:p>
-        </p:txBody>
-      </p:sp>
-    </p:spTree>
-  </p:cSld>
-  <p:clrMapOvr>
-    <a:masterClrMapping/>
-  </p:clrMapOvr>
-</p:sld>
-</file>
-
-<file path=ppt/slides/slide15.xml><?xml version="1.0" encoding="utf-8"?>
 <p:sld xmlns:a="http://schemas.openxmlformats.org/drawingml/2006/main" xmlns:r="http://schemas.openxmlformats.org/officeDocument/2006/relationships" xmlns:p="http://schemas.openxmlformats.org/presentationml/2006/main">
   <p:cSld>
     <p:spTree>
@@ -8978,7 +15439,13 @@
         <p:nvGraphicFramePr>
           <p:cNvPr id="276" name="Shape 276"/>
           <p:cNvGraphicFramePr/>
-          <p:nvPr/>
+          <p:nvPr>
+            <p:extLst>
+              <p:ext uri="{D42A27DB-BD31-4B8C-83A1-F6EECF244321}">
+                <p14:modId xmlns:p14="http://schemas.microsoft.com/office/powerpoint/2010/main" val="3661455953"/>
+              </p:ext>
+            </p:extLst>
+          </p:nvPr>
         </p:nvGraphicFramePr>
         <p:xfrm>
           <a:off x="757875" y="1057464"/>
@@ -10083,7 +16550,7 @@
                         <a:buNone/>
                       </a:pPr>
                       <a:r>
-                        <a:rPr lang="en">
+                        <a:rPr lang="en" dirty="0">
                           <a:solidFill>
                             <a:schemeClr val="dk1"/>
                           </a:solidFill>
@@ -10205,7 +16672,7 @@
                         <a:buNone/>
                       </a:pPr>
                       <a:r>
-                        <a:rPr lang="en">
+                        <a:rPr lang="en" dirty="0">
                           <a:solidFill>
                             <a:schemeClr val="dk1"/>
                           </a:solidFill>
@@ -10487,15 +16954,12 @@
                         </a:spcBef>
                         <a:buNone/>
                       </a:pPr>
-                      <a:r>
-                        <a:rPr lang="en">
-                          <a:latin typeface="Old Standard TT"/>
-                          <a:ea typeface="Old Standard TT"/>
-                          <a:cs typeface="Old Standard TT"/>
-                          <a:sym typeface="Old Standard TT"/>
-                        </a:rPr>
-                        <a:t>Y</a:t>
-                      </a:r>
+                      <a:endParaRPr lang="en" dirty="0">
+                        <a:latin typeface="Old Standard TT"/>
+                        <a:ea typeface="Old Standard TT"/>
+                        <a:cs typeface="Old Standard TT"/>
+                        <a:sym typeface="Old Standard TT"/>
+                      </a:endParaRPr>
                     </a:p>
                   </a:txBody>
                   <a:tcPr marL="91425" marR="91425" marT="91425" marB="91425" anchor="ctr">
@@ -10611,18 +17075,15 @@
                         <a:buFont typeface="Arial"/>
                         <a:buNone/>
                       </a:pPr>
-                      <a:r>
-                        <a:rPr lang="en">
-                          <a:solidFill>
-                            <a:schemeClr val="dk1"/>
-                          </a:solidFill>
-                          <a:latin typeface="Old Standard TT"/>
-                          <a:ea typeface="Old Standard TT"/>
-                          <a:cs typeface="Old Standard TT"/>
-                          <a:sym typeface="Old Standard TT"/>
-                        </a:rPr>
-                        <a:t>Y</a:t>
-                      </a:r>
+                      <a:endParaRPr lang="en" dirty="0">
+                        <a:solidFill>
+                          <a:schemeClr val="dk1"/>
+                        </a:solidFill>
+                        <a:latin typeface="Old Standard TT"/>
+                        <a:ea typeface="Old Standard TT"/>
+                        <a:cs typeface="Old Standard TT"/>
+                        <a:sym typeface="Old Standard TT"/>
+                      </a:endParaRPr>
                     </a:p>
                   </a:txBody>
                   <a:tcPr marL="91425" marR="91425" marT="91425" marB="91425" anchor="ctr">
@@ -10676,7 +17137,7 @@
                         <a:buNone/>
                       </a:pPr>
                       <a:r>
-                        <a:rPr lang="en">
+                        <a:rPr lang="en" dirty="0">
                           <a:latin typeface="Old Standard TT"/>
                           <a:ea typeface="Old Standard TT"/>
                           <a:cs typeface="Old Standard TT"/>
@@ -10886,15 +17347,12 @@
                         </a:spcBef>
                         <a:buNone/>
                       </a:pPr>
-                      <a:r>
-                        <a:rPr lang="en">
-                          <a:latin typeface="Old Standard TT"/>
-                          <a:ea typeface="Old Standard TT"/>
-                          <a:cs typeface="Old Standard TT"/>
-                          <a:sym typeface="Old Standard TT"/>
-                        </a:rPr>
-                        <a:t>Y</a:t>
-                      </a:r>
+                      <a:endParaRPr lang="en" dirty="0">
+                        <a:latin typeface="Old Standard TT"/>
+                        <a:ea typeface="Old Standard TT"/>
+                        <a:cs typeface="Old Standard TT"/>
+                        <a:sym typeface="Old Standard TT"/>
+                      </a:endParaRPr>
                     </a:p>
                   </a:txBody>
                   <a:tcPr marL="91425" marR="91425" marT="91425" marB="91425" anchor="ctr">
@@ -11005,15 +17463,12 @@
                         </a:spcBef>
                         <a:buNone/>
                       </a:pPr>
-                      <a:r>
-                        <a:rPr lang="en">
-                          <a:latin typeface="Old Standard TT"/>
-                          <a:ea typeface="Old Standard TT"/>
-                          <a:cs typeface="Old Standard TT"/>
-                          <a:sym typeface="Old Standard TT"/>
-                        </a:rPr>
-                        <a:t>Y</a:t>
-                      </a:r>
+                      <a:endParaRPr lang="en" dirty="0">
+                        <a:latin typeface="Old Standard TT"/>
+                        <a:ea typeface="Old Standard TT"/>
+                        <a:cs typeface="Old Standard TT"/>
+                        <a:sym typeface="Old Standard TT"/>
+                      </a:endParaRPr>
                     </a:p>
                   </a:txBody>
                   <a:tcPr marL="91425" marR="91425" marT="91425" marB="91425" anchor="ctr">
@@ -11730,7 +18185,7 @@
                         <a:buNone/>
                       </a:pPr>
                       <a:r>
-                        <a:rPr lang="en">
+                        <a:rPr lang="en" dirty="0">
                           <a:latin typeface="Old Standard TT"/>
                           <a:ea typeface="Old Standard TT"/>
                           <a:cs typeface="Old Standard TT"/>
@@ -11849,7 +18304,7 @@
                         <a:buNone/>
                       </a:pPr>
                       <a:r>
-                        <a:rPr lang="en">
+                        <a:rPr lang="en" dirty="0">
                           <a:latin typeface="Old Standard TT"/>
                           <a:ea typeface="Old Standard TT"/>
                           <a:cs typeface="Old Standard TT"/>
@@ -12721,7 +19176,7 @@
                         </a:spcBef>
                         <a:buNone/>
                       </a:pPr>
-                      <a:endParaRPr>
+                      <a:endParaRPr dirty="0">
                         <a:latin typeface="Old Standard TT"/>
                         <a:ea typeface="Old Standard TT"/>
                         <a:cs typeface="Old Standard TT"/>
@@ -12838,7 +19293,7 @@
 </p:sld>
 </file>
 
-<file path=ppt/slides/slide16.xml><?xml version="1.0" encoding="utf-8"?>
+<file path=ppt/slides/slide15.xml><?xml version="1.0" encoding="utf-8"?>
 <p:sld xmlns:a="http://schemas.openxmlformats.org/drawingml/2006/main" xmlns:r="http://schemas.openxmlformats.org/officeDocument/2006/relationships" xmlns:p="http://schemas.openxmlformats.org/presentationml/2006/main">
   <p:cSld>
     <p:spTree>
@@ -12859,11 +19314,17 @@
         <p:nvGraphicFramePr>
           <p:cNvPr id="282" name="Shape 282"/>
           <p:cNvGraphicFramePr/>
-          <p:nvPr/>
+          <p:nvPr>
+            <p:extLst>
+              <p:ext uri="{D42A27DB-BD31-4B8C-83A1-F6EECF244321}">
+                <p14:modId xmlns:p14="http://schemas.microsoft.com/office/powerpoint/2010/main" val="1737602474"/>
+              </p:ext>
+            </p:extLst>
+          </p:nvPr>
         </p:nvGraphicFramePr>
         <p:xfrm>
           <a:off x="664450" y="1502597"/>
-          <a:ext cx="7815075" cy="2603145"/>
+          <a:ext cx="7815075" cy="2517800"/>
         </p:xfrm>
         <a:graphic>
           <a:graphicData uri="http://schemas.openxmlformats.org/drawingml/2006/table">
@@ -14186,8 +20647,8 @@
                   </a:ext>
                 </a:extLst>
               </a:tr>
-              <a:tr h="524225">
-                <a:tc rowSpan="2">
+              <a:tr h="1048450">
+                <a:tc>
                   <a:txBody>
                     <a:bodyPr/>
                     <a:lstStyle/>
@@ -14199,7 +20660,7 @@
                         <a:buNone/>
                       </a:pPr>
                       <a:r>
-                        <a:rPr lang="en" b="1">
+                        <a:rPr lang="en" b="1" dirty="0">
                           <a:latin typeface="Old Standard TT"/>
                           <a:ea typeface="Old Standard TT"/>
                           <a:cs typeface="Old Standard TT"/>
@@ -14268,7 +20729,7 @@
                         <a:buNone/>
                       </a:pPr>
                       <a:r>
-                        <a:rPr lang="en" b="1">
+                        <a:rPr lang="en" b="1" dirty="0">
                           <a:solidFill>
                             <a:schemeClr val="dk1"/>
                           </a:solidFill>
@@ -14291,7 +20752,7 @@
                       <a:headEnd type="none" w="med" len="med"/>
                       <a:tailEnd type="none" w="med" len="med"/>
                     </a:lnL>
-                    <a:lnR w="9525" cap="flat" cmpd="sng">
+                    <a:lnR w="9525" cap="flat" cmpd="sng" algn="ctr">
                       <a:solidFill>
                         <a:srgbClr val="000000"/>
                       </a:solidFill>
@@ -14309,7 +20770,7 @@
                       <a:headEnd type="none" w="med" len="med"/>
                       <a:tailEnd type="none" w="med" len="med"/>
                     </a:lnT>
-                    <a:lnB w="9525" cap="flat" cmpd="sng">
+                    <a:lnB w="9525" cap="flat" cmpd="sng" algn="ctr">
                       <a:solidFill>
                         <a:srgbClr val="000000"/>
                       </a:solidFill>
@@ -14334,7 +20795,7 @@
                         </a:spcBef>
                         <a:buNone/>
                       </a:pPr>
-                      <a:endParaRPr>
+                      <a:endParaRPr dirty="0">
                         <a:latin typeface="Old Standard TT"/>
                         <a:ea typeface="Old Standard TT"/>
                         <a:cs typeface="Old Standard TT"/>
@@ -14352,7 +20813,7 @@
                       <a:headEnd type="none" w="med" len="med"/>
                       <a:tailEnd type="none" w="med" len="med"/>
                     </a:lnL>
-                    <a:lnR w="9525" cap="flat" cmpd="sng">
+                    <a:lnR w="9525" cap="flat" cmpd="sng" algn="ctr">
                       <a:solidFill>
                         <a:srgbClr val="000000"/>
                       </a:solidFill>
@@ -14370,7 +20831,7 @@
                       <a:headEnd type="none" w="med" len="med"/>
                       <a:tailEnd type="none" w="med" len="med"/>
                     </a:lnT>
-                    <a:lnB w="9525" cap="flat" cmpd="sng">
+                    <a:lnB w="9525" cap="flat" cmpd="sng" algn="ctr">
                       <a:solidFill>
                         <a:srgbClr val="000000"/>
                       </a:solidFill>
@@ -14392,7 +20853,7 @@
                         </a:spcBef>
                         <a:buNone/>
                       </a:pPr>
-                      <a:endParaRPr>
+                      <a:endParaRPr dirty="0">
                         <a:latin typeface="Old Standard TT"/>
                         <a:ea typeface="Old Standard TT"/>
                         <a:cs typeface="Old Standard TT"/>
@@ -14410,7 +20871,7 @@
                       <a:headEnd type="none" w="med" len="med"/>
                       <a:tailEnd type="none" w="med" len="med"/>
                     </a:lnL>
-                    <a:lnR w="9525" cap="flat" cmpd="sng">
+                    <a:lnR w="9525" cap="flat" cmpd="sng" algn="ctr">
                       <a:solidFill>
                         <a:srgbClr val="000000"/>
                       </a:solidFill>
@@ -14428,7 +20889,7 @@
                       <a:headEnd type="none" w="med" len="med"/>
                       <a:tailEnd type="none" w="med" len="med"/>
                     </a:lnT>
-                    <a:lnB w="9525" cap="flat" cmpd="sng">
+                    <a:lnB w="9525" cap="flat" cmpd="sng" algn="ctr">
                       <a:solidFill>
                         <a:srgbClr val="000000"/>
                       </a:solidFill>
@@ -14456,7 +20917,7 @@
                         <a:buNone/>
                       </a:pPr>
                       <a:r>
-                        <a:rPr lang="en">
+                        <a:rPr lang="en" dirty="0">
                           <a:solidFill>
                             <a:schemeClr val="dk1"/>
                           </a:solidFill>
@@ -14479,7 +20940,7 @@
                       <a:headEnd type="none" w="med" len="med"/>
                       <a:tailEnd type="none" w="med" len="med"/>
                     </a:lnL>
-                    <a:lnR w="9525" cap="flat" cmpd="sng">
+                    <a:lnR w="9525" cap="flat" cmpd="sng" algn="ctr">
                       <a:solidFill>
                         <a:srgbClr val="000000"/>
                       </a:solidFill>
@@ -14497,7 +20958,7 @@
                       <a:headEnd type="none" w="med" len="med"/>
                       <a:tailEnd type="none" w="med" len="med"/>
                     </a:lnT>
-                    <a:lnB w="9525" cap="flat" cmpd="sng">
+                    <a:lnB w="9525" cap="flat" cmpd="sng" algn="ctr">
                       <a:solidFill>
                         <a:srgbClr val="000000"/>
                       </a:solidFill>
@@ -14519,7 +20980,7 @@
                         </a:spcBef>
                         <a:buNone/>
                       </a:pPr>
-                      <a:endParaRPr>
+                      <a:endParaRPr dirty="0">
                         <a:latin typeface="Old Standard TT"/>
                         <a:ea typeface="Old Standard TT"/>
                         <a:cs typeface="Old Standard TT"/>
@@ -14537,7 +20998,7 @@
                       <a:headEnd type="none" w="med" len="med"/>
                       <a:tailEnd type="none" w="med" len="med"/>
                     </a:lnL>
-                    <a:lnR w="9525" cap="flat" cmpd="sng">
+                    <a:lnR w="9525" cap="flat" cmpd="sng" algn="ctr">
                       <a:solidFill>
                         <a:srgbClr val="000000"/>
                       </a:solidFill>
@@ -14555,7 +21016,7 @@
                       <a:headEnd type="none" w="med" len="med"/>
                       <a:tailEnd type="none" w="med" len="med"/>
                     </a:lnT>
-                    <a:lnB w="9525" cap="flat" cmpd="sng">
+                    <a:lnB w="9525" cap="flat" cmpd="sng" algn="ctr">
                       <a:solidFill>
                         <a:srgbClr val="000000"/>
                       </a:solidFill>
@@ -14583,7 +21044,7 @@
                         <a:buNone/>
                       </a:pPr>
                       <a:r>
-                        <a:rPr lang="en">
+                        <a:rPr lang="en" dirty="0">
                           <a:solidFill>
                             <a:schemeClr val="dk1"/>
                           </a:solidFill>
@@ -14606,7 +21067,7 @@
                       <a:headEnd type="none" w="med" len="med"/>
                       <a:tailEnd type="none" w="med" len="med"/>
                     </a:lnL>
-                    <a:lnR w="9525" cap="flat" cmpd="sng">
+                    <a:lnR w="9525" cap="flat" cmpd="sng" algn="ctr">
                       <a:solidFill>
                         <a:srgbClr val="000000"/>
                       </a:solidFill>
@@ -14624,7 +21085,7 @@
                       <a:headEnd type="none" w="med" len="med"/>
                       <a:tailEnd type="none" w="med" len="med"/>
                     </a:lnT>
-                    <a:lnB w="9525" cap="flat" cmpd="sng">
+                    <a:lnB w="9525" cap="flat" cmpd="sng" algn="ctr">
                       <a:solidFill>
                         <a:srgbClr val="000000"/>
                       </a:solidFill>
@@ -14638,407 +21099,6 @@
                 <a:extLst>
                   <a:ext uri="{0D108BD9-81ED-4DB2-BD59-A6C34878D82A}">
                     <a16:rowId xmlns:a16="http://schemas.microsoft.com/office/drawing/2014/main" val="10003"/>
-                  </a:ext>
-                </a:extLst>
-              </a:tr>
-              <a:tr h="524225">
-                <a:tc vMerge="1">
-                  <a:txBody>
-                    <a:bodyPr/>
-                    <a:lstStyle/>
-                    <a:p>
-                      <a:endParaRPr lang="en-US"/>
-                    </a:p>
-                  </a:txBody>
-                  <a:tcPr/>
-                </a:tc>
-                <a:tc>
-                  <a:txBody>
-                    <a:bodyPr/>
-                    <a:lstStyle/>
-                    <a:p>
-                      <a:pPr lvl="0" algn="just" rtl="0">
-                        <a:spcBef>
-                          <a:spcPts val="0"/>
-                        </a:spcBef>
-                        <a:buNone/>
-                      </a:pPr>
-                      <a:r>
-                        <a:rPr lang="en" b="1">
-                          <a:solidFill>
-                            <a:schemeClr val="dk1"/>
-                          </a:solidFill>
-                          <a:latin typeface="Old Standard TT"/>
-                          <a:ea typeface="Old Standard TT"/>
-                          <a:cs typeface="Old Standard TT"/>
-                          <a:sym typeface="Old Standard TT"/>
-                        </a:rPr>
-                        <a:t>JSON (AGD)</a:t>
-                      </a:r>
-                    </a:p>
-                  </a:txBody>
-                  <a:tcPr marL="91425" marR="91425" marT="91425" marB="91425" anchor="ctr">
-                    <a:lnL w="9525" cap="flat" cmpd="sng">
-                      <a:solidFill>
-                        <a:srgbClr val="000000"/>
-                      </a:solidFill>
-                      <a:prstDash val="solid"/>
-                      <a:round/>
-                      <a:headEnd type="none" w="med" len="med"/>
-                      <a:tailEnd type="none" w="med" len="med"/>
-                    </a:lnL>
-                    <a:lnR w="9525" cap="flat" cmpd="sng">
-                      <a:solidFill>
-                        <a:srgbClr val="000000"/>
-                      </a:solidFill>
-                      <a:prstDash val="solid"/>
-                      <a:round/>
-                      <a:headEnd type="none" w="med" len="med"/>
-                      <a:tailEnd type="none" w="med" len="med"/>
-                    </a:lnR>
-                    <a:lnT w="9525" cap="flat" cmpd="sng">
-                      <a:solidFill>
-                        <a:srgbClr val="000000"/>
-                      </a:solidFill>
-                      <a:prstDash val="solid"/>
-                      <a:round/>
-                      <a:headEnd type="none" w="med" len="med"/>
-                      <a:tailEnd type="none" w="med" len="med"/>
-                    </a:lnT>
-                    <a:lnB w="9525" cap="flat" cmpd="sng">
-                      <a:solidFill>
-                        <a:srgbClr val="000000"/>
-                      </a:solidFill>
-                      <a:prstDash val="solid"/>
-                      <a:round/>
-                      <a:headEnd type="none" w="med" len="med"/>
-                      <a:tailEnd type="none" w="med" len="med"/>
-                    </a:lnB>
-                    <a:solidFill>
-                      <a:schemeClr val="accent4"/>
-                    </a:solidFill>
-                  </a:tcPr>
-                </a:tc>
-                <a:tc>
-                  <a:txBody>
-                    <a:bodyPr/>
-                    <a:lstStyle/>
-                    <a:p>
-                      <a:pPr lvl="0" algn="ctr" rtl="0">
-                        <a:spcBef>
-                          <a:spcPts val="0"/>
-                        </a:spcBef>
-                        <a:buNone/>
-                      </a:pPr>
-                      <a:endParaRPr>
-                        <a:latin typeface="Old Standard TT"/>
-                        <a:ea typeface="Old Standard TT"/>
-                        <a:cs typeface="Old Standard TT"/>
-                        <a:sym typeface="Old Standard TT"/>
-                      </a:endParaRPr>
-                    </a:p>
-                  </a:txBody>
-                  <a:tcPr marL="91425" marR="91425" marT="91425" marB="91425" anchor="ctr">
-                    <a:lnL w="9525" cap="flat" cmpd="sng">
-                      <a:solidFill>
-                        <a:srgbClr val="000000"/>
-                      </a:solidFill>
-                      <a:prstDash val="solid"/>
-                      <a:round/>
-                      <a:headEnd type="none" w="med" len="med"/>
-                      <a:tailEnd type="none" w="med" len="med"/>
-                    </a:lnL>
-                    <a:lnR w="9525" cap="flat" cmpd="sng">
-                      <a:solidFill>
-                        <a:srgbClr val="000000"/>
-                      </a:solidFill>
-                      <a:prstDash val="solid"/>
-                      <a:round/>
-                      <a:headEnd type="none" w="med" len="med"/>
-                      <a:tailEnd type="none" w="med" len="med"/>
-                    </a:lnR>
-                    <a:lnT w="9525" cap="flat" cmpd="sng">
-                      <a:solidFill>
-                        <a:srgbClr val="000000"/>
-                      </a:solidFill>
-                      <a:prstDash val="solid"/>
-                      <a:round/>
-                      <a:headEnd type="none" w="med" len="med"/>
-                      <a:tailEnd type="none" w="med" len="med"/>
-                    </a:lnT>
-                    <a:lnB w="9525" cap="flat" cmpd="sng">
-                      <a:solidFill>
-                        <a:srgbClr val="000000"/>
-                      </a:solidFill>
-                      <a:prstDash val="solid"/>
-                      <a:round/>
-                      <a:headEnd type="none" w="med" len="med"/>
-                      <a:tailEnd type="none" w="med" len="med"/>
-                    </a:lnB>
-                  </a:tcPr>
-                </a:tc>
-                <a:tc>
-                  <a:txBody>
-                    <a:bodyPr/>
-                    <a:lstStyle/>
-                    <a:p>
-                      <a:pPr lvl="0" algn="l" rtl="0">
-                        <a:spcBef>
-                          <a:spcPts val="0"/>
-                        </a:spcBef>
-                        <a:buClr>
-                          <a:srgbClr val="000000"/>
-                        </a:buClr>
-                        <a:buSzPct val="78571"/>
-                        <a:buFont typeface="Arial"/>
-                        <a:buNone/>
-                      </a:pPr>
-                      <a:endParaRPr>
-                        <a:latin typeface="Old Standard TT"/>
-                        <a:ea typeface="Old Standard TT"/>
-                        <a:cs typeface="Old Standard TT"/>
-                        <a:sym typeface="Old Standard TT"/>
-                      </a:endParaRPr>
-                    </a:p>
-                  </a:txBody>
-                  <a:tcPr marL="91425" marR="91425" marT="91425" marB="91425" anchor="ctr">
-                    <a:lnL w="9525" cap="flat" cmpd="sng">
-                      <a:solidFill>
-                        <a:srgbClr val="000000"/>
-                      </a:solidFill>
-                      <a:prstDash val="solid"/>
-                      <a:round/>
-                      <a:headEnd type="none" w="med" len="med"/>
-                      <a:tailEnd type="none" w="med" len="med"/>
-                    </a:lnL>
-                    <a:lnR w="9525" cap="flat" cmpd="sng">
-                      <a:solidFill>
-                        <a:srgbClr val="000000"/>
-                      </a:solidFill>
-                      <a:prstDash val="solid"/>
-                      <a:round/>
-                      <a:headEnd type="none" w="med" len="med"/>
-                      <a:tailEnd type="none" w="med" len="med"/>
-                    </a:lnR>
-                    <a:lnT w="9525" cap="flat" cmpd="sng">
-                      <a:solidFill>
-                        <a:srgbClr val="000000"/>
-                      </a:solidFill>
-                      <a:prstDash val="solid"/>
-                      <a:round/>
-                      <a:headEnd type="none" w="med" len="med"/>
-                      <a:tailEnd type="none" w="med" len="med"/>
-                    </a:lnT>
-                    <a:lnB w="9525" cap="flat" cmpd="sng">
-                      <a:solidFill>
-                        <a:srgbClr val="000000"/>
-                      </a:solidFill>
-                      <a:prstDash val="solid"/>
-                      <a:round/>
-                      <a:headEnd type="none" w="med" len="med"/>
-                      <a:tailEnd type="none" w="med" len="med"/>
-                    </a:lnB>
-                  </a:tcPr>
-                </a:tc>
-                <a:tc>
-                  <a:txBody>
-                    <a:bodyPr/>
-                    <a:lstStyle/>
-                    <a:p>
-                      <a:pPr lvl="0" algn="ctr" rtl="0">
-                        <a:spcBef>
-                          <a:spcPts val="0"/>
-                        </a:spcBef>
-                        <a:buClr>
-                          <a:schemeClr val="dk1"/>
-                        </a:buClr>
-                        <a:buSzPct val="78571"/>
-                        <a:buFont typeface="Arial"/>
-                        <a:buNone/>
-                      </a:pPr>
-                      <a:r>
-                        <a:rPr lang="en">
-                          <a:solidFill>
-                            <a:schemeClr val="dk1"/>
-                          </a:solidFill>
-                          <a:latin typeface="Old Standard TT"/>
-                          <a:ea typeface="Old Standard TT"/>
-                          <a:cs typeface="Old Standard TT"/>
-                          <a:sym typeface="Old Standard TT"/>
-                        </a:rPr>
-                        <a:t>Y</a:t>
-                      </a:r>
-                    </a:p>
-                  </a:txBody>
-                  <a:tcPr marL="91425" marR="91425" marT="91425" marB="91425" anchor="ctr">
-                    <a:lnL w="9525" cap="flat" cmpd="sng">
-                      <a:solidFill>
-                        <a:srgbClr val="000000"/>
-                      </a:solidFill>
-                      <a:prstDash val="solid"/>
-                      <a:round/>
-                      <a:headEnd type="none" w="med" len="med"/>
-                      <a:tailEnd type="none" w="med" len="med"/>
-                    </a:lnL>
-                    <a:lnR w="9525" cap="flat" cmpd="sng">
-                      <a:solidFill>
-                        <a:srgbClr val="000000"/>
-                      </a:solidFill>
-                      <a:prstDash val="solid"/>
-                      <a:round/>
-                      <a:headEnd type="none" w="med" len="med"/>
-                      <a:tailEnd type="none" w="med" len="med"/>
-                    </a:lnR>
-                    <a:lnT w="9525" cap="flat" cmpd="sng">
-                      <a:solidFill>
-                        <a:srgbClr val="000000"/>
-                      </a:solidFill>
-                      <a:prstDash val="solid"/>
-                      <a:round/>
-                      <a:headEnd type="none" w="med" len="med"/>
-                      <a:tailEnd type="none" w="med" len="med"/>
-                    </a:lnT>
-                    <a:lnB w="9525" cap="flat" cmpd="sng">
-                      <a:solidFill>
-                        <a:srgbClr val="000000"/>
-                      </a:solidFill>
-                      <a:prstDash val="solid"/>
-                      <a:round/>
-                      <a:headEnd type="none" w="med" len="med"/>
-                      <a:tailEnd type="none" w="med" len="med"/>
-                    </a:lnB>
-                  </a:tcPr>
-                </a:tc>
-                <a:tc>
-                  <a:txBody>
-                    <a:bodyPr/>
-                    <a:lstStyle/>
-                    <a:p>
-                      <a:pPr lvl="0" algn="ctr" rtl="0">
-                        <a:spcBef>
-                          <a:spcPts val="0"/>
-                        </a:spcBef>
-                        <a:buNone/>
-                      </a:pPr>
-                      <a:endParaRPr>
-                        <a:latin typeface="Old Standard TT"/>
-                        <a:ea typeface="Old Standard TT"/>
-                        <a:cs typeface="Old Standard TT"/>
-                        <a:sym typeface="Old Standard TT"/>
-                      </a:endParaRPr>
-                    </a:p>
-                  </a:txBody>
-                  <a:tcPr marL="91425" marR="91425" marT="91425" marB="91425" anchor="ctr">
-                    <a:lnL w="9525" cap="flat" cmpd="sng">
-                      <a:solidFill>
-                        <a:srgbClr val="000000"/>
-                      </a:solidFill>
-                      <a:prstDash val="solid"/>
-                      <a:round/>
-                      <a:headEnd type="none" w="med" len="med"/>
-                      <a:tailEnd type="none" w="med" len="med"/>
-                    </a:lnL>
-                    <a:lnR w="9525" cap="flat" cmpd="sng">
-                      <a:solidFill>
-                        <a:srgbClr val="000000"/>
-                      </a:solidFill>
-                      <a:prstDash val="solid"/>
-                      <a:round/>
-                      <a:headEnd type="none" w="med" len="med"/>
-                      <a:tailEnd type="none" w="med" len="med"/>
-                    </a:lnR>
-                    <a:lnT w="9525" cap="flat" cmpd="sng">
-                      <a:solidFill>
-                        <a:srgbClr val="000000"/>
-                      </a:solidFill>
-                      <a:prstDash val="solid"/>
-                      <a:round/>
-                      <a:headEnd type="none" w="med" len="med"/>
-                      <a:tailEnd type="none" w="med" len="med"/>
-                    </a:lnT>
-                    <a:lnB w="9525" cap="flat" cmpd="sng">
-                      <a:solidFill>
-                        <a:srgbClr val="000000"/>
-                      </a:solidFill>
-                      <a:prstDash val="solid"/>
-                      <a:round/>
-                      <a:headEnd type="none" w="med" len="med"/>
-                      <a:tailEnd type="none" w="med" len="med"/>
-                    </a:lnB>
-                  </a:tcPr>
-                </a:tc>
-                <a:tc>
-                  <a:txBody>
-                    <a:bodyPr/>
-                    <a:lstStyle/>
-                    <a:p>
-                      <a:pPr lvl="0" algn="ctr" rtl="0">
-                        <a:spcBef>
-                          <a:spcPts val="0"/>
-                        </a:spcBef>
-                        <a:buClr>
-                          <a:schemeClr val="dk1"/>
-                        </a:buClr>
-                        <a:buSzPct val="78571"/>
-                        <a:buFont typeface="Arial"/>
-                        <a:buNone/>
-                      </a:pPr>
-                      <a:r>
-                        <a:rPr lang="en">
-                          <a:solidFill>
-                            <a:schemeClr val="dk1"/>
-                          </a:solidFill>
-                          <a:latin typeface="Old Standard TT"/>
-                          <a:ea typeface="Old Standard TT"/>
-                          <a:cs typeface="Old Standard TT"/>
-                          <a:sym typeface="Old Standard TT"/>
-                        </a:rPr>
-                        <a:t>Y</a:t>
-                      </a:r>
-                    </a:p>
-                  </a:txBody>
-                  <a:tcPr marL="91425" marR="91425" marT="91425" marB="91425" anchor="ctr">
-                    <a:lnL w="9525" cap="flat" cmpd="sng">
-                      <a:solidFill>
-                        <a:srgbClr val="000000"/>
-                      </a:solidFill>
-                      <a:prstDash val="solid"/>
-                      <a:round/>
-                      <a:headEnd type="none" w="med" len="med"/>
-                      <a:tailEnd type="none" w="med" len="med"/>
-                    </a:lnL>
-                    <a:lnR w="9525" cap="flat" cmpd="sng">
-                      <a:solidFill>
-                        <a:srgbClr val="000000"/>
-                      </a:solidFill>
-                      <a:prstDash val="solid"/>
-                      <a:round/>
-                      <a:headEnd type="none" w="med" len="med"/>
-                      <a:tailEnd type="none" w="med" len="med"/>
-                    </a:lnR>
-                    <a:lnT w="9525" cap="flat" cmpd="sng">
-                      <a:solidFill>
-                        <a:srgbClr val="000000"/>
-                      </a:solidFill>
-                      <a:prstDash val="solid"/>
-                      <a:round/>
-                      <a:headEnd type="none" w="med" len="med"/>
-                      <a:tailEnd type="none" w="med" len="med"/>
-                    </a:lnT>
-                    <a:lnB w="9525" cap="flat" cmpd="sng">
-                      <a:solidFill>
-                        <a:srgbClr val="000000"/>
-                      </a:solidFill>
-                      <a:prstDash val="solid"/>
-                      <a:round/>
-                      <a:headEnd type="none" w="med" len="med"/>
-                      <a:tailEnd type="none" w="med" len="med"/>
-                    </a:lnB>
-                  </a:tcPr>
-                </a:tc>
-                <a:extLst>
-                  <a:ext uri="{0D108BD9-81ED-4DB2-BD59-A6C34878D82A}">
-                    <a16:rowId xmlns:a16="http://schemas.microsoft.com/office/drawing/2014/main" val="10004"/>
                   </a:ext>
                 </a:extLst>
               </a:tr>
@@ -15080,6 +21140,225 @@
             <a:r>
               <a:rPr lang="en" b="1"/>
               <a:t>Breakdown of Work</a:t>
+            </a:r>
+          </a:p>
+        </p:txBody>
+      </p:sp>
+      <p:sp>
+        <p:nvSpPr>
+          <p:cNvPr id="4" name="TextBox 3">
+            <a:extLst>
+              <a:ext uri="{FF2B5EF4-FFF2-40B4-BE49-F238E27FC236}">
+                <a16:creationId xmlns:a16="http://schemas.microsoft.com/office/drawing/2014/main" id="{E9D47A22-E9FF-4E19-8B91-1E29A31118F2}"/>
+              </a:ext>
+            </a:extLst>
+          </p:cNvPr>
+          <p:cNvSpPr txBox="1"/>
+          <p:nvPr/>
+        </p:nvSpPr>
+        <p:spPr>
+          <a:xfrm>
+            <a:off x="1445010" y="4425535"/>
+            <a:ext cx="6418829" cy="307777"/>
+          </a:xfrm>
+          <a:prstGeom prst="rect">
+            <a:avLst/>
+          </a:prstGeom>
+          <a:ln/>
+        </p:spPr>
+        <p:style>
+          <a:lnRef idx="2">
+            <a:schemeClr val="accent4"/>
+          </a:lnRef>
+          <a:fillRef idx="1">
+            <a:schemeClr val="lt1"/>
+          </a:fillRef>
+          <a:effectRef idx="0">
+            <a:schemeClr val="accent4"/>
+          </a:effectRef>
+          <a:fontRef idx="minor">
+            <a:schemeClr val="dk1"/>
+          </a:fontRef>
+        </p:style>
+        <p:txBody>
+          <a:bodyPr wrap="square" rtlCol="0">
+            <a:spAutoFit/>
+          </a:bodyPr>
+          <a:lstStyle/>
+          <a:p>
+            <a:pPr algn="ctr"/>
+            <a:r>
+              <a:rPr lang="en-SG" i="1" dirty="0">
+                <a:solidFill>
+                  <a:schemeClr val="accent6">
+                    <a:lumMod val="50000"/>
+                  </a:schemeClr>
+                </a:solidFill>
+              </a:rPr>
+              <a:t>Note:</a:t>
+            </a:r>
+            <a:r>
+              <a:rPr lang="en-SG" dirty="0">
+                <a:solidFill>
+                  <a:schemeClr val="accent6">
+                    <a:lumMod val="50000"/>
+                  </a:schemeClr>
+                </a:solidFill>
+              </a:rPr>
+              <a:t> Iteration 6 Pair Programming timings are used for debugging and testing</a:t>
+            </a:r>
+            <a:endParaRPr lang="en-SG" i="1" dirty="0">
+              <a:solidFill>
+                <a:schemeClr val="accent6">
+                  <a:lumMod val="50000"/>
+                </a:schemeClr>
+              </a:solidFill>
+            </a:endParaRPr>
+          </a:p>
+        </p:txBody>
+      </p:sp>
+    </p:spTree>
+  </p:cSld>
+  <p:clrMapOvr>
+    <a:masterClrMapping/>
+  </p:clrMapOvr>
+</p:sld>
+</file>
+
+<file path=ppt/slides/slide16.xml><?xml version="1.0" encoding="utf-8"?>
+<p:sld xmlns:a="http://schemas.openxmlformats.org/drawingml/2006/main" xmlns:r="http://schemas.openxmlformats.org/officeDocument/2006/relationships" xmlns:p="http://schemas.openxmlformats.org/presentationml/2006/main">
+  <p:cSld>
+    <p:spTree>
+      <p:nvGrpSpPr>
+        <p:cNvPr id="1" name="Shape 269"/>
+        <p:cNvGrpSpPr/>
+        <p:nvPr/>
+      </p:nvGrpSpPr>
+      <p:grpSpPr>
+        <a:xfrm>
+          <a:off x="0" y="0"/>
+          <a:ext cx="0" cy="0"/>
+          <a:chOff x="0" y="0"/>
+          <a:chExt cx="0" cy="0"/>
+        </a:xfrm>
+      </p:grpSpPr>
+      <p:sp>
+        <p:nvSpPr>
+          <p:cNvPr id="270" name="Shape 270"/>
+          <p:cNvSpPr txBox="1">
+            <a:spLocks noGrp="1"/>
+          </p:cNvSpPr>
+          <p:nvPr>
+            <p:ph type="title"/>
+          </p:nvPr>
+        </p:nvSpPr>
+        <p:spPr>
+          <a:xfrm>
+            <a:off x="311700" y="445025"/>
+            <a:ext cx="8520600" cy="613200"/>
+          </a:xfrm>
+          <a:prstGeom prst="rect">
+            <a:avLst/>
+          </a:prstGeom>
+        </p:spPr>
+        <p:txBody>
+          <a:bodyPr wrap="square" lIns="91425" tIns="91425" rIns="91425" bIns="91425" anchor="t" anchorCtr="0">
+            <a:noAutofit/>
+          </a:bodyPr>
+          <a:lstStyle/>
+          <a:p>
+            <a:pPr lvl="0">
+              <a:spcBef>
+                <a:spcPts val="0"/>
+              </a:spcBef>
+              <a:buNone/>
+            </a:pPr>
+            <a:r>
+              <a:rPr lang="en" b="1"/>
+              <a:t>Fair Work Allocation</a:t>
+            </a:r>
+          </a:p>
+        </p:txBody>
+      </p:sp>
+      <p:sp>
+        <p:nvSpPr>
+          <p:cNvPr id="271" name="Shape 271"/>
+          <p:cNvSpPr txBox="1">
+            <a:spLocks noGrp="1"/>
+          </p:cNvSpPr>
+          <p:nvPr>
+            <p:ph type="body" idx="1"/>
+          </p:nvPr>
+        </p:nvSpPr>
+        <p:spPr>
+          <a:xfrm>
+            <a:off x="311700" y="1171600"/>
+            <a:ext cx="8520600" cy="3397200"/>
+          </a:xfrm>
+          <a:prstGeom prst="rect">
+            <a:avLst/>
+          </a:prstGeom>
+        </p:spPr>
+        <p:txBody>
+          <a:bodyPr wrap="square" lIns="91425" tIns="91425" rIns="91425" bIns="91425" anchor="t" anchorCtr="0">
+            <a:noAutofit/>
+          </a:bodyPr>
+          <a:lstStyle/>
+          <a:p>
+            <a:pPr lvl="0" rtl="0">
+              <a:spcBef>
+                <a:spcPts val="0"/>
+              </a:spcBef>
+              <a:buNone/>
+            </a:pPr>
+            <a:r>
+              <a:rPr lang="en" sz="2400"/>
+              <a:t>Our team has allocated work fairly because:</a:t>
+            </a:r>
+          </a:p>
+          <a:p>
+            <a:pPr marL="914400" lvl="0" indent="-381000" rtl="0">
+              <a:spcBef>
+                <a:spcPts val="0"/>
+              </a:spcBef>
+              <a:spcAft>
+                <a:spcPts val="0"/>
+              </a:spcAft>
+              <a:buSzPct val="100000"/>
+              <a:buChar char="●"/>
+            </a:pPr>
+            <a:r>
+              <a:rPr lang="en" sz="2400"/>
+              <a:t>Everyone took the role as Project Manager </a:t>
+            </a:r>
+          </a:p>
+          <a:p>
+            <a:pPr marL="914400" lvl="0" indent="-381000" rtl="0">
+              <a:spcBef>
+                <a:spcPts val="0"/>
+              </a:spcBef>
+              <a:spcAft>
+                <a:spcPts val="0"/>
+              </a:spcAft>
+              <a:buSzPct val="100000"/>
+              <a:buChar char="●"/>
+            </a:pPr>
+            <a:r>
+              <a:rPr lang="en" sz="2400"/>
+              <a:t>Generally equal PP &amp; Non-PP hours for everyone</a:t>
+            </a:r>
+          </a:p>
+          <a:p>
+            <a:pPr marL="914400" lvl="0" indent="-381000" rtl="0">
+              <a:spcBef>
+                <a:spcPts val="0"/>
+              </a:spcBef>
+              <a:buSzPct val="100000"/>
+              <a:buChar char="●"/>
+            </a:pPr>
+            <a:r>
+              <a:rPr lang="en" sz="2400"/>
+              <a:t>Task allocation are equal in terms of time and difficulty</a:t>
             </a:r>
           </a:p>
         </p:txBody>
@@ -15180,7 +21459,7 @@
               <a:buChar char="●"/>
             </a:pPr>
             <a:r>
-              <a:rPr lang="en" sz="1800">
+              <a:rPr lang="en" sz="1800" dirty="0">
                 <a:latin typeface="Old Standard TT"/>
                 <a:ea typeface="Old Standard TT"/>
                 <a:cs typeface="Old Standard TT"/>
@@ -15189,7 +21468,7 @@
               <a:t>There were </a:t>
             </a:r>
             <a:r>
-              <a:rPr lang="en" sz="1800" b="1">
+              <a:rPr lang="en" sz="1800" b="1" dirty="0">
                 <a:latin typeface="Old Standard TT"/>
                 <a:ea typeface="Old Standard TT"/>
                 <a:cs typeface="Old Standard TT"/>
@@ -15198,22 +21477,13 @@
               <a:t>9 </a:t>
             </a:r>
             <a:r>
-              <a:rPr lang="en" sz="1800">
+              <a:rPr lang="en" sz="1800" dirty="0">
                 <a:latin typeface="Old Standard TT"/>
                 <a:ea typeface="Old Standard TT"/>
                 <a:cs typeface="Old Standard TT"/>
                 <a:sym typeface="Old Standard TT"/>
               </a:rPr>
-              <a:t>holds/incomplete tasks during </a:t>
-            </a:r>
-            <a:r>
-              <a:rPr lang="en" sz="1800" i="1">
-                <a:latin typeface="Old Standard TT"/>
-                <a:ea typeface="Old Standard TT"/>
-                <a:cs typeface="Old Standard TT"/>
-                <a:sym typeface="Old Standard TT"/>
-              </a:rPr>
-              <a:t>iteration 3</a:t>
+              <a:t>holds/incomplete tasks during iteration 3</a:t>
             </a:r>
           </a:p>
           <a:p>
@@ -15223,7 +21493,7 @@
               </a:spcBef>
               <a:buNone/>
             </a:pPr>
-            <a:endParaRPr sz="1800">
+            <a:endParaRPr sz="1800" dirty="0">
               <a:latin typeface="Old Standard TT"/>
               <a:ea typeface="Old Standard TT"/>
               <a:cs typeface="Old Standard TT"/>
@@ -15239,7 +21509,7 @@
               <a:buChar char="●"/>
             </a:pPr>
             <a:r>
-              <a:rPr lang="en" sz="1800">
+              <a:rPr lang="en" sz="1800" dirty="0">
                 <a:latin typeface="Old Standard TT"/>
                 <a:ea typeface="Old Standard TT"/>
                 <a:cs typeface="Old Standard TT"/>
@@ -15248,7 +21518,7 @@
               <a:t>There were </a:t>
             </a:r>
             <a:r>
-              <a:rPr lang="en" sz="1800" b="1">
+              <a:rPr lang="en" sz="1800" b="1" dirty="0">
                 <a:latin typeface="Old Standard TT"/>
                 <a:ea typeface="Old Standard TT"/>
                 <a:cs typeface="Old Standard TT"/>
@@ -15257,53 +21527,47 @@
               <a:t>2 </a:t>
             </a:r>
             <a:r>
-              <a:rPr lang="en" sz="1800">
+              <a:rPr lang="en" sz="1800" dirty="0">
                 <a:latin typeface="Old Standard TT"/>
                 <a:ea typeface="Old Standard TT"/>
                 <a:cs typeface="Old Standard TT"/>
                 <a:sym typeface="Old Standard TT"/>
               </a:rPr>
-              <a:t>holds/incomplete tasks during </a:t>
-            </a:r>
-            <a:r>
-              <a:rPr lang="en" sz="1800" i="1">
-                <a:latin typeface="Old Standard TT"/>
-                <a:ea typeface="Old Standard TT"/>
-                <a:cs typeface="Old Standard TT"/>
-                <a:sym typeface="Old Standard TT"/>
-              </a:rPr>
-              <a:t>iteration 4</a:t>
+              <a:t>holds/incomplete tasks during iteration 4</a:t>
             </a:r>
           </a:p>
         </p:txBody>
       </p:sp>
-      <p:pic>
-        <p:nvPicPr>
-          <p:cNvPr id="290" name="Shape 290"/>
-          <p:cNvPicPr preferRelativeResize="0"/>
-          <p:nvPr/>
-        </p:nvPicPr>
-        <p:blipFill rotWithShape="1">
-          <a:blip r:embed="rId3">
-            <a:alphaModFix/>
-          </a:blip>
-          <a:srcRect l="1258" t="1659" r="1161" b="2389"/>
-          <a:stretch/>
-        </p:blipFill>
-        <p:spPr>
-          <a:xfrm>
-            <a:off x="387100" y="1240350"/>
-            <a:ext cx="5853150" cy="3401625"/>
-          </a:xfrm>
-          <a:prstGeom prst="rect">
-            <a:avLst/>
-          </a:prstGeom>
-          <a:noFill/>
-          <a:ln>
-            <a:noFill/>
-          </a:ln>
-        </p:spPr>
-      </p:pic>
+      <p:graphicFrame>
+        <p:nvGraphicFramePr>
+          <p:cNvPr id="6" name="Chart 5">
+            <a:extLst>
+              <a:ext uri="{FF2B5EF4-FFF2-40B4-BE49-F238E27FC236}">
+                <a16:creationId xmlns:a16="http://schemas.microsoft.com/office/drawing/2014/main" id="{4D23E916-6F1B-4D0E-9D43-CD7C5DD361BB}"/>
+              </a:ext>
+            </a:extLst>
+          </p:cNvPr>
+          <p:cNvGraphicFramePr>
+            <a:graphicFrameLocks/>
+          </p:cNvGraphicFramePr>
+          <p:nvPr>
+            <p:extLst>
+              <p:ext uri="{D42A27DB-BD31-4B8C-83A1-F6EECF244321}">
+                <p14:modId xmlns:p14="http://schemas.microsoft.com/office/powerpoint/2010/main" val="2417493001"/>
+              </p:ext>
+            </p:extLst>
+          </p:nvPr>
+        </p:nvGraphicFramePr>
+        <p:xfrm>
+          <a:off x="311700" y="1345327"/>
+          <a:ext cx="6224905" cy="3217545"/>
+        </p:xfrm>
+        <a:graphic>
+          <a:graphicData uri="http://schemas.openxmlformats.org/drawingml/2006/chart">
+            <c:chart xmlns:c="http://schemas.openxmlformats.org/drawingml/2006/chart" xmlns:r="http://schemas.openxmlformats.org/officeDocument/2006/relationships" r:id="rId3"/>
+          </a:graphicData>
+        </a:graphic>
+      </p:graphicFrame>
     </p:spTree>
   </p:cSld>
   <p:clrMapOvr>
@@ -15695,7 +21959,7 @@
               <a:buNone/>
             </a:pPr>
             <a:r>
-              <a:rPr lang="en" b="1"/>
+              <a:rPr lang="en" b="1" dirty="0"/>
               <a:t>Agenda</a:t>
             </a:r>
           </a:p>
@@ -15728,7 +21992,7 @@
           <a:p>
             <a:pPr marL="457200" lvl="0" indent="-342900" rtl="0">
               <a:lnSpc>
-                <a:spcPct val="150000"/>
+                <a:spcPct val="100000"/>
               </a:lnSpc>
               <a:spcBef>
                 <a:spcPts val="0"/>
@@ -15739,14 +22003,14 @@
               <a:buSzPct val="100000"/>
             </a:pPr>
             <a:r>
-              <a:rPr lang="en"/>
+              <a:rPr lang="en" dirty="0"/>
               <a:t>Schedule</a:t>
             </a:r>
           </a:p>
           <a:p>
             <a:pPr marL="457200" lvl="0" indent="-342900" rtl="0">
               <a:lnSpc>
-                <a:spcPct val="150000"/>
+                <a:spcPct val="100000"/>
               </a:lnSpc>
               <a:spcBef>
                 <a:spcPts val="0"/>
@@ -15757,14 +22021,14 @@
               <a:buSzPct val="100000"/>
             </a:pPr>
             <a:r>
-              <a:rPr lang="en"/>
+              <a:rPr lang="en" dirty="0"/>
               <a:t>Improvement from Progress Update</a:t>
             </a:r>
           </a:p>
           <a:p>
             <a:pPr marL="457200" lvl="0" indent="-342900" rtl="0">
               <a:lnSpc>
-                <a:spcPct val="150000"/>
+                <a:spcPct val="100000"/>
               </a:lnSpc>
               <a:spcBef>
                 <a:spcPts val="0"/>
@@ -15775,14 +22039,14 @@
               <a:buSzPct val="100000"/>
             </a:pPr>
             <a:r>
-              <a:rPr lang="en"/>
+              <a:rPr lang="en" dirty="0"/>
               <a:t>Breakdown of Work</a:t>
             </a:r>
           </a:p>
           <a:p>
             <a:pPr marL="457200" lvl="0" indent="-342900" rtl="0">
               <a:lnSpc>
-                <a:spcPct val="150000"/>
+                <a:spcPct val="100000"/>
               </a:lnSpc>
               <a:spcBef>
                 <a:spcPts val="0"/>
@@ -15793,14 +22057,40 @@
               <a:buSzPct val="100000"/>
             </a:pPr>
             <a:r>
-              <a:rPr lang="en"/>
+              <a:rPr lang="en" dirty="0"/>
+              <a:t>Fair </a:t>
+            </a:r>
+            <a:r>
+              <a:rPr lang="en-SG" dirty="0"/>
+              <a:t>Work </a:t>
+            </a:r>
+            <a:r>
+              <a:rPr lang="en" dirty="0"/>
+              <a:t>Allocation</a:t>
+            </a:r>
+          </a:p>
+          <a:p>
+            <a:pPr marL="457200" lvl="0" indent="-342900" rtl="0">
+              <a:lnSpc>
+                <a:spcPct val="100000"/>
+              </a:lnSpc>
+              <a:spcBef>
+                <a:spcPts val="0"/>
+              </a:spcBef>
+              <a:spcAft>
+                <a:spcPts val="0"/>
+              </a:spcAft>
+              <a:buSzPct val="100000"/>
+            </a:pPr>
+            <a:r>
+              <a:rPr lang="en" dirty="0"/>
               <a:t>Tasks &amp; Bug Metrics</a:t>
             </a:r>
           </a:p>
           <a:p>
             <a:pPr marL="457200" lvl="0" indent="-342900" rtl="0">
               <a:lnSpc>
-                <a:spcPct val="150000"/>
+                <a:spcPct val="100000"/>
               </a:lnSpc>
               <a:spcBef>
                 <a:spcPts val="0"/>
@@ -15811,14 +22101,14 @@
               <a:buSzPct val="100000"/>
             </a:pPr>
             <a:r>
-              <a:rPr lang="en"/>
+              <a:rPr lang="en" dirty="0"/>
               <a:t>Use of GIT</a:t>
             </a:r>
           </a:p>
           <a:p>
             <a:pPr marL="457200" lvl="0" indent="-342900" rtl="0">
               <a:lnSpc>
-                <a:spcPct val="150000"/>
+                <a:spcPct val="100000"/>
               </a:lnSpc>
               <a:spcBef>
                 <a:spcPts val="0"/>
@@ -15829,14 +22119,14 @@
               <a:buSzPct val="100000"/>
             </a:pPr>
             <a:r>
-              <a:rPr lang="en"/>
+              <a:rPr lang="en" dirty="0"/>
               <a:t>Test Score</a:t>
             </a:r>
           </a:p>
           <a:p>
             <a:pPr marL="457200" lvl="0" indent="-342900" rtl="0">
               <a:lnSpc>
-                <a:spcPct val="150000"/>
+                <a:spcPct val="100000"/>
               </a:lnSpc>
               <a:spcBef>
                 <a:spcPts val="0"/>
@@ -15847,24 +22137,65 @@
               <a:buSzPct val="100000"/>
             </a:pPr>
             <a:r>
-              <a:rPr lang="en"/>
+              <a:rPr lang="en" dirty="0"/>
               <a:t>Server Information</a:t>
             </a:r>
           </a:p>
           <a:p>
-            <a:pPr marL="457200" lvl="0" indent="-342900">
+            <a:pPr marL="457200" lvl="0" indent="-342900" rtl="0">
               <a:lnSpc>
-                <a:spcPct val="150000"/>
+                <a:spcPct val="100000"/>
               </a:lnSpc>
               <a:spcBef>
                 <a:spcPts val="0"/>
               </a:spcBef>
+              <a:spcAft>
+                <a:spcPts val="0"/>
+              </a:spcAft>
               <a:buSzPct val="100000"/>
             </a:pPr>
             <a:r>
-              <a:rPr lang="en"/>
+              <a:rPr lang="en" dirty="0"/>
               <a:t>Lesson Learnt</a:t>
             </a:r>
+          </a:p>
+          <a:p>
+            <a:pPr marL="457200" lvl="0" indent="-342900" rtl="0">
+              <a:lnSpc>
+                <a:spcPct val="100000"/>
+              </a:lnSpc>
+              <a:spcBef>
+                <a:spcPts val="0"/>
+              </a:spcBef>
+              <a:spcAft>
+                <a:spcPts val="0"/>
+              </a:spcAft>
+              <a:buSzPct val="100000"/>
+            </a:pPr>
+            <a:r>
+              <a:rPr lang="en-SG" dirty="0"/>
+              <a:t>Team Conflict/Issues/Problems</a:t>
+            </a:r>
+            <a:endParaRPr lang="en" dirty="0"/>
+          </a:p>
+          <a:p>
+            <a:pPr marL="457200" lvl="0" indent="-342900" rtl="0">
+              <a:lnSpc>
+                <a:spcPct val="100000"/>
+              </a:lnSpc>
+              <a:spcBef>
+                <a:spcPts val="0"/>
+              </a:spcBef>
+              <a:spcAft>
+                <a:spcPts val="0"/>
+              </a:spcAft>
+              <a:buSzPct val="100000"/>
+            </a:pPr>
+            <a:r>
+              <a:rPr lang="en-SG" dirty="0"/>
+              <a:t>Interesting Facts about Each Members</a:t>
+            </a:r>
+            <a:endParaRPr lang="en" dirty="0"/>
           </a:p>
         </p:txBody>
       </p:sp>
@@ -15928,7 +22259,7 @@
               <a:buSzPct val="100000"/>
             </a:pPr>
             <a:r>
-              <a:rPr lang="en" sz="2400" b="1"/>
+              <a:rPr lang="en" sz="2400" b="1" dirty="0"/>
               <a:t>Challenges faced when collecting metric:</a:t>
             </a:r>
           </a:p>
@@ -15943,9 +22274,30 @@
               <a:buSzPct val="100000"/>
             </a:pPr>
             <a:r>
-              <a:rPr lang="en" sz="2400"/>
-              <a:t>Changes made on Planned Task was not reflected</a:t>
+              <a:rPr lang="en" sz="2400" dirty="0"/>
+              <a:t>Unplanned </a:t>
             </a:r>
+            <a:r>
+              <a:rPr lang="en-SG" sz="2400" dirty="0"/>
+              <a:t>t</a:t>
+            </a:r>
+            <a:r>
+              <a:rPr lang="en" sz="2400" dirty="0"/>
+              <a:t>ask</a:t>
+            </a:r>
+            <a:r>
+              <a:rPr lang="en-SG" sz="2400" dirty="0"/>
+              <a:t>s added</a:t>
+            </a:r>
+            <a:r>
+              <a:rPr lang="en" sz="2400" dirty="0"/>
+              <a:t> was not reflected </a:t>
+            </a:r>
+            <a:r>
+              <a:rPr lang="en-SG" sz="2400" dirty="0"/>
+              <a:t>on the metrics</a:t>
+            </a:r>
+            <a:endParaRPr lang="en" sz="2400" dirty="0"/>
           </a:p>
           <a:p>
             <a:pPr marL="457200" lvl="0" indent="-381000" rtl="0">
@@ -15958,7 +22310,7 @@
               <a:buSzPct val="100000"/>
             </a:pPr>
             <a:r>
-              <a:rPr lang="en" sz="2400" b="1"/>
+              <a:rPr lang="en" sz="2400" b="1" dirty="0"/>
               <a:t>Actions taken to overcome:</a:t>
             </a:r>
           </a:p>
@@ -15970,7 +22322,7 @@
               <a:buSzPct val="100000"/>
             </a:pPr>
             <a:r>
-              <a:rPr lang="en" sz="2400"/>
+              <a:rPr lang="en" sz="2400" dirty="0"/>
               <a:t>We manually calculated the metrics based on the formula given</a:t>
             </a:r>
           </a:p>
@@ -17817,7 +24169,7 @@
               <a:buNone/>
             </a:pPr>
             <a:r>
-              <a:rPr lang="en" sz="2400" b="1"/>
+              <a:rPr lang="en" sz="2400" b="1" dirty="0"/>
               <a:t>Problems faced in Iteration 5:</a:t>
             </a:r>
           </a:p>
@@ -17829,8 +24181,16 @@
               <a:buSzPct val="100000"/>
             </a:pPr>
             <a:r>
-              <a:rPr lang="en" sz="2400"/>
-              <a:t>We faced highest number of bugs (20) after UAT</a:t>
+              <a:rPr lang="en" sz="2400" dirty="0"/>
+              <a:t>We faced highest of bug </a:t>
+            </a:r>
+            <a:r>
+              <a:rPr lang="en-SG" sz="2400" dirty="0"/>
+              <a:t>score of</a:t>
+            </a:r>
+            <a:r>
+              <a:rPr lang="en" sz="2400" dirty="0"/>
+              <a:t> 20 after UAT</a:t>
             </a:r>
           </a:p>
           <a:p>
@@ -17841,7 +24201,7 @@
               <a:buNone/>
             </a:pPr>
             <a:r>
-              <a:rPr lang="en" sz="2400" b="1"/>
+              <a:rPr lang="en" sz="2400" b="1" dirty="0"/>
               <a:t>How we fix:</a:t>
             </a:r>
           </a:p>
@@ -17853,7 +24213,7 @@
               <a:buSzPct val="100000"/>
             </a:pPr>
             <a:r>
-              <a:rPr lang="en" sz="2400"/>
+              <a:rPr lang="en" sz="2400" dirty="0"/>
               <a:t>We used the debugging sessions to fix the all the bugs</a:t>
             </a:r>
           </a:p>
@@ -18121,8 +24481,16 @@
               <a:buNone/>
             </a:pPr>
             <a:r>
+              <a:rPr lang="en" sz="2400" b="1" dirty="0"/>
+              <a:t>Commits statistics from 15 September </a:t>
+            </a:r>
+            <a:r>
               <a:rPr lang="en" sz="2400" b="1"/>
-              <a:t>Commits statistics from 15 September to 10 November:</a:t>
+              <a:t>to 19 </a:t>
+            </a:r>
+            <a:r>
+              <a:rPr lang="en" sz="2400" b="1" dirty="0"/>
+              <a:t>November:</a:t>
             </a:r>
           </a:p>
         </p:txBody>
@@ -18162,19 +24530,19 @@
               <a:buSzPct val="100000"/>
             </a:pPr>
             <a:r>
-              <a:rPr lang="en" sz="2400" b="1"/>
-              <a:t>67 </a:t>
+              <a:rPr lang="en" sz="2400" b="1" dirty="0"/>
+              <a:t>68 </a:t>
             </a:r>
             <a:r>
-              <a:rPr lang="en" sz="2400"/>
+              <a:rPr lang="en" sz="2400" dirty="0"/>
               <a:t>commits during </a:t>
             </a:r>
             <a:r>
-              <a:rPr lang="en" sz="2400" b="1"/>
+              <a:rPr lang="en" sz="2400" b="1" dirty="0"/>
               <a:t>63 </a:t>
             </a:r>
             <a:r>
-              <a:rPr lang="en" sz="2400"/>
+              <a:rPr lang="en" sz="2400" dirty="0"/>
               <a:t>days</a:t>
             </a:r>
           </a:p>
@@ -18188,7 +24556,7 @@
               </a:spcBef>
               <a:buNone/>
             </a:pPr>
-            <a:endParaRPr sz="2400"/>
+            <a:endParaRPr sz="2400" dirty="0"/>
           </a:p>
           <a:p>
             <a:pPr marL="457200" lvl="0" indent="-381000" rtl="0">
@@ -18201,19 +24569,19 @@
               <a:buSzPct val="100000"/>
             </a:pPr>
             <a:r>
-              <a:rPr lang="en" sz="2400" i="1"/>
+              <a:rPr lang="en" sz="2400" i="1" dirty="0"/>
               <a:t>Average </a:t>
             </a:r>
             <a:r>
-              <a:rPr lang="en" sz="2400" b="1"/>
-              <a:t>1.0</a:t>
+              <a:rPr lang="en" sz="2400" b="1" dirty="0"/>
+              <a:t>1.1</a:t>
             </a:r>
             <a:r>
-              <a:rPr lang="en" sz="2400"/>
+              <a:rPr lang="en" sz="2400" dirty="0"/>
               <a:t> commits </a:t>
             </a:r>
             <a:r>
-              <a:rPr lang="en" sz="2400" i="1"/>
+              <a:rPr lang="en" sz="2400" i="1" dirty="0"/>
               <a:t>per day</a:t>
             </a:r>
           </a:p>
@@ -18221,30 +24589,32 @@
       </p:sp>
       <p:pic>
         <p:nvPicPr>
-          <p:cNvPr id="342" name="Shape 342"/>
-          <p:cNvPicPr preferRelativeResize="0"/>
+          <p:cNvPr id="3" name="Picture 2">
+            <a:extLst>
+              <a:ext uri="{FF2B5EF4-FFF2-40B4-BE49-F238E27FC236}">
+                <a16:creationId xmlns:a16="http://schemas.microsoft.com/office/drawing/2014/main" id="{52A31CE3-4273-4B0F-BA39-F001D3DAEB46}"/>
+              </a:ext>
+            </a:extLst>
+          </p:cNvPr>
+          <p:cNvPicPr>
+            <a:picLocks noChangeAspect="1"/>
+          </p:cNvPicPr>
           <p:nvPr/>
         </p:nvPicPr>
         <p:blipFill>
-          <a:blip r:embed="rId3">
-            <a:alphaModFix/>
-          </a:blip>
+          <a:blip r:embed="rId3"/>
           <a:stretch>
             <a:fillRect/>
           </a:stretch>
         </p:blipFill>
         <p:spPr>
           <a:xfrm>
-            <a:off x="4204350" y="1905596"/>
-            <a:ext cx="4694850" cy="2629375"/>
+            <a:off x="4177066" y="1933026"/>
+            <a:ext cx="4757969" cy="2657048"/>
           </a:xfrm>
           <a:prstGeom prst="rect">
             <a:avLst/>
           </a:prstGeom>
-          <a:noFill/>
-          <a:ln>
-            <a:noFill/>
-          </a:ln>
         </p:spPr>
       </p:pic>
     </p:spTree>
@@ -18310,34 +24680,36 @@
           </a:p>
         </p:txBody>
       </p:sp>
-      <p:pic>
-        <p:nvPicPr>
-          <p:cNvPr id="348" name="Shape 348"/>
-          <p:cNvPicPr preferRelativeResize="0"/>
-          <p:nvPr/>
-        </p:nvPicPr>
-        <p:blipFill>
-          <a:blip r:embed="rId3">
-            <a:alphaModFix/>
-          </a:blip>
-          <a:stretch>
-            <a:fillRect/>
-          </a:stretch>
-        </p:blipFill>
-        <p:spPr>
-          <a:xfrm>
-            <a:off x="1771276" y="1058225"/>
-            <a:ext cx="5989750" cy="3573925"/>
-          </a:xfrm>
-          <a:prstGeom prst="rect">
-            <a:avLst/>
-          </a:prstGeom>
-          <a:noFill/>
-          <a:ln>
-            <a:noFill/>
-          </a:ln>
-        </p:spPr>
-      </p:pic>
+      <p:graphicFrame>
+        <p:nvGraphicFramePr>
+          <p:cNvPr id="4" name="Chart 3">
+            <a:extLst>
+              <a:ext uri="{FF2B5EF4-FFF2-40B4-BE49-F238E27FC236}">
+                <a16:creationId xmlns:a16="http://schemas.microsoft.com/office/drawing/2014/main" id="{5BEFCD8B-8D65-41BD-8FE6-0652943E9E1D}"/>
+              </a:ext>
+            </a:extLst>
+          </p:cNvPr>
+          <p:cNvGraphicFramePr>
+            <a:graphicFrameLocks/>
+          </p:cNvGraphicFramePr>
+          <p:nvPr>
+            <p:extLst>
+              <p:ext uri="{D42A27DB-BD31-4B8C-83A1-F6EECF244321}">
+                <p14:modId xmlns:p14="http://schemas.microsoft.com/office/powerpoint/2010/main" val="3434630068"/>
+              </p:ext>
+            </p:extLst>
+          </p:nvPr>
+        </p:nvGraphicFramePr>
+        <p:xfrm>
+          <a:off x="1491174" y="1058225"/>
+          <a:ext cx="6351563" cy="3703689"/>
+        </p:xfrm>
+        <a:graphic>
+          <a:graphicData uri="http://schemas.openxmlformats.org/drawingml/2006/chart">
+            <c:chart xmlns:c="http://schemas.openxmlformats.org/drawingml/2006/chart" xmlns:r="http://schemas.openxmlformats.org/officeDocument/2006/relationships" r:id="rId3"/>
+          </a:graphicData>
+        </a:graphic>
+      </p:graphicFrame>
     </p:spTree>
   </p:cSld>
   <p:clrMapOvr>
@@ -18741,7 +25113,7 @@
               <a:buSzPct val="100000"/>
             </a:pPr>
             <a:r>
-              <a:rPr lang="en" sz="2500"/>
+              <a:rPr lang="en" sz="2500" dirty="0"/>
               <a:t>Equal work distributions is the key for our teamwork</a:t>
             </a:r>
           </a:p>
@@ -18756,8 +25128,8 @@
               <a:buSzPct val="100000"/>
             </a:pPr>
             <a:r>
-              <a:rPr lang="en" sz="2500"/>
-              <a:t>It’s important to plan the schedule ahead and follow the schedule as team</a:t>
+              <a:rPr lang="en" sz="2500" dirty="0"/>
+              <a:t>It is important to plan the schedule ahead and follow the schedule as team</a:t>
             </a:r>
           </a:p>
           <a:p>
@@ -18768,7 +25140,7 @@
               <a:buSzPct val="100000"/>
             </a:pPr>
             <a:r>
-              <a:rPr lang="en" sz="2500"/>
+              <a:rPr lang="en" sz="2500" dirty="0"/>
               <a:t>Allow everyone voice out their opinions</a:t>
             </a:r>
           </a:p>
@@ -18799,34 +25171,6 @@
           <a:chExt cx="0" cy="0"/>
         </a:xfrm>
       </p:grpSpPr>
-      <p:pic>
-        <p:nvPicPr>
-          <p:cNvPr id="71" name="Shape 71"/>
-          <p:cNvPicPr preferRelativeResize="0"/>
-          <p:nvPr/>
-        </p:nvPicPr>
-        <p:blipFill>
-          <a:blip r:embed="rId3">
-            <a:alphaModFix/>
-          </a:blip>
-          <a:stretch>
-            <a:fillRect/>
-          </a:stretch>
-        </p:blipFill>
-        <p:spPr>
-          <a:xfrm>
-            <a:off x="1513100" y="1189675"/>
-            <a:ext cx="6117800" cy="3772650"/>
-          </a:xfrm>
-          <a:prstGeom prst="rect">
-            <a:avLst/>
-          </a:prstGeom>
-          <a:noFill/>
-          <a:ln>
-            <a:noFill/>
-          </a:ln>
-        </p:spPr>
-      </p:pic>
       <p:sp>
         <p:nvSpPr>
           <p:cNvPr id="72" name="Shape 72"/>
@@ -18879,6 +25223,36 @@
           </a:p>
         </p:txBody>
       </p:sp>
+      <p:graphicFrame>
+        <p:nvGraphicFramePr>
+          <p:cNvPr id="6" name="Chart 5">
+            <a:extLst>
+              <a:ext uri="{FF2B5EF4-FFF2-40B4-BE49-F238E27FC236}">
+                <a16:creationId xmlns:a16="http://schemas.microsoft.com/office/drawing/2014/main" id="{324BABB5-1ABC-49B2-B748-8EAC13BE3DE5}"/>
+              </a:ext>
+            </a:extLst>
+          </p:cNvPr>
+          <p:cNvGraphicFramePr>
+            <a:graphicFrameLocks/>
+          </p:cNvGraphicFramePr>
+          <p:nvPr>
+            <p:extLst>
+              <p:ext uri="{D42A27DB-BD31-4B8C-83A1-F6EECF244321}">
+                <p14:modId xmlns:p14="http://schemas.microsoft.com/office/powerpoint/2010/main" val="3617041464"/>
+              </p:ext>
+            </p:extLst>
+          </p:nvPr>
+        </p:nvGraphicFramePr>
+        <p:xfrm>
+          <a:off x="259397" y="987622"/>
+          <a:ext cx="8625206" cy="3590290"/>
+        </p:xfrm>
+        <a:graphic>
+          <a:graphicData uri="http://schemas.openxmlformats.org/drawingml/2006/chart">
+            <c:chart xmlns:c="http://schemas.openxmlformats.org/drawingml/2006/chart" xmlns:r="http://schemas.openxmlformats.org/officeDocument/2006/relationships" r:id="rId3"/>
+          </a:graphicData>
+        </a:graphic>
+      </p:graphicFrame>
     </p:spTree>
   </p:cSld>
   <p:clrMapOvr>
@@ -18936,8 +25310,32 @@
               <a:buNone/>
             </a:pPr>
             <a:r>
-              <a:rPr lang="en" b="1"/>
-              <a:t>Team conflict/issues/problems</a:t>
+              <a:rPr lang="en" b="1" dirty="0"/>
+              <a:t>Team </a:t>
+            </a:r>
+            <a:r>
+              <a:rPr lang="en-SG" b="1" dirty="0"/>
+              <a:t>C</a:t>
+            </a:r>
+            <a:r>
+              <a:rPr lang="en" b="1" dirty="0"/>
+              <a:t>onflict/</a:t>
+            </a:r>
+            <a:r>
+              <a:rPr lang="en-SG" b="1" dirty="0"/>
+              <a:t>I</a:t>
+            </a:r>
+            <a:r>
+              <a:rPr lang="en" b="1" dirty="0"/>
+              <a:t>ssues/</a:t>
+            </a:r>
+            <a:r>
+              <a:rPr lang="en-SG" b="1" dirty="0"/>
+              <a:t>P</a:t>
+            </a:r>
+            <a:r>
+              <a:rPr lang="en" b="1" dirty="0"/>
+              <a:t>roblems</a:t>
             </a:r>
           </a:p>
         </p:txBody>
@@ -18977,7 +25375,7 @@
               <a:buSzPct val="100000"/>
             </a:pPr>
             <a:r>
-              <a:rPr lang="en" sz="2500" b="1"/>
+              <a:rPr lang="en" sz="2500" b="1" dirty="0"/>
               <a:t>Issue: </a:t>
             </a:r>
           </a:p>
@@ -18992,7 +25390,7 @@
               <a:buSzPct val="100000"/>
             </a:pPr>
             <a:r>
-              <a:rPr lang="en" sz="2500"/>
+              <a:rPr lang="en" sz="2500" dirty="0"/>
               <a:t>We had conflicts from different opinions on code logic</a:t>
             </a:r>
           </a:p>
@@ -19007,7 +25405,7 @@
               <a:buSzPct val="100000"/>
             </a:pPr>
             <a:r>
-              <a:rPr lang="en" sz="2500" b="1"/>
+              <a:rPr lang="en" sz="2500" b="1" dirty="0"/>
               <a:t>How we resolved: </a:t>
             </a:r>
           </a:p>
@@ -19019,8 +25417,16 @@
               <a:buSzPct val="100000"/>
             </a:pPr>
             <a:r>
-              <a:rPr lang="en" sz="2500"/>
-              <a:t>We discussed in a group and found the optimal code logic for the functions</a:t>
+              <a:rPr lang="en" sz="2500" dirty="0"/>
+              <a:t>We discussed a</a:t>
+            </a:r>
+            <a:r>
+              <a:rPr lang="en-SG" sz="2500" dirty="0"/>
+              <a:t>s a</a:t>
+            </a:r>
+            <a:r>
+              <a:rPr lang="en" sz="2500" dirty="0"/>
+              <a:t> group and found the optimal code logic for the functions</a:t>
             </a:r>
           </a:p>
         </p:txBody>
@@ -19082,8 +25488,24 @@
               <a:buNone/>
             </a:pPr>
             <a:r>
-              <a:rPr lang="en" b="1"/>
-              <a:t>Interesting facts about each member</a:t>
+              <a:rPr lang="en" b="1" dirty="0"/>
+              <a:t>Interesting </a:t>
+            </a:r>
+            <a:r>
+              <a:rPr lang="en-SG" b="1" dirty="0"/>
+              <a:t>F</a:t>
+            </a:r>
+            <a:r>
+              <a:rPr lang="en" b="1" dirty="0"/>
+              <a:t>acts about </a:t>
+            </a:r>
+            <a:r>
+              <a:rPr lang="en-SG" b="1" dirty="0"/>
+              <a:t>E</a:t>
+            </a:r>
+            <a:r>
+              <a:rPr lang="en" b="1" dirty="0"/>
+              <a:t>ach Member</a:t>
             </a:r>
           </a:p>
         </p:txBody>
@@ -19248,7 +25670,7 @@
         <p:spPr>
           <a:xfrm>
             <a:off x="490250" y="526350"/>
-            <a:ext cx="5604000" cy="4090800"/>
+            <a:ext cx="8119178" cy="4090800"/>
           </a:xfrm>
           <a:prstGeom prst="rect">
             <a:avLst/>
@@ -19260,26 +25682,26 @@
           </a:bodyPr>
           <a:lstStyle/>
           <a:p>
-            <a:pPr lvl="0">
+            <a:pPr lvl="0" algn="ctr">
               <a:spcBef>
                 <a:spcPts val="0"/>
               </a:spcBef>
               <a:buNone/>
             </a:pPr>
             <a:r>
-              <a:rPr lang="en" sz="6000" b="1"/>
+              <a:rPr lang="en" sz="6000" b="1" dirty="0"/>
               <a:t>Thank you!</a:t>
             </a:r>
           </a:p>
           <a:p>
-            <a:pPr lvl="0">
+            <a:pPr lvl="0" algn="ctr">
               <a:spcBef>
                 <a:spcPts val="0"/>
               </a:spcBef>
               <a:buNone/>
             </a:pPr>
             <a:r>
-              <a:rPr lang="en"/>
+              <a:rPr lang="en" dirty="0"/>
               <a:t>Q&amp;A</a:t>
             </a:r>
           </a:p>
@@ -19508,11 +25930,11 @@
               <a:buNone/>
             </a:pPr>
             <a:r>
-              <a:rPr lang="en" sz="1800" b="1"/>
+              <a:rPr lang="en" sz="1800" b="1" dirty="0"/>
               <a:t>Week   </a:t>
             </a:r>
             <a:r>
-              <a:rPr lang="en" sz="1800" b="1" i="0" u="none" strike="noStrike" cap="none">
+              <a:rPr lang="en" sz="1800" b="1" i="0" u="none" strike="noStrike" cap="none" dirty="0">
                 <a:solidFill>
                   <a:srgbClr val="000000"/>
                 </a:solidFill>
@@ -19520,11 +25942,11 @@
               <a:t>3            4	           5	           6	</a:t>
             </a:r>
             <a:r>
-              <a:rPr lang="en" sz="1800" b="1"/>
+              <a:rPr lang="en" sz="1800" b="1" dirty="0"/>
               <a:t>         </a:t>
             </a:r>
             <a:r>
-              <a:rPr lang="en" sz="1800" b="1" i="0" u="none" strike="noStrike" cap="none">
+              <a:rPr lang="en" sz="1800" b="1" i="0" u="none" strike="noStrike" cap="none" dirty="0">
                 <a:solidFill>
                   <a:srgbClr val="000000"/>
                 </a:solidFill>
@@ -19532,17 +25954,14 @@
               <a:t>7		        8</a:t>
             </a:r>
             <a:r>
-              <a:rPr lang="en" sz="1800" b="1"/>
+              <a:rPr lang="en" sz="1800" b="1" dirty="0"/>
               <a:t>	          </a:t>
             </a:r>
-            <a:r>
-              <a:rPr lang="en" sz="1800" b="1" i="0" u="none" strike="noStrike" cap="none">
-                <a:solidFill>
-                  <a:srgbClr val="000000"/>
-                </a:solidFill>
-              </a:rPr>
-              <a:t>9</a:t>
-            </a:r>
+            <a:endParaRPr lang="en" sz="1800" b="1" i="0" u="none" strike="noStrike" cap="none" dirty="0">
+              <a:solidFill>
+                <a:srgbClr val="000000"/>
+              </a:solidFill>
+            </a:endParaRPr>
           </a:p>
         </p:txBody>
       </p:sp>
@@ -19885,8 +26304,8 @@
         </p:nvGrpSpPr>
         <p:grpSpPr>
           <a:xfrm>
-            <a:off x="885361" y="4230750"/>
-            <a:ext cx="1667299" cy="486060"/>
+            <a:off x="885362" y="4230750"/>
+            <a:ext cx="1581658" cy="486060"/>
             <a:chOff x="1357450" y="2975250"/>
             <a:chExt cx="1462800" cy="360900"/>
           </a:xfrm>
@@ -21124,7 +27543,7 @@
         </p:nvCxnSpPr>
         <p:spPr>
           <a:xfrm rot="10800000">
-            <a:off x="4249474" y="3077130"/>
+            <a:off x="4270576" y="3077130"/>
             <a:ext cx="2100" cy="1394700"/>
           </a:xfrm>
           <a:prstGeom prst="straightConnector1">
@@ -21176,7 +27595,7 @@
         </p:nvCxnSpPr>
         <p:spPr>
           <a:xfrm rot="10800000">
-            <a:off x="2528301" y="3077130"/>
+            <a:off x="2436859" y="3077130"/>
             <a:ext cx="2100" cy="1394700"/>
           </a:xfrm>
           <a:prstGeom prst="straightConnector1">
@@ -21202,7 +27621,7 @@
         </p:nvCxnSpPr>
         <p:spPr>
           <a:xfrm rot="10800000">
-            <a:off x="896674" y="3077130"/>
+            <a:off x="931844" y="3077130"/>
             <a:ext cx="2100" cy="1394700"/>
           </a:xfrm>
           <a:prstGeom prst="straightConnector1">
@@ -23833,8 +30252,8 @@
         </p:nvSpPr>
         <p:spPr>
           <a:xfrm>
-            <a:off x="1362350" y="3018250"/>
-            <a:ext cx="1191000" cy="383100"/>
+            <a:off x="1362350" y="3018249"/>
+            <a:ext cx="1191000" cy="479323"/>
           </a:xfrm>
           <a:prstGeom prst="rect">
             <a:avLst/>
@@ -23857,7 +30276,7 @@
               <a:buNone/>
             </a:pPr>
             <a:r>
-              <a:rPr lang="en" sz="1200" b="1">
+              <a:rPr lang="en" sz="1200" b="1" dirty="0">
                 <a:solidFill>
                   <a:schemeClr val="lt2"/>
                 </a:solidFill>
@@ -24198,7 +30617,7 @@
         <p:grpSpPr>
           <a:xfrm>
             <a:off x="2844948" y="3077130"/>
-            <a:ext cx="1667299" cy="1639680"/>
+            <a:ext cx="1768104" cy="1639680"/>
             <a:chOff x="885361" y="3077130"/>
             <a:chExt cx="1667299" cy="1639680"/>
           </a:xfrm>
@@ -24397,8 +30816,8 @@
         </p:nvGrpSpPr>
         <p:grpSpPr>
           <a:xfrm>
-            <a:off x="4988411" y="3075992"/>
-            <a:ext cx="1667299" cy="1639680"/>
+            <a:off x="4841652" y="3075992"/>
+            <a:ext cx="1910839" cy="1639680"/>
             <a:chOff x="885361" y="3077130"/>
             <a:chExt cx="1667299" cy="1639680"/>
           </a:xfrm>
